--- a/assets/kafka/kafka.pptx
+++ b/assets/kafka/kafka.pptx
@@ -5,10 +5,10 @@
     <p:sldMasterId id="2147483648" r:id="rId1"/>
   </p:sldMasterIdLst>
   <p:notesMasterIdLst>
-    <p:notesMasterId r:id="rId40"/>
+    <p:notesMasterId r:id="rId41"/>
   </p:notesMasterIdLst>
   <p:handoutMasterIdLst>
-    <p:handoutMasterId r:id="rId41"/>
+    <p:handoutMasterId r:id="rId42"/>
   </p:handoutMasterIdLst>
   <p:sldIdLst>
     <p:sldId id="1053" r:id="rId2"/>
@@ -36,19 +36,20 @@
     <p:sldId id="1182" r:id="rId24"/>
     <p:sldId id="1167" r:id="rId25"/>
     <p:sldId id="1168" r:id="rId26"/>
-    <p:sldId id="1169" r:id="rId27"/>
-    <p:sldId id="1184" r:id="rId28"/>
-    <p:sldId id="1176" r:id="rId29"/>
-    <p:sldId id="1170" r:id="rId30"/>
-    <p:sldId id="1171" r:id="rId31"/>
-    <p:sldId id="1172" r:id="rId32"/>
-    <p:sldId id="1173" r:id="rId33"/>
-    <p:sldId id="1178" r:id="rId34"/>
-    <p:sldId id="1174" r:id="rId35"/>
-    <p:sldId id="1175" r:id="rId36"/>
-    <p:sldId id="1183" r:id="rId37"/>
-    <p:sldId id="1177" r:id="rId38"/>
-    <p:sldId id="1130" r:id="rId39"/>
+    <p:sldId id="1186" r:id="rId27"/>
+    <p:sldId id="1169" r:id="rId28"/>
+    <p:sldId id="1184" r:id="rId29"/>
+    <p:sldId id="1176" r:id="rId30"/>
+    <p:sldId id="1170" r:id="rId31"/>
+    <p:sldId id="1171" r:id="rId32"/>
+    <p:sldId id="1172" r:id="rId33"/>
+    <p:sldId id="1173" r:id="rId34"/>
+    <p:sldId id="1178" r:id="rId35"/>
+    <p:sldId id="1174" r:id="rId36"/>
+    <p:sldId id="1175" r:id="rId37"/>
+    <p:sldId id="1183" r:id="rId38"/>
+    <p:sldId id="1177" r:id="rId39"/>
+    <p:sldId id="1130" r:id="rId40"/>
   </p:sldIdLst>
   <p:sldSz cx="9144000" cy="5143500" type="screen16x9"/>
   <p:notesSz cx="6858000" cy="9144000"/>
@@ -281,7 +282,7 @@
           <a:p>
             <a:fld id="{A552253F-1DC1-44AB-85F9-14DB9D873A39}" type="datetimeFigureOut">
               <a:rPr lang="en-US" smtClean="0"/>
-              <a:t>4/27/2021</a:t>
+              <a:t>5/2/2021</a:t>
             </a:fld>
             <a:endParaRPr lang="en-US"/>
           </a:p>
@@ -446,7 +447,7 @@
           <a:p>
             <a:fld id="{5264D076-05C0-4F10-BAEB-F2DA581BE89B}" type="datetimeFigureOut">
               <a:rPr lang="en-US" smtClean="0"/>
-              <a:t>4/27/2021</a:t>
+              <a:t>5/2/2021</a:t>
             </a:fld>
             <a:endParaRPr lang="en-US"/>
           </a:p>
@@ -3077,7 +3078,10 @@
           <a:bodyPr/>
           <a:lstStyle/>
           <a:p>
-            <a:endParaRPr lang="zh-CN" altLang="en-US"/>
+            <a:endParaRPr lang="zh-CN" altLang="en-US" b="0" dirty="0">
+              <a:latin typeface="+mn-ea"/>
+              <a:ea typeface="+mn-ea"/>
+            </a:endParaRPr>
           </a:p>
         </p:txBody>
       </p:sp>
@@ -3107,6 +3111,90 @@
     </p:spTree>
     <p:extLst>
       <p:ext uri="{BB962C8B-B14F-4D97-AF65-F5344CB8AC3E}">
+        <p14:creationId xmlns:p14="http://schemas.microsoft.com/office/powerpoint/2010/main" val="2800093717"/>
+      </p:ext>
+    </p:extLst>
+  </p:cSld>
+  <p:clrMapOvr>
+    <a:masterClrMapping/>
+  </p:clrMapOvr>
+</p:notes>
+</file>
+
+<file path=ppt/notesSlides/notesSlide27.xml><?xml version="1.0" encoding="utf-8"?>
+<p:notes xmlns:a="http://schemas.openxmlformats.org/drawingml/2006/main" xmlns:r="http://schemas.openxmlformats.org/officeDocument/2006/relationships" xmlns:p="http://schemas.openxmlformats.org/presentationml/2006/main">
+  <p:cSld>
+    <p:spTree>
+      <p:nvGrpSpPr>
+        <p:cNvPr id="1" name=""/>
+        <p:cNvGrpSpPr/>
+        <p:nvPr/>
+      </p:nvGrpSpPr>
+      <p:grpSpPr>
+        <a:xfrm>
+          <a:off x="0" y="0"/>
+          <a:ext cx="0" cy="0"/>
+          <a:chOff x="0" y="0"/>
+          <a:chExt cx="0" cy="0"/>
+        </a:xfrm>
+      </p:grpSpPr>
+      <p:sp>
+        <p:nvSpPr>
+          <p:cNvPr id="2" name="幻灯片图像占位符 1"/>
+          <p:cNvSpPr>
+            <a:spLocks noGrp="1" noRot="1" noChangeAspect="1"/>
+          </p:cNvSpPr>
+          <p:nvPr>
+            <p:ph type="sldImg"/>
+          </p:nvPr>
+        </p:nvSpPr>
+        <p:spPr/>
+      </p:sp>
+      <p:sp>
+        <p:nvSpPr>
+          <p:cNvPr id="3" name="备注占位符 2"/>
+          <p:cNvSpPr>
+            <a:spLocks noGrp="1"/>
+          </p:cNvSpPr>
+          <p:nvPr>
+            <p:ph type="body" idx="1"/>
+          </p:nvPr>
+        </p:nvSpPr>
+        <p:spPr/>
+        <p:txBody>
+          <a:bodyPr/>
+          <a:lstStyle/>
+          <a:p>
+            <a:endParaRPr lang="zh-CN" altLang="en-US"/>
+          </a:p>
+        </p:txBody>
+      </p:sp>
+      <p:sp>
+        <p:nvSpPr>
+          <p:cNvPr id="4" name="灯片编号占位符 3"/>
+          <p:cNvSpPr>
+            <a:spLocks noGrp="1"/>
+          </p:cNvSpPr>
+          <p:nvPr>
+            <p:ph type="sldNum" sz="quarter" idx="10"/>
+          </p:nvPr>
+        </p:nvSpPr>
+        <p:spPr/>
+        <p:txBody>
+          <a:bodyPr/>
+          <a:lstStyle/>
+          <a:p>
+            <a:fld id="{C9E7B7F8-81FA-46DC-8926-8D6B124E54D6}" type="slidenum">
+              <a:rPr lang="en-US" smtClean="0"/>
+              <a:t>27</a:t>
+            </a:fld>
+            <a:endParaRPr lang="en-US"/>
+          </a:p>
+        </p:txBody>
+      </p:sp>
+    </p:spTree>
+    <p:extLst>
+      <p:ext uri="{BB962C8B-B14F-4D97-AF65-F5344CB8AC3E}">
         <p14:creationId xmlns:p14="http://schemas.microsoft.com/office/powerpoint/2010/main" val="1154371251"/>
       </p:ext>
     </p:extLst>
@@ -3117,7 +3205,7 @@
 </p:notes>
 </file>
 
-<file path=ppt/notesSlides/notesSlide27.xml><?xml version="1.0" encoding="utf-8"?>
+<file path=ppt/notesSlides/notesSlide28.xml><?xml version="1.0" encoding="utf-8"?>
 <p:notes xmlns:a="http://schemas.openxmlformats.org/drawingml/2006/main" xmlns:r="http://schemas.openxmlformats.org/officeDocument/2006/relationships" xmlns:p="http://schemas.openxmlformats.org/presentationml/2006/main">
   <p:cSld>
     <p:spTree>
@@ -3185,7 +3273,7 @@
           <a:p>
             <a:fld id="{C9E7B7F8-81FA-46DC-8926-8D6B124E54D6}" type="slidenum">
               <a:rPr lang="en-US" smtClean="0"/>
-              <a:t>27</a:t>
+              <a:t>28</a:t>
             </a:fld>
             <a:endParaRPr lang="en-US"/>
           </a:p>
@@ -3204,7 +3292,7 @@
 </p:notes>
 </file>
 
-<file path=ppt/notesSlides/notesSlide28.xml><?xml version="1.0" encoding="utf-8"?>
+<file path=ppt/notesSlides/notesSlide29.xml><?xml version="1.0" encoding="utf-8"?>
 <p:notes xmlns:a="http://schemas.openxmlformats.org/drawingml/2006/main" xmlns:r="http://schemas.openxmlformats.org/officeDocument/2006/relationships" xmlns:p="http://schemas.openxmlformats.org/presentationml/2006/main">
   <p:cSld>
     <p:spTree>
@@ -3269,7 +3357,7 @@
           <a:p>
             <a:fld id="{C9E7B7F8-81FA-46DC-8926-8D6B124E54D6}" type="slidenum">
               <a:rPr lang="en-US" smtClean="0"/>
-              <a:t>28</a:t>
+              <a:t>29</a:t>
             </a:fld>
             <a:endParaRPr lang="en-US"/>
           </a:p>
@@ -3279,93 +3367,6 @@
     <p:extLst>
       <p:ext uri="{BB962C8B-B14F-4D97-AF65-F5344CB8AC3E}">
         <p14:creationId xmlns:p14="http://schemas.microsoft.com/office/powerpoint/2010/main" val="2881049609"/>
-      </p:ext>
-    </p:extLst>
-  </p:cSld>
-  <p:clrMapOvr>
-    <a:masterClrMapping/>
-  </p:clrMapOvr>
-</p:notes>
-</file>
-
-<file path=ppt/notesSlides/notesSlide29.xml><?xml version="1.0" encoding="utf-8"?>
-<p:notes xmlns:a="http://schemas.openxmlformats.org/drawingml/2006/main" xmlns:r="http://schemas.openxmlformats.org/officeDocument/2006/relationships" xmlns:p="http://schemas.openxmlformats.org/presentationml/2006/main">
-  <p:cSld>
-    <p:spTree>
-      <p:nvGrpSpPr>
-        <p:cNvPr id="1" name=""/>
-        <p:cNvGrpSpPr/>
-        <p:nvPr/>
-      </p:nvGrpSpPr>
-      <p:grpSpPr>
-        <a:xfrm>
-          <a:off x="0" y="0"/>
-          <a:ext cx="0" cy="0"/>
-          <a:chOff x="0" y="0"/>
-          <a:chExt cx="0" cy="0"/>
-        </a:xfrm>
-      </p:grpSpPr>
-      <p:sp>
-        <p:nvSpPr>
-          <p:cNvPr id="2" name="幻灯片图像占位符 1"/>
-          <p:cNvSpPr>
-            <a:spLocks noGrp="1" noRot="1" noChangeAspect="1"/>
-          </p:cNvSpPr>
-          <p:nvPr>
-            <p:ph type="sldImg"/>
-          </p:nvPr>
-        </p:nvSpPr>
-        <p:spPr/>
-      </p:sp>
-      <p:sp>
-        <p:nvSpPr>
-          <p:cNvPr id="3" name="备注占位符 2"/>
-          <p:cNvSpPr>
-            <a:spLocks noGrp="1"/>
-          </p:cNvSpPr>
-          <p:nvPr>
-            <p:ph type="body" idx="1"/>
-          </p:nvPr>
-        </p:nvSpPr>
-        <p:spPr/>
-        <p:txBody>
-          <a:bodyPr/>
-          <a:lstStyle/>
-          <a:p>
-            <a:endParaRPr lang="zh-CN" altLang="en-US" b="0" dirty="0">
-              <a:latin typeface="+mn-ea"/>
-              <a:ea typeface="+mn-ea"/>
-            </a:endParaRPr>
-          </a:p>
-        </p:txBody>
-      </p:sp>
-      <p:sp>
-        <p:nvSpPr>
-          <p:cNvPr id="4" name="灯片编号占位符 3"/>
-          <p:cNvSpPr>
-            <a:spLocks noGrp="1"/>
-          </p:cNvSpPr>
-          <p:nvPr>
-            <p:ph type="sldNum" sz="quarter" idx="10"/>
-          </p:nvPr>
-        </p:nvSpPr>
-        <p:spPr/>
-        <p:txBody>
-          <a:bodyPr/>
-          <a:lstStyle/>
-          <a:p>
-            <a:fld id="{C9E7B7F8-81FA-46DC-8926-8D6B124E54D6}" type="slidenum">
-              <a:rPr lang="en-US" smtClean="0"/>
-              <a:t>29</a:t>
-            </a:fld>
-            <a:endParaRPr lang="en-US"/>
-          </a:p>
-        </p:txBody>
-      </p:sp>
-    </p:spTree>
-    <p:extLst>
-      <p:ext uri="{BB962C8B-B14F-4D97-AF65-F5344CB8AC3E}">
-        <p14:creationId xmlns:p14="http://schemas.microsoft.com/office/powerpoint/2010/main" val="3825493624"/>
       </p:ext>
     </p:extLst>
   </p:cSld>
@@ -3503,179 +3504,6 @@
           <a:bodyPr/>
           <a:lstStyle/>
           <a:p>
-            <a:r>
-              <a:rPr lang="zh-CN" altLang="en-US" sz="900" dirty="0">
-                <a:solidFill>
-                  <a:srgbClr val="788BA9"/>
-                </a:solidFill>
-                <a:latin typeface="微软雅黑" panose="020B0503020204020204" pitchFamily="34" charset="-122"/>
-                <a:ea typeface="微软雅黑" panose="020B0503020204020204" pitchFamily="34" charset="-122"/>
-              </a:rPr>
-              <a:t>（</a:t>
-            </a:r>
-            <a:r>
-              <a:rPr lang="en-US" altLang="zh-CN" sz="900" dirty="0">
-                <a:solidFill>
-                  <a:srgbClr val="788BA9"/>
-                </a:solidFill>
-                <a:latin typeface="微软雅黑" panose="020B0503020204020204" pitchFamily="34" charset="-122"/>
-                <a:ea typeface="微软雅黑" panose="020B0503020204020204" pitchFamily="34" charset="-122"/>
-              </a:rPr>
-              <a:t>1</a:t>
-            </a:r>
-            <a:r>
-              <a:rPr lang="zh-CN" altLang="en-US" sz="900" dirty="0">
-                <a:solidFill>
-                  <a:srgbClr val="788BA9"/>
-                </a:solidFill>
-                <a:latin typeface="微软雅黑" panose="020B0503020204020204" pitchFamily="34" charset="-122"/>
-                <a:ea typeface="微软雅黑" panose="020B0503020204020204" pitchFamily="34" charset="-122"/>
-              </a:rPr>
-              <a:t>）</a:t>
-            </a:r>
-            <a:r>
-              <a:rPr lang="en-US" altLang="zh-CN" sz="900" dirty="0">
-                <a:solidFill>
-                  <a:srgbClr val="788BA9"/>
-                </a:solidFill>
-                <a:latin typeface="微软雅黑" panose="020B0503020204020204" pitchFamily="34" charset="-122"/>
-                <a:ea typeface="微软雅黑" panose="020B0503020204020204" pitchFamily="34" charset="-122"/>
-              </a:rPr>
-              <a:t>Kafka </a:t>
-            </a:r>
-            <a:r>
-              <a:rPr lang="zh-CN" altLang="en-US" sz="900" dirty="0">
-                <a:solidFill>
-                  <a:srgbClr val="788BA9"/>
-                </a:solidFill>
-                <a:latin typeface="微软雅黑" panose="020B0503020204020204" pitchFamily="34" charset="-122"/>
-                <a:ea typeface="微软雅黑" panose="020B0503020204020204" pitchFamily="34" charset="-122"/>
-              </a:rPr>
-              <a:t>只对“已提交”的消息（</a:t>
-            </a:r>
-            <a:r>
-              <a:rPr lang="en-US" altLang="zh-CN" sz="900" dirty="0">
-                <a:solidFill>
-                  <a:srgbClr val="788BA9"/>
-                </a:solidFill>
-                <a:latin typeface="微软雅黑" panose="020B0503020204020204" pitchFamily="34" charset="-122"/>
-                <a:ea typeface="微软雅黑" panose="020B0503020204020204" pitchFamily="34" charset="-122"/>
-              </a:rPr>
-              <a:t>committed message</a:t>
-            </a:r>
-            <a:r>
-              <a:rPr lang="zh-CN" altLang="en-US" sz="900" dirty="0">
-                <a:solidFill>
-                  <a:srgbClr val="788BA9"/>
-                </a:solidFill>
-                <a:latin typeface="微软雅黑" panose="020B0503020204020204" pitchFamily="34" charset="-122"/>
-                <a:ea typeface="微软雅黑" panose="020B0503020204020204" pitchFamily="34" charset="-122"/>
-              </a:rPr>
-              <a:t>）做有限度的持久化保证</a:t>
-            </a:r>
-            <a:endParaRPr lang="en-US" altLang="zh-CN" b="0" dirty="0">
-              <a:latin typeface="+mn-ea"/>
-              <a:ea typeface="+mn-ea"/>
-            </a:endParaRPr>
-          </a:p>
-          <a:p>
-            <a:r>
-              <a:rPr lang="zh-CN" altLang="en-US" b="0" dirty="0">
-                <a:latin typeface="+mn-ea"/>
-                <a:ea typeface="+mn-ea"/>
-              </a:rPr>
-              <a:t>“已提交”</a:t>
-            </a:r>
-            <a:r>
-              <a:rPr lang="en-US" altLang="zh-CN" b="0" dirty="0">
-                <a:latin typeface="+mn-ea"/>
-                <a:ea typeface="+mn-ea"/>
-              </a:rPr>
-              <a:t>——</a:t>
-            </a:r>
-            <a:r>
-              <a:rPr lang="zh-CN" altLang="en-US" b="0" dirty="0">
-                <a:latin typeface="+mn-ea"/>
-                <a:ea typeface="+mn-ea"/>
-              </a:rPr>
-              <a:t>只有当消息被写入分区的若干同步副本时，才被认为是已提交的。为什么是若干个 </a:t>
-            </a:r>
-            <a:r>
-              <a:rPr lang="en-US" altLang="zh-CN" b="0" dirty="0">
-                <a:latin typeface="+mn-ea"/>
-                <a:ea typeface="+mn-ea"/>
-              </a:rPr>
-              <a:t>Broker </a:t>
-            </a:r>
-            <a:r>
-              <a:rPr lang="zh-CN" altLang="en-US" b="0" dirty="0">
-                <a:latin typeface="+mn-ea"/>
-                <a:ea typeface="+mn-ea"/>
-              </a:rPr>
-              <a:t>呢？这取决于你对“已提交”的定义。你可以选择只要 </a:t>
-            </a:r>
-            <a:r>
-              <a:rPr lang="en-US" altLang="zh-CN" b="0" dirty="0">
-                <a:latin typeface="+mn-ea"/>
-                <a:ea typeface="+mn-ea"/>
-              </a:rPr>
-              <a:t>Leader </a:t>
-            </a:r>
-            <a:r>
-              <a:rPr lang="zh-CN" altLang="en-US" b="0" dirty="0">
-                <a:latin typeface="+mn-ea"/>
-                <a:ea typeface="+mn-ea"/>
-              </a:rPr>
-              <a:t>成功保存该消息就算是已提交，也可以是令所有 </a:t>
-            </a:r>
-            <a:r>
-              <a:rPr lang="en-US" altLang="zh-CN" b="0" dirty="0">
-                <a:latin typeface="+mn-ea"/>
-                <a:ea typeface="+mn-ea"/>
-              </a:rPr>
-              <a:t>Broker </a:t>
-            </a:r>
-            <a:r>
-              <a:rPr lang="zh-CN" altLang="en-US" b="0" dirty="0">
-                <a:latin typeface="+mn-ea"/>
-                <a:ea typeface="+mn-ea"/>
-              </a:rPr>
-              <a:t>都成功保存该消息才算是已提交（通过 </a:t>
-            </a:r>
-            <a:r>
-              <a:rPr lang="en-US" altLang="zh-CN" b="0" dirty="0">
-                <a:latin typeface="+mn-ea"/>
-                <a:ea typeface="+mn-ea"/>
-              </a:rPr>
-              <a:t>acks </a:t>
-            </a:r>
-            <a:r>
-              <a:rPr lang="zh-CN" altLang="en-US" b="0" dirty="0">
-                <a:latin typeface="+mn-ea"/>
-                <a:ea typeface="+mn-ea"/>
-              </a:rPr>
-              <a:t>来配置）。</a:t>
-            </a:r>
-          </a:p>
-          <a:p>
-            <a:r>
-              <a:rPr lang="zh-CN" altLang="en-US" b="0" dirty="0">
-                <a:latin typeface="+mn-ea"/>
-                <a:ea typeface="+mn-ea"/>
-              </a:rPr>
-              <a:t>只要还有一个副本是存活的，那么已提交的消息就不会丢失。</a:t>
-            </a:r>
-          </a:p>
-          <a:p>
-            <a:r>
-              <a:rPr lang="zh-CN" altLang="en-US" b="0" dirty="0">
-                <a:latin typeface="+mn-ea"/>
-                <a:ea typeface="+mn-ea"/>
-              </a:rPr>
-              <a:t>消费者只能读取已提交的消息。</a:t>
-            </a:r>
-          </a:p>
-          <a:p>
             <a:endParaRPr lang="zh-CN" altLang="en-US" b="0" dirty="0">
               <a:latin typeface="+mn-ea"/>
               <a:ea typeface="+mn-ea"/>
@@ -3709,7 +3537,7 @@
     </p:spTree>
     <p:extLst>
       <p:ext uri="{BB962C8B-B14F-4D97-AF65-F5344CB8AC3E}">
-        <p14:creationId xmlns:p14="http://schemas.microsoft.com/office/powerpoint/2010/main" val="523075594"/>
+        <p14:creationId xmlns:p14="http://schemas.microsoft.com/office/powerpoint/2010/main" val="3825493624"/>
       </p:ext>
     </p:extLst>
   </p:cSld>
@@ -3763,6 +3591,179 @@
           <a:bodyPr/>
           <a:lstStyle/>
           <a:p>
+            <a:r>
+              <a:rPr lang="zh-CN" altLang="en-US" sz="900" dirty="0">
+                <a:solidFill>
+                  <a:srgbClr val="788BA9"/>
+                </a:solidFill>
+                <a:latin typeface="微软雅黑" panose="020B0503020204020204" pitchFamily="34" charset="-122"/>
+                <a:ea typeface="微软雅黑" panose="020B0503020204020204" pitchFamily="34" charset="-122"/>
+              </a:rPr>
+              <a:t>（</a:t>
+            </a:r>
+            <a:r>
+              <a:rPr lang="en-US" altLang="zh-CN" sz="900" dirty="0">
+                <a:solidFill>
+                  <a:srgbClr val="788BA9"/>
+                </a:solidFill>
+                <a:latin typeface="微软雅黑" panose="020B0503020204020204" pitchFamily="34" charset="-122"/>
+                <a:ea typeface="微软雅黑" panose="020B0503020204020204" pitchFamily="34" charset="-122"/>
+              </a:rPr>
+              <a:t>1</a:t>
+            </a:r>
+            <a:r>
+              <a:rPr lang="zh-CN" altLang="en-US" sz="900" dirty="0">
+                <a:solidFill>
+                  <a:srgbClr val="788BA9"/>
+                </a:solidFill>
+                <a:latin typeface="微软雅黑" panose="020B0503020204020204" pitchFamily="34" charset="-122"/>
+                <a:ea typeface="微软雅黑" panose="020B0503020204020204" pitchFamily="34" charset="-122"/>
+              </a:rPr>
+              <a:t>）</a:t>
+            </a:r>
+            <a:r>
+              <a:rPr lang="en-US" altLang="zh-CN" sz="900" dirty="0">
+                <a:solidFill>
+                  <a:srgbClr val="788BA9"/>
+                </a:solidFill>
+                <a:latin typeface="微软雅黑" panose="020B0503020204020204" pitchFamily="34" charset="-122"/>
+                <a:ea typeface="微软雅黑" panose="020B0503020204020204" pitchFamily="34" charset="-122"/>
+              </a:rPr>
+              <a:t>Kafka </a:t>
+            </a:r>
+            <a:r>
+              <a:rPr lang="zh-CN" altLang="en-US" sz="900" dirty="0">
+                <a:solidFill>
+                  <a:srgbClr val="788BA9"/>
+                </a:solidFill>
+                <a:latin typeface="微软雅黑" panose="020B0503020204020204" pitchFamily="34" charset="-122"/>
+                <a:ea typeface="微软雅黑" panose="020B0503020204020204" pitchFamily="34" charset="-122"/>
+              </a:rPr>
+              <a:t>只对“已提交”的消息（</a:t>
+            </a:r>
+            <a:r>
+              <a:rPr lang="en-US" altLang="zh-CN" sz="900" dirty="0">
+                <a:solidFill>
+                  <a:srgbClr val="788BA9"/>
+                </a:solidFill>
+                <a:latin typeface="微软雅黑" panose="020B0503020204020204" pitchFamily="34" charset="-122"/>
+                <a:ea typeface="微软雅黑" panose="020B0503020204020204" pitchFamily="34" charset="-122"/>
+              </a:rPr>
+              <a:t>committed message</a:t>
+            </a:r>
+            <a:r>
+              <a:rPr lang="zh-CN" altLang="en-US" sz="900" dirty="0">
+                <a:solidFill>
+                  <a:srgbClr val="788BA9"/>
+                </a:solidFill>
+                <a:latin typeface="微软雅黑" panose="020B0503020204020204" pitchFamily="34" charset="-122"/>
+                <a:ea typeface="微软雅黑" panose="020B0503020204020204" pitchFamily="34" charset="-122"/>
+              </a:rPr>
+              <a:t>）做有限度的持久化保证</a:t>
+            </a:r>
+            <a:endParaRPr lang="en-US" altLang="zh-CN" b="0" dirty="0">
+              <a:latin typeface="+mn-ea"/>
+              <a:ea typeface="+mn-ea"/>
+            </a:endParaRPr>
+          </a:p>
+          <a:p>
+            <a:r>
+              <a:rPr lang="zh-CN" altLang="en-US" b="0" dirty="0">
+                <a:latin typeface="+mn-ea"/>
+                <a:ea typeface="+mn-ea"/>
+              </a:rPr>
+              <a:t>“已提交”</a:t>
+            </a:r>
+            <a:r>
+              <a:rPr lang="en-US" altLang="zh-CN" b="0" dirty="0">
+                <a:latin typeface="+mn-ea"/>
+                <a:ea typeface="+mn-ea"/>
+              </a:rPr>
+              <a:t>——</a:t>
+            </a:r>
+            <a:r>
+              <a:rPr lang="zh-CN" altLang="en-US" b="0" dirty="0">
+                <a:latin typeface="+mn-ea"/>
+                <a:ea typeface="+mn-ea"/>
+              </a:rPr>
+              <a:t>只有当消息被写入分区的若干同步副本时，才被认为是已提交的。为什么是若干个 </a:t>
+            </a:r>
+            <a:r>
+              <a:rPr lang="en-US" altLang="zh-CN" b="0" dirty="0">
+                <a:latin typeface="+mn-ea"/>
+                <a:ea typeface="+mn-ea"/>
+              </a:rPr>
+              <a:t>Broker </a:t>
+            </a:r>
+            <a:r>
+              <a:rPr lang="zh-CN" altLang="en-US" b="0" dirty="0">
+                <a:latin typeface="+mn-ea"/>
+                <a:ea typeface="+mn-ea"/>
+              </a:rPr>
+              <a:t>呢？这取决于你对“已提交”的定义。你可以选择只要 </a:t>
+            </a:r>
+            <a:r>
+              <a:rPr lang="en-US" altLang="zh-CN" b="0" dirty="0">
+                <a:latin typeface="+mn-ea"/>
+                <a:ea typeface="+mn-ea"/>
+              </a:rPr>
+              <a:t>Leader </a:t>
+            </a:r>
+            <a:r>
+              <a:rPr lang="zh-CN" altLang="en-US" b="0" dirty="0">
+                <a:latin typeface="+mn-ea"/>
+                <a:ea typeface="+mn-ea"/>
+              </a:rPr>
+              <a:t>成功保存该消息就算是已提交，也可以是令所有 </a:t>
+            </a:r>
+            <a:r>
+              <a:rPr lang="en-US" altLang="zh-CN" b="0" dirty="0">
+                <a:latin typeface="+mn-ea"/>
+                <a:ea typeface="+mn-ea"/>
+              </a:rPr>
+              <a:t>Broker </a:t>
+            </a:r>
+            <a:r>
+              <a:rPr lang="zh-CN" altLang="en-US" b="0" dirty="0">
+                <a:latin typeface="+mn-ea"/>
+                <a:ea typeface="+mn-ea"/>
+              </a:rPr>
+              <a:t>都成功保存该消息才算是已提交（通过 </a:t>
+            </a:r>
+            <a:r>
+              <a:rPr lang="en-US" altLang="zh-CN" b="0" dirty="0">
+                <a:latin typeface="+mn-ea"/>
+                <a:ea typeface="+mn-ea"/>
+              </a:rPr>
+              <a:t>acks </a:t>
+            </a:r>
+            <a:r>
+              <a:rPr lang="zh-CN" altLang="en-US" b="0" dirty="0">
+                <a:latin typeface="+mn-ea"/>
+                <a:ea typeface="+mn-ea"/>
+              </a:rPr>
+              <a:t>来配置）。</a:t>
+            </a:r>
+          </a:p>
+          <a:p>
+            <a:r>
+              <a:rPr lang="zh-CN" altLang="en-US" b="0" dirty="0">
+                <a:latin typeface="+mn-ea"/>
+                <a:ea typeface="+mn-ea"/>
+              </a:rPr>
+              <a:t>只要还有一个副本是存活的，那么已提交的消息就不会丢失。</a:t>
+            </a:r>
+          </a:p>
+          <a:p>
+            <a:r>
+              <a:rPr lang="zh-CN" altLang="en-US" b="0" dirty="0">
+                <a:latin typeface="+mn-ea"/>
+                <a:ea typeface="+mn-ea"/>
+              </a:rPr>
+              <a:t>消费者只能读取已提交的消息。</a:t>
+            </a:r>
+          </a:p>
+          <a:p>
             <a:endParaRPr lang="zh-CN" altLang="en-US" b="0" dirty="0">
               <a:latin typeface="+mn-ea"/>
               <a:ea typeface="+mn-ea"/>
@@ -3796,7 +3797,7 @@
     </p:spTree>
     <p:extLst>
       <p:ext uri="{BB962C8B-B14F-4D97-AF65-F5344CB8AC3E}">
-        <p14:creationId xmlns:p14="http://schemas.microsoft.com/office/powerpoint/2010/main" val="1899737541"/>
+        <p14:creationId xmlns:p14="http://schemas.microsoft.com/office/powerpoint/2010/main" val="523075594"/>
       </p:ext>
     </p:extLst>
   </p:cSld>
@@ -3883,7 +3884,7 @@
     </p:spTree>
     <p:extLst>
       <p:ext uri="{BB962C8B-B14F-4D97-AF65-F5344CB8AC3E}">
-        <p14:creationId xmlns:p14="http://schemas.microsoft.com/office/powerpoint/2010/main" val="4098951714"/>
+        <p14:creationId xmlns:p14="http://schemas.microsoft.com/office/powerpoint/2010/main" val="1899737541"/>
       </p:ext>
     </p:extLst>
   </p:cSld>
@@ -3970,7 +3971,7 @@
     </p:spTree>
     <p:extLst>
       <p:ext uri="{BB962C8B-B14F-4D97-AF65-F5344CB8AC3E}">
-        <p14:creationId xmlns:p14="http://schemas.microsoft.com/office/powerpoint/2010/main" val="3609841464"/>
+        <p14:creationId xmlns:p14="http://schemas.microsoft.com/office/powerpoint/2010/main" val="4098951714"/>
       </p:ext>
     </p:extLst>
   </p:cSld>
@@ -4057,7 +4058,7 @@
     </p:spTree>
     <p:extLst>
       <p:ext uri="{BB962C8B-B14F-4D97-AF65-F5344CB8AC3E}">
-        <p14:creationId xmlns:p14="http://schemas.microsoft.com/office/powerpoint/2010/main" val="3871633040"/>
+        <p14:creationId xmlns:p14="http://schemas.microsoft.com/office/powerpoint/2010/main" val="3609841464"/>
       </p:ext>
     </p:extLst>
   </p:cSld>
@@ -4144,7 +4145,7 @@
     </p:spTree>
     <p:extLst>
       <p:ext uri="{BB962C8B-B14F-4D97-AF65-F5344CB8AC3E}">
-        <p14:creationId xmlns:p14="http://schemas.microsoft.com/office/powerpoint/2010/main" val="1140729615"/>
+        <p14:creationId xmlns:p14="http://schemas.microsoft.com/office/powerpoint/2010/main" val="3871633040"/>
       </p:ext>
     </p:extLst>
   </p:cSld>
@@ -4155,90 +4156,6 @@
 </file>
 
 <file path=ppt/notesSlides/notesSlide36.xml><?xml version="1.0" encoding="utf-8"?>
-<p:notes xmlns:a="http://schemas.openxmlformats.org/drawingml/2006/main" xmlns:r="http://schemas.openxmlformats.org/officeDocument/2006/relationships" xmlns:p="http://schemas.openxmlformats.org/presentationml/2006/main">
-  <p:cSld>
-    <p:spTree>
-      <p:nvGrpSpPr>
-        <p:cNvPr id="1" name=""/>
-        <p:cNvGrpSpPr/>
-        <p:nvPr/>
-      </p:nvGrpSpPr>
-      <p:grpSpPr>
-        <a:xfrm>
-          <a:off x="0" y="0"/>
-          <a:ext cx="0" cy="0"/>
-          <a:chOff x="0" y="0"/>
-          <a:chExt cx="0" cy="0"/>
-        </a:xfrm>
-      </p:grpSpPr>
-      <p:sp>
-        <p:nvSpPr>
-          <p:cNvPr id="2" name="幻灯片图像占位符 1"/>
-          <p:cNvSpPr>
-            <a:spLocks noGrp="1" noRot="1" noChangeAspect="1"/>
-          </p:cNvSpPr>
-          <p:nvPr>
-            <p:ph type="sldImg"/>
-          </p:nvPr>
-        </p:nvSpPr>
-        <p:spPr/>
-      </p:sp>
-      <p:sp>
-        <p:nvSpPr>
-          <p:cNvPr id="3" name="备注占位符 2"/>
-          <p:cNvSpPr>
-            <a:spLocks noGrp="1"/>
-          </p:cNvSpPr>
-          <p:nvPr>
-            <p:ph type="body" idx="1"/>
-          </p:nvPr>
-        </p:nvSpPr>
-        <p:spPr/>
-        <p:txBody>
-          <a:bodyPr/>
-          <a:lstStyle/>
-          <a:p>
-            <a:endParaRPr lang="zh-CN" altLang="en-US"/>
-          </a:p>
-        </p:txBody>
-      </p:sp>
-      <p:sp>
-        <p:nvSpPr>
-          <p:cNvPr id="4" name="灯片编号占位符 3"/>
-          <p:cNvSpPr>
-            <a:spLocks noGrp="1"/>
-          </p:cNvSpPr>
-          <p:nvPr>
-            <p:ph type="sldNum" sz="quarter" idx="10"/>
-          </p:nvPr>
-        </p:nvSpPr>
-        <p:spPr/>
-        <p:txBody>
-          <a:bodyPr/>
-          <a:lstStyle/>
-          <a:p>
-            <a:fld id="{C9E7B7F8-81FA-46DC-8926-8D6B124E54D6}" type="slidenum">
-              <a:rPr lang="en-US" smtClean="0"/>
-              <a:t>36</a:t>
-            </a:fld>
-            <a:endParaRPr lang="en-US"/>
-          </a:p>
-        </p:txBody>
-      </p:sp>
-    </p:spTree>
-    <p:extLst>
-      <p:ext uri="{BB962C8B-B14F-4D97-AF65-F5344CB8AC3E}">
-        <p14:creationId xmlns:p14="http://schemas.microsoft.com/office/powerpoint/2010/main" val="192708378"/>
-      </p:ext>
-    </p:extLst>
-  </p:cSld>
-  <p:clrMapOvr>
-    <a:masterClrMapping/>
-  </p:clrMapOvr>
-</p:notes>
-</file>
-
-<file path=ppt/notesSlides/notesSlide37.xml><?xml version="1.0" encoding="utf-8"?>
 <p:notes xmlns:a="http://schemas.openxmlformats.org/drawingml/2006/main" xmlns:r="http://schemas.openxmlformats.org/officeDocument/2006/relationships" xmlns:p="http://schemas.openxmlformats.org/presentationml/2006/main">
   <p:cSld>
     <p:spTree>
@@ -4306,7 +4223,7 @@
           <a:p>
             <a:fld id="{C9E7B7F8-81FA-46DC-8926-8D6B124E54D6}" type="slidenum">
               <a:rPr lang="en-US" smtClean="0"/>
-              <a:t>37</a:t>
+              <a:t>36</a:t>
             </a:fld>
             <a:endParaRPr lang="en-US"/>
           </a:p>
@@ -4315,7 +4232,7 @@
     </p:spTree>
     <p:extLst>
       <p:ext uri="{BB962C8B-B14F-4D97-AF65-F5344CB8AC3E}">
-        <p14:creationId xmlns:p14="http://schemas.microsoft.com/office/powerpoint/2010/main" val="3506341515"/>
+        <p14:creationId xmlns:p14="http://schemas.microsoft.com/office/powerpoint/2010/main" val="1140729615"/>
       </p:ext>
     </p:extLst>
   </p:cSld>
@@ -4325,7 +4242,7 @@
 </p:notes>
 </file>
 
-<file path=ppt/notesSlides/notesSlide38.xml><?xml version="1.0" encoding="utf-8"?>
+<file path=ppt/notesSlides/notesSlide37.xml><?xml version="1.0" encoding="utf-8"?>
 <p:notes xmlns:a="http://schemas.openxmlformats.org/drawingml/2006/main" xmlns:r="http://schemas.openxmlformats.org/officeDocument/2006/relationships" xmlns:p="http://schemas.openxmlformats.org/presentationml/2006/main">
   <p:cSld>
     <p:spTree>
@@ -4390,7 +4307,178 @@
           <a:p>
             <a:fld id="{C9E7B7F8-81FA-46DC-8926-8D6B124E54D6}" type="slidenum">
               <a:rPr lang="en-US" smtClean="0"/>
+              <a:t>37</a:t>
+            </a:fld>
+            <a:endParaRPr lang="en-US"/>
+          </a:p>
+        </p:txBody>
+      </p:sp>
+    </p:spTree>
+    <p:extLst>
+      <p:ext uri="{BB962C8B-B14F-4D97-AF65-F5344CB8AC3E}">
+        <p14:creationId xmlns:p14="http://schemas.microsoft.com/office/powerpoint/2010/main" val="192708378"/>
+      </p:ext>
+    </p:extLst>
+  </p:cSld>
+  <p:clrMapOvr>
+    <a:masterClrMapping/>
+  </p:clrMapOvr>
+</p:notes>
+</file>
+
+<file path=ppt/notesSlides/notesSlide38.xml><?xml version="1.0" encoding="utf-8"?>
+<p:notes xmlns:a="http://schemas.openxmlformats.org/drawingml/2006/main" xmlns:r="http://schemas.openxmlformats.org/officeDocument/2006/relationships" xmlns:p="http://schemas.openxmlformats.org/presentationml/2006/main">
+  <p:cSld>
+    <p:spTree>
+      <p:nvGrpSpPr>
+        <p:cNvPr id="1" name=""/>
+        <p:cNvGrpSpPr/>
+        <p:nvPr/>
+      </p:nvGrpSpPr>
+      <p:grpSpPr>
+        <a:xfrm>
+          <a:off x="0" y="0"/>
+          <a:ext cx="0" cy="0"/>
+          <a:chOff x="0" y="0"/>
+          <a:chExt cx="0" cy="0"/>
+        </a:xfrm>
+      </p:grpSpPr>
+      <p:sp>
+        <p:nvSpPr>
+          <p:cNvPr id="2" name="幻灯片图像占位符 1"/>
+          <p:cNvSpPr>
+            <a:spLocks noGrp="1" noRot="1" noChangeAspect="1"/>
+          </p:cNvSpPr>
+          <p:nvPr>
+            <p:ph type="sldImg"/>
+          </p:nvPr>
+        </p:nvSpPr>
+        <p:spPr/>
+      </p:sp>
+      <p:sp>
+        <p:nvSpPr>
+          <p:cNvPr id="3" name="备注占位符 2"/>
+          <p:cNvSpPr>
+            <a:spLocks noGrp="1"/>
+          </p:cNvSpPr>
+          <p:nvPr>
+            <p:ph type="body" idx="1"/>
+          </p:nvPr>
+        </p:nvSpPr>
+        <p:spPr/>
+        <p:txBody>
+          <a:bodyPr/>
+          <a:lstStyle/>
+          <a:p>
+            <a:endParaRPr lang="zh-CN" altLang="en-US" b="0" dirty="0">
+              <a:latin typeface="+mn-ea"/>
+              <a:ea typeface="+mn-ea"/>
+            </a:endParaRPr>
+          </a:p>
+        </p:txBody>
+      </p:sp>
+      <p:sp>
+        <p:nvSpPr>
+          <p:cNvPr id="4" name="灯片编号占位符 3"/>
+          <p:cNvSpPr>
+            <a:spLocks noGrp="1"/>
+          </p:cNvSpPr>
+          <p:nvPr>
+            <p:ph type="sldNum" sz="quarter" idx="10"/>
+          </p:nvPr>
+        </p:nvSpPr>
+        <p:spPr/>
+        <p:txBody>
+          <a:bodyPr/>
+          <a:lstStyle/>
+          <a:p>
+            <a:fld id="{C9E7B7F8-81FA-46DC-8926-8D6B124E54D6}" type="slidenum">
+              <a:rPr lang="en-US" smtClean="0"/>
               <a:t>38</a:t>
+            </a:fld>
+            <a:endParaRPr lang="en-US"/>
+          </a:p>
+        </p:txBody>
+      </p:sp>
+    </p:spTree>
+    <p:extLst>
+      <p:ext uri="{BB962C8B-B14F-4D97-AF65-F5344CB8AC3E}">
+        <p14:creationId xmlns:p14="http://schemas.microsoft.com/office/powerpoint/2010/main" val="3506341515"/>
+      </p:ext>
+    </p:extLst>
+  </p:cSld>
+  <p:clrMapOvr>
+    <a:masterClrMapping/>
+  </p:clrMapOvr>
+</p:notes>
+</file>
+
+<file path=ppt/notesSlides/notesSlide39.xml><?xml version="1.0" encoding="utf-8"?>
+<p:notes xmlns:a="http://schemas.openxmlformats.org/drawingml/2006/main" xmlns:r="http://schemas.openxmlformats.org/officeDocument/2006/relationships" xmlns:p="http://schemas.openxmlformats.org/presentationml/2006/main">
+  <p:cSld>
+    <p:spTree>
+      <p:nvGrpSpPr>
+        <p:cNvPr id="1" name=""/>
+        <p:cNvGrpSpPr/>
+        <p:nvPr/>
+      </p:nvGrpSpPr>
+      <p:grpSpPr>
+        <a:xfrm>
+          <a:off x="0" y="0"/>
+          <a:ext cx="0" cy="0"/>
+          <a:chOff x="0" y="0"/>
+          <a:chExt cx="0" cy="0"/>
+        </a:xfrm>
+      </p:grpSpPr>
+      <p:sp>
+        <p:nvSpPr>
+          <p:cNvPr id="2" name="幻灯片图像占位符 1"/>
+          <p:cNvSpPr>
+            <a:spLocks noGrp="1" noRot="1" noChangeAspect="1"/>
+          </p:cNvSpPr>
+          <p:nvPr>
+            <p:ph type="sldImg"/>
+          </p:nvPr>
+        </p:nvSpPr>
+        <p:spPr/>
+      </p:sp>
+      <p:sp>
+        <p:nvSpPr>
+          <p:cNvPr id="3" name="备注占位符 2"/>
+          <p:cNvSpPr>
+            <a:spLocks noGrp="1"/>
+          </p:cNvSpPr>
+          <p:nvPr>
+            <p:ph type="body" idx="1"/>
+          </p:nvPr>
+        </p:nvSpPr>
+        <p:spPr/>
+        <p:txBody>
+          <a:bodyPr/>
+          <a:lstStyle/>
+          <a:p>
+            <a:endParaRPr lang="zh-CN" altLang="en-US"/>
+          </a:p>
+        </p:txBody>
+      </p:sp>
+      <p:sp>
+        <p:nvSpPr>
+          <p:cNvPr id="4" name="灯片编号占位符 3"/>
+          <p:cNvSpPr>
+            <a:spLocks noGrp="1"/>
+          </p:cNvSpPr>
+          <p:nvPr>
+            <p:ph type="sldNum" sz="quarter" idx="10"/>
+          </p:nvPr>
+        </p:nvSpPr>
+        <p:spPr/>
+        <p:txBody>
+          <a:bodyPr/>
+          <a:lstStyle/>
+          <a:p>
+            <a:fld id="{C9E7B7F8-81FA-46DC-8926-8D6B124E54D6}" type="slidenum">
+              <a:rPr lang="en-US" smtClean="0"/>
+              <a:t>39</a:t>
             </a:fld>
             <a:endParaRPr lang="en-US"/>
           </a:p>
@@ -21854,7 +21942,7 @@
           </a:ln>
           <a:extLst>
             <a:ext uri="{C572A759-6A51-4108-AA02-DFA0A04FC94B}">
-              <ma14:wrappingTextBoxFlag xmlns="" xmlns:lc="http://schemas.openxmlformats.org/drawingml/2006/lockedCanvas" xmlns:a16="http://schemas.microsoft.com/office/drawing/2014/main" xmlns:p14="http://schemas.microsoft.com/office/powerpoint/2010/main" xmlns:ma14="http://schemas.microsoft.com/office/mac/drawingml/2011/main" val="1"/>
+              <ma14:wrappingTextBoxFlag xmlns:ma14="http://schemas.microsoft.com/office/mac/drawingml/2011/main" xmlns:p14="http://schemas.microsoft.com/office/powerpoint/2010/main" xmlns:a16="http://schemas.microsoft.com/office/drawing/2014/main" xmlns:lc="http://schemas.openxmlformats.org/drawingml/2006/lockedCanvas" xmlns="" val="1"/>
             </a:ext>
           </a:extLst>
         </p:spPr>
@@ -22142,7 +22230,7 @@
           </a:ln>
           <a:extLst>
             <a:ext uri="{C572A759-6A51-4108-AA02-DFA0A04FC94B}">
-              <ma14:wrappingTextBoxFlag xmlns="" xmlns:lc="http://schemas.openxmlformats.org/drawingml/2006/lockedCanvas" xmlns:a16="http://schemas.microsoft.com/office/drawing/2014/main" xmlns:p14="http://schemas.microsoft.com/office/powerpoint/2010/main" xmlns:ma14="http://schemas.microsoft.com/office/mac/drawingml/2011/main" val="1"/>
+              <ma14:wrappingTextBoxFlag xmlns:ma14="http://schemas.microsoft.com/office/mac/drawingml/2011/main" xmlns:p14="http://schemas.microsoft.com/office/powerpoint/2010/main" xmlns:a16="http://schemas.microsoft.com/office/drawing/2014/main" xmlns:lc="http://schemas.openxmlformats.org/drawingml/2006/lockedCanvas" xmlns="" val="1"/>
             </a:ext>
           </a:extLst>
         </p:spPr>
@@ -22437,7 +22525,7 @@
           </a:ln>
           <a:extLst>
             <a:ext uri="{C572A759-6A51-4108-AA02-DFA0A04FC94B}">
-              <ma14:wrappingTextBoxFlag xmlns="" xmlns:lc="http://schemas.openxmlformats.org/drawingml/2006/lockedCanvas" xmlns:a16="http://schemas.microsoft.com/office/drawing/2014/main" xmlns:p14="http://schemas.microsoft.com/office/powerpoint/2010/main" xmlns:ma14="http://schemas.microsoft.com/office/mac/drawingml/2011/main" val="1"/>
+              <ma14:wrappingTextBoxFlag xmlns:ma14="http://schemas.microsoft.com/office/mac/drawingml/2011/main" xmlns:p14="http://schemas.microsoft.com/office/powerpoint/2010/main" xmlns:a16="http://schemas.microsoft.com/office/drawing/2014/main" xmlns:lc="http://schemas.openxmlformats.org/drawingml/2006/lockedCanvas" xmlns="" val="1"/>
             </a:ext>
           </a:extLst>
         </p:spPr>
@@ -26404,6 +26492,136 @@
           <a:chExt cx="0" cy="0"/>
         </a:xfrm>
       </p:grpSpPr>
+      <p:sp>
+        <p:nvSpPr>
+          <p:cNvPr id="14" name="文本框 5">
+            <a:extLst>
+              <a:ext uri="{FF2B5EF4-FFF2-40B4-BE49-F238E27FC236}">
+                <a16:creationId xmlns:a16="http://schemas.microsoft.com/office/drawing/2014/main" id="{FA736850-7F6A-43F6-84CE-B69873064C7D}"/>
+              </a:ext>
+            </a:extLst>
+          </p:cNvPr>
+          <p:cNvSpPr txBox="1"/>
+          <p:nvPr/>
+        </p:nvSpPr>
+        <p:spPr>
+          <a:xfrm>
+            <a:off x="0" y="158344"/>
+            <a:ext cx="9144000" cy="461665"/>
+          </a:xfrm>
+          <a:prstGeom prst="rect">
+            <a:avLst/>
+          </a:prstGeom>
+          <a:noFill/>
+        </p:spPr>
+        <p:txBody>
+          <a:bodyPr wrap="square" rtlCol="0">
+            <a:spAutoFit/>
+          </a:bodyPr>
+          <a:lstStyle/>
+          <a:p>
+            <a:pPr algn="ctr"/>
+            <a:r>
+              <a:rPr lang="en-US" altLang="zh-CN" sz="2400" b="1" dirty="0">
+                <a:solidFill>
+                  <a:srgbClr val="475D74"/>
+                </a:solidFill>
+                <a:latin typeface="微软雅黑" panose="020B0503020204020204" pitchFamily="34" charset="-122"/>
+                <a:ea typeface="微软雅黑" panose="020B0503020204020204" pitchFamily="34" charset="-122"/>
+              </a:rPr>
+              <a:t>Kafka </a:t>
+            </a:r>
+            <a:r>
+              <a:rPr lang="zh-CN" altLang="en-US" sz="2400" b="1" dirty="0">
+                <a:solidFill>
+                  <a:srgbClr val="475D74"/>
+                </a:solidFill>
+                <a:latin typeface="微软雅黑" panose="020B0503020204020204" pitchFamily="34" charset="-122"/>
+                <a:ea typeface="微软雅黑" panose="020B0503020204020204" pitchFamily="34" charset="-122"/>
+              </a:rPr>
+              <a:t>控制器选举</a:t>
+            </a:r>
+          </a:p>
+        </p:txBody>
+      </p:sp>
+      <p:pic>
+        <p:nvPicPr>
+          <p:cNvPr id="6" name="图片 5">
+            <a:extLst>
+              <a:ext uri="{FF2B5EF4-FFF2-40B4-BE49-F238E27FC236}">
+                <a16:creationId xmlns:a16="http://schemas.microsoft.com/office/drawing/2014/main" id="{54DBA440-E6C7-4376-99E2-0B044147A8DA}"/>
+              </a:ext>
+            </a:extLst>
+          </p:cNvPr>
+          <p:cNvPicPr>
+            <a:picLocks noChangeAspect="1"/>
+          </p:cNvPicPr>
+          <p:nvPr/>
+        </p:nvPicPr>
+        <p:blipFill>
+          <a:blip r:embed="rId3">
+            <a:extLst>
+              <a:ext uri="{28A0092B-C50C-407E-A947-70E740481C1C}">
+                <a14:useLocalDpi xmlns:a14="http://schemas.microsoft.com/office/drawing/2010/main" val="0"/>
+              </a:ext>
+            </a:extLst>
+          </a:blip>
+          <a:stretch>
+            <a:fillRect/>
+          </a:stretch>
+        </p:blipFill>
+        <p:spPr>
+          <a:xfrm>
+            <a:off x="923109" y="909435"/>
+            <a:ext cx="7611291" cy="3748561"/>
+          </a:xfrm>
+          <a:prstGeom prst="rect">
+            <a:avLst/>
+          </a:prstGeom>
+        </p:spPr>
+      </p:pic>
+    </p:spTree>
+    <p:extLst>
+      <p:ext uri="{BB962C8B-B14F-4D97-AF65-F5344CB8AC3E}">
+        <p14:creationId xmlns:p14="http://schemas.microsoft.com/office/powerpoint/2010/main" val="638072355"/>
+      </p:ext>
+    </p:extLst>
+  </p:cSld>
+  <p:clrMapOvr>
+    <a:masterClrMapping/>
+  </p:clrMapOvr>
+  <mc:AlternateContent xmlns:mc="http://schemas.openxmlformats.org/markup-compatibility/2006">
+    <mc:Choice xmlns:p14="http://schemas.microsoft.com/office/powerpoint/2010/main" Requires="p14">
+      <p:transition spd="med" p14:dur="700">
+        <p:fade/>
+      </p:transition>
+    </mc:Choice>
+    <mc:Fallback>
+      <p:transition spd="med">
+        <p:fade/>
+      </p:transition>
+    </mc:Fallback>
+  </mc:AlternateContent>
+</p:sld>
+</file>
+
+<file path=ppt/slides/slide27.xml><?xml version="1.0" encoding="utf-8"?>
+<p:sld xmlns:a="http://schemas.openxmlformats.org/drawingml/2006/main" xmlns:r="http://schemas.openxmlformats.org/officeDocument/2006/relationships" xmlns:p="http://schemas.openxmlformats.org/presentationml/2006/main">
+  <p:cSld>
+    <p:spTree>
+      <p:nvGrpSpPr>
+        <p:cNvPr id="1" name=""/>
+        <p:cNvGrpSpPr/>
+        <p:nvPr/>
+      </p:nvGrpSpPr>
+      <p:grpSpPr>
+        <a:xfrm>
+          <a:off x="0" y="0"/>
+          <a:ext cx="0" cy="0"/>
+          <a:chOff x="0" y="0"/>
+          <a:chExt cx="0" cy="0"/>
+        </a:xfrm>
+      </p:grpSpPr>
       <p:pic>
         <p:nvPicPr>
           <p:cNvPr id="10" name="图片 9"/>
@@ -27028,7 +27246,7 @@
 </p:sld>
 </file>
 
-<file path=ppt/slides/slide27.xml><?xml version="1.0" encoding="utf-8"?>
+<file path=ppt/slides/slide28.xml><?xml version="1.0" encoding="utf-8"?>
 <p:sld xmlns:a="http://schemas.openxmlformats.org/drawingml/2006/main" xmlns:r="http://schemas.openxmlformats.org/officeDocument/2006/relationships" xmlns:p="http://schemas.openxmlformats.org/presentationml/2006/main">
   <p:cSld>
     <p:spTree>
@@ -27169,7 +27387,7 @@
 </p:sld>
 </file>
 
-<file path=ppt/slides/slide28.xml><?xml version="1.0" encoding="utf-8"?>
+<file path=ppt/slides/slide29.xml><?xml version="1.0" encoding="utf-8"?>
 <p:sld xmlns:a="http://schemas.openxmlformats.org/drawingml/2006/main" xmlns:r="http://schemas.openxmlformats.org/officeDocument/2006/relationships" xmlns:p="http://schemas.openxmlformats.org/presentationml/2006/main">
   <p:cSld>
     <p:spTree>
@@ -27825,532 +28043,6 @@
       <p:bldP spid="11" grpId="0"/>
       <p:bldP spid="12" grpId="0"/>
       <p:bldP spid="13" grpId="0"/>
-    </p:bldLst>
-  </p:timing>
-</p:sld>
-</file>
-
-<file path=ppt/slides/slide29.xml><?xml version="1.0" encoding="utf-8"?>
-<p:sld xmlns:a="http://schemas.openxmlformats.org/drawingml/2006/main" xmlns:r="http://schemas.openxmlformats.org/officeDocument/2006/relationships" xmlns:p="http://schemas.openxmlformats.org/presentationml/2006/main">
-  <p:cSld>
-    <p:spTree>
-      <p:nvGrpSpPr>
-        <p:cNvPr id="1" name=""/>
-        <p:cNvGrpSpPr/>
-        <p:nvPr/>
-      </p:nvGrpSpPr>
-      <p:grpSpPr>
-        <a:xfrm>
-          <a:off x="0" y="0"/>
-          <a:ext cx="0" cy="0"/>
-          <a:chOff x="0" y="0"/>
-          <a:chExt cx="0" cy="0"/>
-        </a:xfrm>
-      </p:grpSpPr>
-      <p:sp>
-        <p:nvSpPr>
-          <p:cNvPr id="14" name="文本框 5">
-            <a:extLst>
-              <a:ext uri="{FF2B5EF4-FFF2-40B4-BE49-F238E27FC236}">
-                <a16:creationId xmlns:a16="http://schemas.microsoft.com/office/drawing/2014/main" id="{FA736850-7F6A-43F6-84CE-B69873064C7D}"/>
-              </a:ext>
-            </a:extLst>
-          </p:cNvPr>
-          <p:cNvSpPr txBox="1"/>
-          <p:nvPr/>
-        </p:nvSpPr>
-        <p:spPr>
-          <a:xfrm>
-            <a:off x="0" y="158344"/>
-            <a:ext cx="9144000" cy="461665"/>
-          </a:xfrm>
-          <a:prstGeom prst="rect">
-            <a:avLst/>
-          </a:prstGeom>
-          <a:noFill/>
-        </p:spPr>
-        <p:txBody>
-          <a:bodyPr wrap="square" rtlCol="0">
-            <a:spAutoFit/>
-          </a:bodyPr>
-          <a:lstStyle/>
-          <a:p>
-            <a:pPr algn="ctr"/>
-            <a:r>
-              <a:rPr lang="zh-CN" altLang="en-US" sz="2400" b="1" dirty="0">
-                <a:solidFill>
-                  <a:srgbClr val="475D74"/>
-                </a:solidFill>
-                <a:latin typeface="微软雅黑" panose="020B0503020204020204" pitchFamily="34" charset="-122"/>
-                <a:ea typeface="微软雅黑" panose="020B0503020204020204" pitchFamily="34" charset="-122"/>
-              </a:rPr>
-              <a:t>消息不丢失</a:t>
-            </a:r>
-          </a:p>
-        </p:txBody>
-      </p:sp>
-      <p:sp>
-        <p:nvSpPr>
-          <p:cNvPr id="7" name="矩形 6">
-            <a:extLst>
-              <a:ext uri="{FF2B5EF4-FFF2-40B4-BE49-F238E27FC236}">
-                <a16:creationId xmlns:a16="http://schemas.microsoft.com/office/drawing/2014/main" id="{4732E381-9464-44C7-8DDA-01B6F303D286}"/>
-              </a:ext>
-            </a:extLst>
-          </p:cNvPr>
-          <p:cNvSpPr/>
-          <p:nvPr/>
-        </p:nvSpPr>
-        <p:spPr>
-          <a:xfrm>
-            <a:off x="1487135" y="906875"/>
-            <a:ext cx="6169730" cy="1015663"/>
-          </a:xfrm>
-          <a:prstGeom prst="rect">
-            <a:avLst/>
-          </a:prstGeom>
-        </p:spPr>
-        <p:txBody>
-          <a:bodyPr wrap="square">
-            <a:spAutoFit/>
-          </a:bodyPr>
-          <a:lstStyle/>
-          <a:p>
-            <a:r>
-              <a:rPr lang="zh-CN" altLang="en-US" sz="1200" dirty="0">
-                <a:solidFill>
-                  <a:srgbClr val="788BA9"/>
-                </a:solidFill>
-                <a:latin typeface="微软雅黑" panose="020B0503020204020204" pitchFamily="34" charset="-122"/>
-                <a:ea typeface="微软雅黑" panose="020B0503020204020204" pitchFamily="34" charset="-122"/>
-              </a:rPr>
-              <a:t>一条消息从生产到消费，可以划分三个阶段：</a:t>
-            </a:r>
-            <a:endParaRPr lang="en-US" altLang="zh-CN" sz="1200" dirty="0">
-              <a:solidFill>
-                <a:srgbClr val="788BA9"/>
-              </a:solidFill>
-              <a:latin typeface="微软雅黑" panose="020B0503020204020204" pitchFamily="34" charset="-122"/>
-              <a:ea typeface="微软雅黑" panose="020B0503020204020204" pitchFamily="34" charset="-122"/>
-            </a:endParaRPr>
-          </a:p>
-          <a:p>
-            <a:pPr marL="171450" indent="-171450">
-              <a:buFont typeface="Arial" panose="020B0604020202020204" pitchFamily="34" charset="0"/>
-              <a:buChar char="•"/>
-            </a:pPr>
-            <a:r>
-              <a:rPr lang="zh-CN" altLang="en-US" sz="1200" dirty="0">
-                <a:solidFill>
-                  <a:srgbClr val="788BA9"/>
-                </a:solidFill>
-                <a:latin typeface="微软雅黑" panose="020B0503020204020204" pitchFamily="34" charset="-122"/>
-                <a:ea typeface="微软雅黑" panose="020B0503020204020204" pitchFamily="34" charset="-122"/>
-              </a:rPr>
-              <a:t>生产阶段：</a:t>
-            </a:r>
-            <a:r>
-              <a:rPr lang="en-US" altLang="zh-CN" sz="1200" dirty="0">
-                <a:solidFill>
-                  <a:srgbClr val="788BA9"/>
-                </a:solidFill>
-                <a:latin typeface="微软雅黑" panose="020B0503020204020204" pitchFamily="34" charset="-122"/>
-                <a:ea typeface="微软雅黑" panose="020B0503020204020204" pitchFamily="34" charset="-122"/>
-              </a:rPr>
-              <a:t>Producer </a:t>
-            </a:r>
-            <a:r>
-              <a:rPr lang="zh-CN" altLang="en-US" sz="1200" dirty="0">
-                <a:solidFill>
-                  <a:srgbClr val="788BA9"/>
-                </a:solidFill>
-                <a:latin typeface="微软雅黑" panose="020B0503020204020204" pitchFamily="34" charset="-122"/>
-                <a:ea typeface="微软雅黑" panose="020B0503020204020204" pitchFamily="34" charset="-122"/>
-              </a:rPr>
-              <a:t>创建消息，并通过网络发送给 </a:t>
-            </a:r>
-            <a:r>
-              <a:rPr lang="en-US" altLang="zh-CN" sz="1200" dirty="0">
-                <a:solidFill>
-                  <a:srgbClr val="788BA9"/>
-                </a:solidFill>
-                <a:latin typeface="微软雅黑" panose="020B0503020204020204" pitchFamily="34" charset="-122"/>
-                <a:ea typeface="微软雅黑" panose="020B0503020204020204" pitchFamily="34" charset="-122"/>
-              </a:rPr>
-              <a:t>Broker</a:t>
-            </a:r>
-            <a:r>
-              <a:rPr lang="zh-CN" altLang="en-US" sz="1200" dirty="0">
-                <a:solidFill>
-                  <a:srgbClr val="788BA9"/>
-                </a:solidFill>
-                <a:latin typeface="微软雅黑" panose="020B0503020204020204" pitchFamily="34" charset="-122"/>
-                <a:ea typeface="微软雅黑" panose="020B0503020204020204" pitchFamily="34" charset="-122"/>
-              </a:rPr>
-              <a:t>。</a:t>
-            </a:r>
-          </a:p>
-          <a:p>
-            <a:pPr marL="171450" indent="-171450">
-              <a:buFont typeface="Arial" panose="020B0604020202020204" pitchFamily="34" charset="0"/>
-              <a:buChar char="•"/>
-            </a:pPr>
-            <a:r>
-              <a:rPr lang="zh-CN" altLang="en-US" sz="1200" dirty="0">
-                <a:solidFill>
-                  <a:srgbClr val="788BA9"/>
-                </a:solidFill>
-                <a:latin typeface="微软雅黑" panose="020B0503020204020204" pitchFamily="34" charset="-122"/>
-                <a:ea typeface="微软雅黑" panose="020B0503020204020204" pitchFamily="34" charset="-122"/>
-              </a:rPr>
-              <a:t>存储阶段：</a:t>
-            </a:r>
-            <a:r>
-              <a:rPr lang="en-US" altLang="zh-CN" sz="1200" dirty="0">
-                <a:solidFill>
-                  <a:srgbClr val="788BA9"/>
-                </a:solidFill>
-                <a:latin typeface="微软雅黑" panose="020B0503020204020204" pitchFamily="34" charset="-122"/>
-                <a:ea typeface="微软雅黑" panose="020B0503020204020204" pitchFamily="34" charset="-122"/>
-              </a:rPr>
-              <a:t>Broker </a:t>
-            </a:r>
-            <a:r>
-              <a:rPr lang="zh-CN" altLang="en-US" sz="1200" dirty="0">
-                <a:solidFill>
-                  <a:srgbClr val="788BA9"/>
-                </a:solidFill>
-                <a:latin typeface="微软雅黑" panose="020B0503020204020204" pitchFamily="34" charset="-122"/>
-                <a:ea typeface="微软雅黑" panose="020B0503020204020204" pitchFamily="34" charset="-122"/>
-              </a:rPr>
-              <a:t>收到消息并存储，如果是集群，还要同步副本给其他 </a:t>
-            </a:r>
-            <a:r>
-              <a:rPr lang="en-US" altLang="zh-CN" sz="1200" dirty="0">
-                <a:solidFill>
-                  <a:srgbClr val="788BA9"/>
-                </a:solidFill>
-                <a:latin typeface="微软雅黑" panose="020B0503020204020204" pitchFamily="34" charset="-122"/>
-                <a:ea typeface="微软雅黑" panose="020B0503020204020204" pitchFamily="34" charset="-122"/>
-              </a:rPr>
-              <a:t>Broker</a:t>
-            </a:r>
-            <a:r>
-              <a:rPr lang="zh-CN" altLang="en-US" sz="1200" dirty="0">
-                <a:solidFill>
-                  <a:srgbClr val="788BA9"/>
-                </a:solidFill>
-                <a:latin typeface="微软雅黑" panose="020B0503020204020204" pitchFamily="34" charset="-122"/>
-                <a:ea typeface="微软雅黑" panose="020B0503020204020204" pitchFamily="34" charset="-122"/>
-              </a:rPr>
-              <a:t>。</a:t>
-            </a:r>
-          </a:p>
-          <a:p>
-            <a:pPr marL="171450" indent="-171450">
-              <a:buFont typeface="Arial" panose="020B0604020202020204" pitchFamily="34" charset="0"/>
-              <a:buChar char="•"/>
-            </a:pPr>
-            <a:r>
-              <a:rPr lang="zh-CN" altLang="en-US" sz="1200" dirty="0">
-                <a:solidFill>
-                  <a:srgbClr val="788BA9"/>
-                </a:solidFill>
-                <a:latin typeface="微软雅黑" panose="020B0503020204020204" pitchFamily="34" charset="-122"/>
-                <a:ea typeface="微软雅黑" panose="020B0503020204020204" pitchFamily="34" charset="-122"/>
-              </a:rPr>
-              <a:t>消费阶段：</a:t>
-            </a:r>
-            <a:r>
-              <a:rPr lang="en-US" altLang="zh-CN" sz="1200" dirty="0">
-                <a:solidFill>
-                  <a:srgbClr val="788BA9"/>
-                </a:solidFill>
-                <a:latin typeface="微软雅黑" panose="020B0503020204020204" pitchFamily="34" charset="-122"/>
-                <a:ea typeface="微软雅黑" panose="020B0503020204020204" pitchFamily="34" charset="-122"/>
-              </a:rPr>
-              <a:t>Consumer </a:t>
-            </a:r>
-            <a:r>
-              <a:rPr lang="zh-CN" altLang="en-US" sz="1200" dirty="0">
-                <a:solidFill>
-                  <a:srgbClr val="788BA9"/>
-                </a:solidFill>
-                <a:latin typeface="微软雅黑" panose="020B0503020204020204" pitchFamily="34" charset="-122"/>
-                <a:ea typeface="微软雅黑" panose="020B0503020204020204" pitchFamily="34" charset="-122"/>
-              </a:rPr>
-              <a:t>向 </a:t>
-            </a:r>
-            <a:r>
-              <a:rPr lang="en-US" altLang="zh-CN" sz="1200" dirty="0">
-                <a:solidFill>
-                  <a:srgbClr val="788BA9"/>
-                </a:solidFill>
-                <a:latin typeface="微软雅黑" panose="020B0503020204020204" pitchFamily="34" charset="-122"/>
-                <a:ea typeface="微软雅黑" panose="020B0503020204020204" pitchFamily="34" charset="-122"/>
-              </a:rPr>
-              <a:t>Broker </a:t>
-            </a:r>
-            <a:r>
-              <a:rPr lang="zh-CN" altLang="en-US" sz="1200" dirty="0">
-                <a:solidFill>
-                  <a:srgbClr val="788BA9"/>
-                </a:solidFill>
-                <a:latin typeface="微软雅黑" panose="020B0503020204020204" pitchFamily="34" charset="-122"/>
-                <a:ea typeface="微软雅黑" panose="020B0503020204020204" pitchFamily="34" charset="-122"/>
-              </a:rPr>
-              <a:t>请求消息，</a:t>
-            </a:r>
-            <a:r>
-              <a:rPr lang="en-US" altLang="zh-CN" sz="1200" dirty="0">
-                <a:solidFill>
-                  <a:srgbClr val="788BA9"/>
-                </a:solidFill>
-                <a:latin typeface="微软雅黑" panose="020B0503020204020204" pitchFamily="34" charset="-122"/>
-                <a:ea typeface="微软雅黑" panose="020B0503020204020204" pitchFamily="34" charset="-122"/>
-              </a:rPr>
-              <a:t>Broker </a:t>
-            </a:r>
-            <a:r>
-              <a:rPr lang="zh-CN" altLang="en-US" sz="1200" dirty="0">
-                <a:solidFill>
-                  <a:srgbClr val="788BA9"/>
-                </a:solidFill>
-                <a:latin typeface="微软雅黑" panose="020B0503020204020204" pitchFamily="34" charset="-122"/>
-                <a:ea typeface="微软雅黑" panose="020B0503020204020204" pitchFamily="34" charset="-122"/>
-              </a:rPr>
-              <a:t>通过网络传输给 </a:t>
-            </a:r>
-            <a:r>
-              <a:rPr lang="en-US" altLang="zh-CN" sz="1200" dirty="0">
-                <a:solidFill>
-                  <a:srgbClr val="788BA9"/>
-                </a:solidFill>
-                <a:latin typeface="微软雅黑" panose="020B0503020204020204" pitchFamily="34" charset="-122"/>
-                <a:ea typeface="微软雅黑" panose="020B0503020204020204" pitchFamily="34" charset="-122"/>
-              </a:rPr>
-              <a:t>Consumer</a:t>
-            </a:r>
-            <a:r>
-              <a:rPr lang="zh-CN" altLang="en-US" sz="1200" dirty="0">
-                <a:solidFill>
-                  <a:srgbClr val="788BA9"/>
-                </a:solidFill>
-                <a:latin typeface="微软雅黑" panose="020B0503020204020204" pitchFamily="34" charset="-122"/>
-                <a:ea typeface="微软雅黑" panose="020B0503020204020204" pitchFamily="34" charset="-122"/>
-              </a:rPr>
-              <a:t>。</a:t>
-            </a:r>
-            <a:endParaRPr lang="en-US" altLang="zh-CN" sz="1200" dirty="0">
-              <a:solidFill>
-                <a:srgbClr val="788BA9"/>
-              </a:solidFill>
-              <a:latin typeface="微软雅黑" panose="020B0503020204020204" pitchFamily="34" charset="-122"/>
-              <a:ea typeface="微软雅黑" panose="020B0503020204020204" pitchFamily="34" charset="-122"/>
-            </a:endParaRPr>
-          </a:p>
-          <a:p>
-            <a:r>
-              <a:rPr lang="zh-CN" altLang="en-US" sz="1200" dirty="0">
-                <a:solidFill>
-                  <a:srgbClr val="788BA9"/>
-                </a:solidFill>
-                <a:latin typeface="微软雅黑" panose="020B0503020204020204" pitchFamily="34" charset="-122"/>
-                <a:ea typeface="微软雅黑" panose="020B0503020204020204" pitchFamily="34" charset="-122"/>
-              </a:rPr>
-              <a:t>这三个阶段都可能丢失数据，所以要保证消息丢失，就需要任意一环都保证可靠。</a:t>
-            </a:r>
-          </a:p>
-        </p:txBody>
-      </p:sp>
-      <p:pic>
-        <p:nvPicPr>
-          <p:cNvPr id="4" name="图片 3">
-            <a:extLst>
-              <a:ext uri="{FF2B5EF4-FFF2-40B4-BE49-F238E27FC236}">
-                <a16:creationId xmlns:a16="http://schemas.microsoft.com/office/drawing/2014/main" id="{A7818B32-DBAF-4BAD-89D8-919BF6165CC9}"/>
-              </a:ext>
-            </a:extLst>
-          </p:cNvPr>
-          <p:cNvPicPr>
-            <a:picLocks noChangeAspect="1"/>
-          </p:cNvPicPr>
-          <p:nvPr/>
-        </p:nvPicPr>
-        <p:blipFill>
-          <a:blip r:embed="rId3">
-            <a:extLst>
-              <a:ext uri="{28A0092B-C50C-407E-A947-70E740481C1C}">
-                <a14:useLocalDpi xmlns:a14="http://schemas.microsoft.com/office/drawing/2010/main" val="0"/>
-              </a:ext>
-            </a:extLst>
-          </a:blip>
-          <a:stretch>
-            <a:fillRect/>
-          </a:stretch>
-        </p:blipFill>
-        <p:spPr>
-          <a:xfrm>
-            <a:off x="783882" y="2059372"/>
-            <a:ext cx="7576236" cy="2323182"/>
-          </a:xfrm>
-          <a:prstGeom prst="rect">
-            <a:avLst/>
-          </a:prstGeom>
-        </p:spPr>
-      </p:pic>
-    </p:spTree>
-    <p:extLst>
-      <p:ext uri="{BB962C8B-B14F-4D97-AF65-F5344CB8AC3E}">
-        <p14:creationId xmlns:p14="http://schemas.microsoft.com/office/powerpoint/2010/main" val="3026002097"/>
-      </p:ext>
-    </p:extLst>
-  </p:cSld>
-  <p:clrMapOvr>
-    <a:masterClrMapping/>
-  </p:clrMapOvr>
-  <mc:AlternateContent xmlns:mc="http://schemas.openxmlformats.org/markup-compatibility/2006" xmlns:p14="http://schemas.microsoft.com/office/powerpoint/2010/main">
-    <mc:Choice Requires="p14">
-      <p:transition spd="med" p14:dur="700">
-        <p:fade/>
-      </p:transition>
-    </mc:Choice>
-    <mc:Fallback xmlns="">
-      <p:transition spd="med">
-        <p:fade/>
-      </p:transition>
-    </mc:Fallback>
-  </mc:AlternateContent>
-  <p:timing>
-    <p:tnLst>
-      <p:par>
-        <p:cTn id="1" dur="indefinite" restart="never" nodeType="tmRoot">
-          <p:childTnLst>
-            <p:seq concurrent="1" nextAc="seek">
-              <p:cTn id="2" dur="indefinite" nodeType="mainSeq">
-                <p:childTnLst>
-                  <p:par>
-                    <p:cTn id="3" fill="hold">
-                      <p:stCondLst>
-                        <p:cond delay="indefinite"/>
-                      </p:stCondLst>
-                      <p:childTnLst>
-                        <p:par>
-                          <p:cTn id="4" fill="hold">
-                            <p:stCondLst>
-                              <p:cond delay="0"/>
-                            </p:stCondLst>
-                            <p:childTnLst>
-                              <p:par>
-                                <p:cTn id="5" presetID="42" presetClass="entr" presetSubtype="0" fill="hold" grpId="0" nodeType="clickEffect">
-                                  <p:stCondLst>
-                                    <p:cond delay="0"/>
-                                  </p:stCondLst>
-                                  <p:childTnLst>
-                                    <p:set>
-                                      <p:cBhvr>
-                                        <p:cTn id="6" dur="1" fill="hold">
-                                          <p:stCondLst>
-                                            <p:cond delay="0"/>
-                                          </p:stCondLst>
-                                        </p:cTn>
-                                        <p:tgtEl>
-                                          <p:spTgt spid="7"/>
-                                        </p:tgtEl>
-                                        <p:attrNameLst>
-                                          <p:attrName>style.visibility</p:attrName>
-                                        </p:attrNameLst>
-                                      </p:cBhvr>
-                                      <p:to>
-                                        <p:strVal val="visible"/>
-                                      </p:to>
-                                    </p:set>
-                                    <p:animEffect transition="in" filter="fade">
-                                      <p:cBhvr>
-                                        <p:cTn id="7" dur="1000"/>
-                                        <p:tgtEl>
-                                          <p:spTgt spid="7"/>
-                                        </p:tgtEl>
-                                      </p:cBhvr>
-                                    </p:animEffect>
-                                    <p:anim calcmode="lin" valueType="num">
-                                      <p:cBhvr>
-                                        <p:cTn id="8" dur="1000" fill="hold"/>
-                                        <p:tgtEl>
-                                          <p:spTgt spid="7"/>
-                                        </p:tgtEl>
-                                        <p:attrNameLst>
-                                          <p:attrName>ppt_x</p:attrName>
-                                        </p:attrNameLst>
-                                      </p:cBhvr>
-                                      <p:tavLst>
-                                        <p:tav tm="0">
-                                          <p:val>
-                                            <p:strVal val="#ppt_x"/>
-                                          </p:val>
-                                        </p:tav>
-                                        <p:tav tm="100000">
-                                          <p:val>
-                                            <p:strVal val="#ppt_x"/>
-                                          </p:val>
-                                        </p:tav>
-                                      </p:tavLst>
-                                    </p:anim>
-                                    <p:anim calcmode="lin" valueType="num">
-                                      <p:cBhvr>
-                                        <p:cTn id="9" dur="1000" fill="hold"/>
-                                        <p:tgtEl>
-                                          <p:spTgt spid="7"/>
-                                        </p:tgtEl>
-                                        <p:attrNameLst>
-                                          <p:attrName>ppt_y</p:attrName>
-                                        </p:attrNameLst>
-                                      </p:cBhvr>
-                                      <p:tavLst>
-                                        <p:tav tm="0">
-                                          <p:val>
-                                            <p:strVal val="#ppt_y+.1"/>
-                                          </p:val>
-                                        </p:tav>
-                                        <p:tav tm="100000">
-                                          <p:val>
-                                            <p:strVal val="#ppt_y"/>
-                                          </p:val>
-                                        </p:tav>
-                                      </p:tavLst>
-                                    </p:anim>
-                                  </p:childTnLst>
-                                </p:cTn>
-                              </p:par>
-                            </p:childTnLst>
-                          </p:cTn>
-                        </p:par>
-                      </p:childTnLst>
-                    </p:cTn>
-                  </p:par>
-                </p:childTnLst>
-              </p:cTn>
-              <p:prevCondLst>
-                <p:cond evt="onPrev" delay="0">
-                  <p:tgtEl>
-                    <p:sldTgt/>
-                  </p:tgtEl>
-                </p:cond>
-              </p:prevCondLst>
-              <p:nextCondLst>
-                <p:cond evt="onNext" delay="0">
-                  <p:tgtEl>
-                    <p:sldTgt/>
-                  </p:tgtEl>
-                </p:cond>
-              </p:nextCondLst>
-            </p:seq>
-          </p:childTnLst>
-        </p:cTn>
-      </p:par>
-    </p:tnLst>
-    <p:bldLst>
-      <p:bldP spid="7" grpId="0"/>
     </p:bldLst>
   </p:timing>
 </p:sld>
@@ -29073,26 +28765,6 @@
               </a:rPr>
               <a:t>消息不丢失</a:t>
             </a:r>
-            <a:r>
-              <a:rPr lang="en-US" altLang="zh-CN" sz="2400" b="1" dirty="0">
-                <a:solidFill>
-                  <a:srgbClr val="475D74"/>
-                </a:solidFill>
-                <a:latin typeface="微软雅黑" panose="020B0503020204020204" pitchFamily="34" charset="-122"/>
-                <a:ea typeface="微软雅黑" panose="020B0503020204020204" pitchFamily="34" charset="-122"/>
-              </a:rPr>
-              <a:t>——</a:t>
-            </a:r>
-            <a:r>
-              <a:rPr lang="zh-CN" altLang="en-US" sz="2400" b="1" dirty="0">
-                <a:solidFill>
-                  <a:srgbClr val="475D74"/>
-                </a:solidFill>
-                <a:latin typeface="微软雅黑" panose="020B0503020204020204" pitchFamily="34" charset="-122"/>
-                <a:ea typeface="微软雅黑" panose="020B0503020204020204" pitchFamily="34" charset="-122"/>
-              </a:rPr>
-              <a:t>存储阶段</a:t>
-            </a:r>
           </a:p>
         </p:txBody>
       </p:sp>
@@ -29110,8 +28782,8 @@
         </p:nvSpPr>
         <p:spPr>
           <a:xfrm>
-            <a:off x="1487135" y="1306788"/>
-            <a:ext cx="6169730" cy="2529923"/>
+            <a:off x="1487135" y="906875"/>
+            <a:ext cx="6169730" cy="1015663"/>
           </a:xfrm>
           <a:prstGeom prst="rect">
             <a:avLst/>
@@ -29123,60 +28795,16 @@
           </a:bodyPr>
           <a:lstStyle/>
           <a:p>
-            <a:pPr>
-              <a:lnSpc>
-                <a:spcPct val="120000"/>
-              </a:lnSpc>
-            </a:pPr>
-            <a:r>
-              <a:rPr lang="en-US" altLang="zh-CN" sz="1200" b="1" dirty="0">
-                <a:solidFill>
-                  <a:srgbClr val="D67A71"/>
-                </a:solidFill>
-                <a:latin typeface="微软雅黑" panose="020B0503020204020204" pitchFamily="34" charset="-122"/>
-                <a:ea typeface="微软雅黑" panose="020B0503020204020204" pitchFamily="34" charset="-122"/>
-              </a:rPr>
-              <a:t>Kafka </a:t>
-            </a:r>
-            <a:r>
-              <a:rPr lang="zh-CN" altLang="en-US" sz="1200" b="1" dirty="0">
-                <a:solidFill>
-                  <a:srgbClr val="D67A71"/>
-                </a:solidFill>
-                <a:latin typeface="微软雅黑" panose="020B0503020204020204" pitchFamily="34" charset="-122"/>
-                <a:ea typeface="微软雅黑" panose="020B0503020204020204" pitchFamily="34" charset="-122"/>
-              </a:rPr>
-              <a:t>只对“已提交”的消息（</a:t>
-            </a:r>
-            <a:r>
-              <a:rPr lang="en-US" altLang="zh-CN" sz="1200" b="1" dirty="0">
-                <a:solidFill>
-                  <a:srgbClr val="D67A71"/>
-                </a:solidFill>
-                <a:latin typeface="微软雅黑" panose="020B0503020204020204" pitchFamily="34" charset="-122"/>
-                <a:ea typeface="微软雅黑" panose="020B0503020204020204" pitchFamily="34" charset="-122"/>
-              </a:rPr>
-              <a:t>committed message</a:t>
-            </a:r>
-            <a:r>
-              <a:rPr lang="zh-CN" altLang="en-US" sz="1200" b="1" dirty="0">
-                <a:solidFill>
-                  <a:srgbClr val="D67A71"/>
-                </a:solidFill>
-                <a:latin typeface="微软雅黑" panose="020B0503020204020204" pitchFamily="34" charset="-122"/>
-                <a:ea typeface="微软雅黑" panose="020B0503020204020204" pitchFamily="34" charset="-122"/>
-              </a:rPr>
-              <a:t>）做有限度的持久化保证。</a:t>
-            </a:r>
-            <a:endParaRPr lang="en-US" altLang="zh-CN" sz="1200" b="1" dirty="0">
-              <a:solidFill>
-                <a:srgbClr val="D67A71"/>
-              </a:solidFill>
-              <a:latin typeface="微软雅黑" panose="020B0503020204020204" pitchFamily="34" charset="-122"/>
-              <a:ea typeface="微软雅黑" panose="020B0503020204020204" pitchFamily="34" charset="-122"/>
-            </a:endParaRPr>
-          </a:p>
-          <a:p>
+            <a:r>
+              <a:rPr lang="zh-CN" altLang="en-US" sz="1200" dirty="0">
+                <a:solidFill>
+                  <a:srgbClr val="788BA9"/>
+                </a:solidFill>
+                <a:latin typeface="微软雅黑" panose="020B0503020204020204" pitchFamily="34" charset="-122"/>
+                <a:ea typeface="微软雅黑" panose="020B0503020204020204" pitchFamily="34" charset="-122"/>
+              </a:rPr>
+              <a:t>一条消息从生产到消费，可以划分三个阶段：</a:t>
+            </a:r>
             <a:endParaRPr lang="en-US" altLang="zh-CN" sz="1200" dirty="0">
               <a:solidFill>
                 <a:srgbClr val="788BA9"/>
@@ -29191,14 +28819,24 @@
               <a:buChar char="•"/>
             </a:pPr>
             <a:r>
-              <a:rPr lang="zh-CN" altLang="en-US" sz="1200" b="1" dirty="0">
+              <a:rPr lang="zh-CN" altLang="en-US" sz="1200" dirty="0">
                 <a:solidFill>
                   <a:srgbClr val="788BA9"/>
                 </a:solidFill>
                 <a:latin typeface="微软雅黑" panose="020B0503020204020204" pitchFamily="34" charset="-122"/>
                 <a:ea typeface="微软雅黑" panose="020B0503020204020204" pitchFamily="34" charset="-122"/>
               </a:rPr>
-              <a:t>副本机制</a:t>
+              <a:t>生产阶段：</a:t>
+            </a:r>
+            <a:r>
+              <a:rPr lang="en-US" altLang="zh-CN" sz="1200" dirty="0">
+                <a:solidFill>
+                  <a:srgbClr val="788BA9"/>
+                </a:solidFill>
+                <a:latin typeface="微软雅黑" panose="020B0503020204020204" pitchFamily="34" charset="-122"/>
+                <a:ea typeface="微软雅黑" panose="020B0503020204020204" pitchFamily="34" charset="-122"/>
+              </a:rPr>
+              <a:t>Producer </a:t>
             </a:r>
             <a:r>
               <a:rPr lang="zh-CN" altLang="en-US" sz="1200" dirty="0">
@@ -29208,7 +28846,7 @@
                 <a:latin typeface="微软雅黑" panose="020B0503020204020204" pitchFamily="34" charset="-122"/>
                 <a:ea typeface="微软雅黑" panose="020B0503020204020204" pitchFamily="34" charset="-122"/>
               </a:rPr>
-              <a:t>：</a:t>
+              <a:t>创建消息，并通过网络发送给 </a:t>
             </a:r>
             <a:r>
               <a:rPr lang="en-US" altLang="zh-CN" sz="1200" dirty="0">
@@ -29218,7 +28856,7 @@
                 <a:latin typeface="微软雅黑" panose="020B0503020204020204" pitchFamily="34" charset="-122"/>
                 <a:ea typeface="微软雅黑" panose="020B0503020204020204" pitchFamily="34" charset="-122"/>
               </a:rPr>
-              <a:t>Kafka </a:t>
+              <a:t>Broker</a:t>
             </a:r>
             <a:r>
               <a:rPr lang="zh-CN" altLang="en-US" sz="1200" dirty="0">
@@ -29228,17 +28866,23 @@
                 <a:latin typeface="微软雅黑" panose="020B0503020204020204" pitchFamily="34" charset="-122"/>
                 <a:ea typeface="微软雅黑" panose="020B0503020204020204" pitchFamily="34" charset="-122"/>
               </a:rPr>
-              <a:t>的副本机制是 </a:t>
-            </a:r>
-            <a:r>
-              <a:rPr lang="en-US" altLang="zh-CN" sz="1200" dirty="0" err="1">
+              <a:t>。</a:t>
+            </a:r>
+          </a:p>
+          <a:p>
+            <a:pPr marL="171450" indent="-171450">
+              <a:buFont typeface="Arial" panose="020B0604020202020204" pitchFamily="34" charset="0"/>
+              <a:buChar char="•"/>
+            </a:pPr>
+            <a:r>
+              <a:rPr lang="zh-CN" altLang="en-US" sz="1200" dirty="0">
                 <a:solidFill>
                   <a:srgbClr val="788BA9"/>
                 </a:solidFill>
                 <a:latin typeface="微软雅黑" panose="020B0503020204020204" pitchFamily="34" charset="-122"/>
                 <a:ea typeface="微软雅黑" panose="020B0503020204020204" pitchFamily="34" charset="-122"/>
               </a:rPr>
-              <a:t>kafka</a:t>
+              <a:t>存储阶段：</a:t>
             </a:r>
             <a:r>
               <a:rPr lang="en-US" altLang="zh-CN" sz="1200" dirty="0">
@@ -29248,7 +28892,7 @@
                 <a:latin typeface="微软雅黑" panose="020B0503020204020204" pitchFamily="34" charset="-122"/>
                 <a:ea typeface="微软雅黑" panose="020B0503020204020204" pitchFamily="34" charset="-122"/>
               </a:rPr>
-              <a:t> </a:t>
+              <a:t>Broker </a:t>
             </a:r>
             <a:r>
               <a:rPr lang="zh-CN" altLang="en-US" sz="1200" dirty="0">
@@ -29258,7 +28902,123 @@
                 <a:latin typeface="微软雅黑" panose="020B0503020204020204" pitchFamily="34" charset="-122"/>
                 <a:ea typeface="微软雅黑" panose="020B0503020204020204" pitchFamily="34" charset="-122"/>
               </a:rPr>
-              <a:t>可靠性保证的核心。</a:t>
+              <a:t>收到消息并存储，如果是集群，还要同步副本给其他 </a:t>
+            </a:r>
+            <a:r>
+              <a:rPr lang="en-US" altLang="zh-CN" sz="1200" dirty="0">
+                <a:solidFill>
+                  <a:srgbClr val="788BA9"/>
+                </a:solidFill>
+                <a:latin typeface="微软雅黑" panose="020B0503020204020204" pitchFamily="34" charset="-122"/>
+                <a:ea typeface="微软雅黑" panose="020B0503020204020204" pitchFamily="34" charset="-122"/>
+              </a:rPr>
+              <a:t>Broker</a:t>
+            </a:r>
+            <a:r>
+              <a:rPr lang="zh-CN" altLang="en-US" sz="1200" dirty="0">
+                <a:solidFill>
+                  <a:srgbClr val="788BA9"/>
+                </a:solidFill>
+                <a:latin typeface="微软雅黑" panose="020B0503020204020204" pitchFamily="34" charset="-122"/>
+                <a:ea typeface="微软雅黑" panose="020B0503020204020204" pitchFamily="34" charset="-122"/>
+              </a:rPr>
+              <a:t>。</a:t>
+            </a:r>
+          </a:p>
+          <a:p>
+            <a:pPr marL="171450" indent="-171450">
+              <a:buFont typeface="Arial" panose="020B0604020202020204" pitchFamily="34" charset="0"/>
+              <a:buChar char="•"/>
+            </a:pPr>
+            <a:r>
+              <a:rPr lang="zh-CN" altLang="en-US" sz="1200" dirty="0">
+                <a:solidFill>
+                  <a:srgbClr val="788BA9"/>
+                </a:solidFill>
+                <a:latin typeface="微软雅黑" panose="020B0503020204020204" pitchFamily="34" charset="-122"/>
+                <a:ea typeface="微软雅黑" panose="020B0503020204020204" pitchFamily="34" charset="-122"/>
+              </a:rPr>
+              <a:t>消费阶段：</a:t>
+            </a:r>
+            <a:r>
+              <a:rPr lang="en-US" altLang="zh-CN" sz="1200" dirty="0">
+                <a:solidFill>
+                  <a:srgbClr val="788BA9"/>
+                </a:solidFill>
+                <a:latin typeface="微软雅黑" panose="020B0503020204020204" pitchFamily="34" charset="-122"/>
+                <a:ea typeface="微软雅黑" panose="020B0503020204020204" pitchFamily="34" charset="-122"/>
+              </a:rPr>
+              <a:t>Consumer </a:t>
+            </a:r>
+            <a:r>
+              <a:rPr lang="zh-CN" altLang="en-US" sz="1200" dirty="0">
+                <a:solidFill>
+                  <a:srgbClr val="788BA9"/>
+                </a:solidFill>
+                <a:latin typeface="微软雅黑" panose="020B0503020204020204" pitchFamily="34" charset="-122"/>
+                <a:ea typeface="微软雅黑" panose="020B0503020204020204" pitchFamily="34" charset="-122"/>
+              </a:rPr>
+              <a:t>向 </a:t>
+            </a:r>
+            <a:r>
+              <a:rPr lang="en-US" altLang="zh-CN" sz="1200" dirty="0">
+                <a:solidFill>
+                  <a:srgbClr val="788BA9"/>
+                </a:solidFill>
+                <a:latin typeface="微软雅黑" panose="020B0503020204020204" pitchFamily="34" charset="-122"/>
+                <a:ea typeface="微软雅黑" panose="020B0503020204020204" pitchFamily="34" charset="-122"/>
+              </a:rPr>
+              <a:t>Broker </a:t>
+            </a:r>
+            <a:r>
+              <a:rPr lang="zh-CN" altLang="en-US" sz="1200" dirty="0">
+                <a:solidFill>
+                  <a:srgbClr val="788BA9"/>
+                </a:solidFill>
+                <a:latin typeface="微软雅黑" panose="020B0503020204020204" pitchFamily="34" charset="-122"/>
+                <a:ea typeface="微软雅黑" panose="020B0503020204020204" pitchFamily="34" charset="-122"/>
+              </a:rPr>
+              <a:t>请求消息，</a:t>
+            </a:r>
+            <a:r>
+              <a:rPr lang="en-US" altLang="zh-CN" sz="1200" dirty="0">
+                <a:solidFill>
+                  <a:srgbClr val="788BA9"/>
+                </a:solidFill>
+                <a:latin typeface="微软雅黑" panose="020B0503020204020204" pitchFamily="34" charset="-122"/>
+                <a:ea typeface="微软雅黑" panose="020B0503020204020204" pitchFamily="34" charset="-122"/>
+              </a:rPr>
+              <a:t>Broker </a:t>
+            </a:r>
+            <a:r>
+              <a:rPr lang="zh-CN" altLang="en-US" sz="1200" dirty="0">
+                <a:solidFill>
+                  <a:srgbClr val="788BA9"/>
+                </a:solidFill>
+                <a:latin typeface="微软雅黑" panose="020B0503020204020204" pitchFamily="34" charset="-122"/>
+                <a:ea typeface="微软雅黑" panose="020B0503020204020204" pitchFamily="34" charset="-122"/>
+              </a:rPr>
+              <a:t>通过网络传输给 </a:t>
+            </a:r>
+            <a:r>
+              <a:rPr lang="en-US" altLang="zh-CN" sz="1200" dirty="0">
+                <a:solidFill>
+                  <a:srgbClr val="788BA9"/>
+                </a:solidFill>
+                <a:latin typeface="微软雅黑" panose="020B0503020204020204" pitchFamily="34" charset="-122"/>
+                <a:ea typeface="微软雅黑" panose="020B0503020204020204" pitchFamily="34" charset="-122"/>
+              </a:rPr>
+              <a:t>Consumer</a:t>
+            </a:r>
+            <a:r>
+              <a:rPr lang="zh-CN" altLang="en-US" sz="1200" dirty="0">
+                <a:solidFill>
+                  <a:srgbClr val="788BA9"/>
+                </a:solidFill>
+                <a:latin typeface="微软雅黑" panose="020B0503020204020204" pitchFamily="34" charset="-122"/>
+                <a:ea typeface="微软雅黑" panose="020B0503020204020204" pitchFamily="34" charset="-122"/>
+              </a:rPr>
+              <a:t>。</a:t>
             </a:r>
             <a:endParaRPr lang="en-US" altLang="zh-CN" sz="1200" dirty="0">
               <a:solidFill>
@@ -29269,329 +29029,59 @@
             </a:endParaRPr>
           </a:p>
           <a:p>
-            <a:pPr marL="171450" indent="-171450">
-              <a:buFont typeface="Arial" panose="020B0604020202020204" pitchFamily="34" charset="0"/>
-              <a:buChar char="•"/>
-            </a:pPr>
-            <a:endParaRPr lang="en-US" altLang="zh-CN" sz="1200" dirty="0">
-              <a:solidFill>
-                <a:srgbClr val="788BA9"/>
-              </a:solidFill>
-              <a:latin typeface="微软雅黑" panose="020B0503020204020204" pitchFamily="34" charset="-122"/>
-              <a:ea typeface="微软雅黑" panose="020B0503020204020204" pitchFamily="34" charset="-122"/>
-            </a:endParaRPr>
-          </a:p>
-          <a:p>
-            <a:pPr marL="171450" indent="-171450">
-              <a:buFont typeface="Arial" panose="020B0604020202020204" pitchFamily="34" charset="0"/>
-              <a:buChar char="•"/>
-            </a:pPr>
-            <a:r>
-              <a:rPr lang="zh-CN" altLang="en-US" sz="1200" b="1" dirty="0">
+            <a:r>
+              <a:rPr lang="zh-CN" altLang="en-US" sz="1200" dirty="0">
                 <a:solidFill>
                   <a:srgbClr val="788BA9"/>
                 </a:solidFill>
                 <a:latin typeface="微软雅黑" panose="020B0503020204020204" pitchFamily="34" charset="-122"/>
                 <a:ea typeface="微软雅黑" panose="020B0503020204020204" pitchFamily="34" charset="-122"/>
               </a:rPr>
-              <a:t>副本数</a:t>
-            </a:r>
-            <a:r>
-              <a:rPr lang="zh-CN" altLang="en-US" sz="1200" dirty="0">
-                <a:solidFill>
-                  <a:srgbClr val="788BA9"/>
-                </a:solidFill>
-                <a:latin typeface="微软雅黑" panose="020B0503020204020204" pitchFamily="34" charset="-122"/>
-                <a:ea typeface="微软雅黑" panose="020B0503020204020204" pitchFamily="34" charset="-122"/>
-              </a:rPr>
-              <a:t>：副本数越多，数据可靠性越高；但由于副本数增多，也会增加同步副本的开销，可能会降低集群的可用性。一般，建议设为 </a:t>
-            </a:r>
-            <a:r>
-              <a:rPr lang="en-US" altLang="zh-CN" sz="1200" dirty="0">
-                <a:solidFill>
-                  <a:srgbClr val="788BA9"/>
-                </a:solidFill>
-                <a:latin typeface="微软雅黑" panose="020B0503020204020204" pitchFamily="34" charset="-122"/>
-                <a:ea typeface="微软雅黑" panose="020B0503020204020204" pitchFamily="34" charset="-122"/>
-              </a:rPr>
-              <a:t>3</a:t>
-            </a:r>
-            <a:r>
-              <a:rPr lang="zh-CN" altLang="en-US" sz="1200" dirty="0">
-                <a:solidFill>
-                  <a:srgbClr val="788BA9"/>
-                </a:solidFill>
-                <a:latin typeface="微软雅黑" panose="020B0503020204020204" pitchFamily="34" charset="-122"/>
-                <a:ea typeface="微软雅黑" panose="020B0503020204020204" pitchFamily="34" charset="-122"/>
-              </a:rPr>
-              <a:t>，这也是 </a:t>
-            </a:r>
-            <a:r>
-              <a:rPr lang="en-US" altLang="zh-CN" sz="1200" dirty="0">
-                <a:solidFill>
-                  <a:srgbClr val="788BA9"/>
-                </a:solidFill>
-                <a:latin typeface="微软雅黑" panose="020B0503020204020204" pitchFamily="34" charset="-122"/>
-                <a:ea typeface="微软雅黑" panose="020B0503020204020204" pitchFamily="34" charset="-122"/>
-              </a:rPr>
-              <a:t>Kafka </a:t>
-            </a:r>
-            <a:r>
-              <a:rPr lang="zh-CN" altLang="en-US" sz="1200" dirty="0">
-                <a:solidFill>
-                  <a:srgbClr val="788BA9"/>
-                </a:solidFill>
-                <a:latin typeface="微软雅黑" panose="020B0503020204020204" pitchFamily="34" charset="-122"/>
-                <a:ea typeface="微软雅黑" panose="020B0503020204020204" pitchFamily="34" charset="-122"/>
-              </a:rPr>
-              <a:t>的默认值。</a:t>
-            </a:r>
-            <a:endParaRPr lang="en-US" altLang="zh-CN" sz="1200" dirty="0">
-              <a:solidFill>
-                <a:srgbClr val="788BA9"/>
-              </a:solidFill>
-              <a:latin typeface="微软雅黑" panose="020B0503020204020204" pitchFamily="34" charset="-122"/>
-              <a:ea typeface="微软雅黑" panose="020B0503020204020204" pitchFamily="34" charset="-122"/>
-            </a:endParaRPr>
-          </a:p>
-          <a:p>
-            <a:pPr marL="171450" indent="-171450">
-              <a:buFont typeface="Arial" panose="020B0604020202020204" pitchFamily="34" charset="0"/>
-              <a:buChar char="•"/>
-            </a:pPr>
-            <a:endParaRPr lang="en-US" altLang="zh-CN" sz="1200" dirty="0">
-              <a:solidFill>
-                <a:srgbClr val="788BA9"/>
-              </a:solidFill>
-              <a:latin typeface="微软雅黑" panose="020B0503020204020204" pitchFamily="34" charset="-122"/>
-              <a:ea typeface="微软雅黑" panose="020B0503020204020204" pitchFamily="34" charset="-122"/>
-            </a:endParaRPr>
-          </a:p>
-          <a:p>
-            <a:pPr marL="171450" indent="-171450">
-              <a:buFont typeface="Arial" panose="020B0604020202020204" pitchFamily="34" charset="0"/>
-              <a:buChar char="•"/>
-            </a:pPr>
-            <a:r>
-              <a:rPr lang="zh-CN" altLang="en-US" sz="1200" b="1" dirty="0">
-                <a:solidFill>
-                  <a:srgbClr val="788BA9"/>
-                </a:solidFill>
-                <a:latin typeface="微软雅黑" panose="020B0503020204020204" pitchFamily="34" charset="-122"/>
-                <a:ea typeface="微软雅黑" panose="020B0503020204020204" pitchFamily="34" charset="-122"/>
-              </a:rPr>
-              <a:t>不完全的选主</a:t>
-            </a:r>
-            <a:r>
-              <a:rPr lang="zh-CN" altLang="en-US" sz="1200" dirty="0">
-                <a:solidFill>
-                  <a:srgbClr val="788BA9"/>
-                </a:solidFill>
-                <a:latin typeface="微软雅黑" panose="020B0503020204020204" pitchFamily="34" charset="-122"/>
-                <a:ea typeface="微软雅黑" panose="020B0503020204020204" pitchFamily="34" charset="-122"/>
-              </a:rPr>
-              <a:t>：</a:t>
-            </a:r>
-            <a:r>
-              <a:rPr lang="en-US" altLang="zh-CN" sz="1200" dirty="0">
-                <a:solidFill>
-                  <a:srgbClr val="788BA9"/>
-                </a:solidFill>
-                <a:latin typeface="微软雅黑" panose="020B0503020204020204" pitchFamily="34" charset="-122"/>
-                <a:ea typeface="微软雅黑" panose="020B0503020204020204" pitchFamily="34" charset="-122"/>
-              </a:rPr>
-              <a:t> </a:t>
-            </a:r>
-            <a:r>
-              <a:rPr lang="en-US" altLang="zh-CN" sz="1200" dirty="0" err="1">
-                <a:solidFill>
-                  <a:srgbClr val="788BA9"/>
-                </a:solidFill>
-                <a:latin typeface="微软雅黑" panose="020B0503020204020204" pitchFamily="34" charset="-122"/>
-                <a:ea typeface="微软雅黑" panose="020B0503020204020204" pitchFamily="34" charset="-122"/>
-              </a:rPr>
-              <a:t>unclean.leader.election.enable</a:t>
-            </a:r>
-            <a:r>
-              <a:rPr lang="en-US" altLang="zh-CN" sz="1200" dirty="0">
-                <a:solidFill>
-                  <a:srgbClr val="788BA9"/>
-                </a:solidFill>
-                <a:latin typeface="微软雅黑" panose="020B0503020204020204" pitchFamily="34" charset="-122"/>
-                <a:ea typeface="微软雅黑" panose="020B0503020204020204" pitchFamily="34" charset="-122"/>
-              </a:rPr>
-              <a:t> </a:t>
-            </a:r>
-            <a:r>
-              <a:rPr lang="zh-CN" altLang="en-US" sz="1200" dirty="0">
-                <a:solidFill>
-                  <a:srgbClr val="788BA9"/>
-                </a:solidFill>
-                <a:latin typeface="微软雅黑" panose="020B0503020204020204" pitchFamily="34" charset="-122"/>
-                <a:ea typeface="微软雅黑" panose="020B0503020204020204" pitchFamily="34" charset="-122"/>
-              </a:rPr>
-              <a:t>用于控制是否支持不同步的副本参与选举 </a:t>
-            </a:r>
-            <a:r>
-              <a:rPr lang="en-US" altLang="zh-CN" sz="1200" dirty="0">
-                <a:solidFill>
-                  <a:srgbClr val="788BA9"/>
-                </a:solidFill>
-                <a:latin typeface="微软雅黑" panose="020B0503020204020204" pitchFamily="34" charset="-122"/>
-                <a:ea typeface="微软雅黑" panose="020B0503020204020204" pitchFamily="34" charset="-122"/>
-              </a:rPr>
-              <a:t>Leader</a:t>
-            </a:r>
-            <a:r>
-              <a:rPr lang="zh-CN" altLang="en-US" sz="1200" dirty="0">
-                <a:solidFill>
-                  <a:srgbClr val="788BA9"/>
-                </a:solidFill>
-                <a:latin typeface="微软雅黑" panose="020B0503020204020204" pitchFamily="34" charset="-122"/>
-                <a:ea typeface="微软雅黑" panose="020B0503020204020204" pitchFamily="34" charset="-122"/>
-              </a:rPr>
-              <a:t>。允许不同步的副本成为 </a:t>
-            </a:r>
-            <a:r>
-              <a:rPr lang="en-US" altLang="zh-CN" sz="1200" dirty="0">
-                <a:solidFill>
-                  <a:srgbClr val="788BA9"/>
-                </a:solidFill>
-                <a:latin typeface="微软雅黑" panose="020B0503020204020204" pitchFamily="34" charset="-122"/>
-                <a:ea typeface="微软雅黑" panose="020B0503020204020204" pitchFamily="34" charset="-122"/>
-              </a:rPr>
-              <a:t>Leader</a:t>
-            </a:r>
-            <a:r>
-              <a:rPr lang="zh-CN" altLang="en-US" sz="1200" dirty="0">
-                <a:solidFill>
-                  <a:srgbClr val="788BA9"/>
-                </a:solidFill>
-                <a:latin typeface="微软雅黑" panose="020B0503020204020204" pitchFamily="34" charset="-122"/>
-                <a:ea typeface="微软雅黑" panose="020B0503020204020204" pitchFamily="34" charset="-122"/>
-              </a:rPr>
-              <a:t>（即不完全的选举），那么将面临丢失消息的风险；等待原先的 </a:t>
-            </a:r>
-            <a:r>
-              <a:rPr lang="en-US" altLang="zh-CN" sz="1200" dirty="0">
-                <a:solidFill>
-                  <a:srgbClr val="788BA9"/>
-                </a:solidFill>
-                <a:latin typeface="微软雅黑" panose="020B0503020204020204" pitchFamily="34" charset="-122"/>
-                <a:ea typeface="微软雅黑" panose="020B0503020204020204" pitchFamily="34" charset="-122"/>
-              </a:rPr>
-              <a:t>Leader </a:t>
-            </a:r>
-            <a:r>
-              <a:rPr lang="zh-CN" altLang="en-US" sz="1200" dirty="0">
-                <a:solidFill>
-                  <a:srgbClr val="788BA9"/>
-                </a:solidFill>
-                <a:latin typeface="微软雅黑" panose="020B0503020204020204" pitchFamily="34" charset="-122"/>
-                <a:ea typeface="微软雅黑" panose="020B0503020204020204" pitchFamily="34" charset="-122"/>
-              </a:rPr>
-              <a:t>重新上线，则降低了可用性。</a:t>
-            </a:r>
-            <a:endParaRPr lang="en-US" altLang="zh-CN" sz="1200" dirty="0">
-              <a:solidFill>
-                <a:srgbClr val="788BA9"/>
-              </a:solidFill>
-              <a:latin typeface="微软雅黑" panose="020B0503020204020204" pitchFamily="34" charset="-122"/>
-              <a:ea typeface="微软雅黑" panose="020B0503020204020204" pitchFamily="34" charset="-122"/>
-            </a:endParaRPr>
-          </a:p>
-          <a:p>
-            <a:pPr marL="171450" indent="-171450">
-              <a:buFont typeface="Arial" panose="020B0604020202020204" pitchFamily="34" charset="0"/>
-              <a:buChar char="•"/>
-            </a:pPr>
-            <a:endParaRPr lang="en-US" altLang="zh-CN" sz="1200" dirty="0">
-              <a:solidFill>
-                <a:srgbClr val="788BA9"/>
-              </a:solidFill>
-              <a:latin typeface="微软雅黑" panose="020B0503020204020204" pitchFamily="34" charset="-122"/>
-              <a:ea typeface="微软雅黑" panose="020B0503020204020204" pitchFamily="34" charset="-122"/>
-            </a:endParaRPr>
-          </a:p>
-          <a:p>
-            <a:pPr marL="171450" indent="-171450">
-              <a:buFont typeface="Arial" panose="020B0604020202020204" pitchFamily="34" charset="0"/>
-              <a:buChar char="•"/>
-            </a:pPr>
-            <a:r>
-              <a:rPr lang="zh-CN" altLang="en-US" sz="1200" b="1" dirty="0">
-                <a:solidFill>
-                  <a:srgbClr val="788BA9"/>
-                </a:solidFill>
-                <a:latin typeface="微软雅黑" panose="020B0503020204020204" pitchFamily="34" charset="-122"/>
-                <a:ea typeface="微软雅黑" panose="020B0503020204020204" pitchFamily="34" charset="-122"/>
-              </a:rPr>
-              <a:t>最少同步副本</a:t>
-            </a:r>
-            <a:r>
-              <a:rPr lang="zh-CN" altLang="en-US" sz="1200" dirty="0">
-                <a:solidFill>
-                  <a:srgbClr val="788BA9"/>
-                </a:solidFill>
-                <a:latin typeface="微软雅黑" panose="020B0503020204020204" pitchFamily="34" charset="-122"/>
-                <a:ea typeface="微软雅黑" panose="020B0503020204020204" pitchFamily="34" charset="-122"/>
-              </a:rPr>
-              <a:t>：</a:t>
-            </a:r>
-            <a:r>
-              <a:rPr lang="en-US" altLang="zh-CN" sz="1200" dirty="0">
-                <a:solidFill>
-                  <a:srgbClr val="788BA9"/>
-                </a:solidFill>
-                <a:latin typeface="微软雅黑" panose="020B0503020204020204" pitchFamily="34" charset="-122"/>
-                <a:ea typeface="微软雅黑" panose="020B0503020204020204" pitchFamily="34" charset="-122"/>
-              </a:rPr>
-              <a:t> </a:t>
-            </a:r>
-            <a:r>
-              <a:rPr lang="en-US" altLang="zh-CN" sz="1200" dirty="0" err="1">
-                <a:solidFill>
-                  <a:srgbClr val="788BA9"/>
-                </a:solidFill>
-                <a:latin typeface="微软雅黑" panose="020B0503020204020204" pitchFamily="34" charset="-122"/>
-                <a:ea typeface="微软雅黑" panose="020B0503020204020204" pitchFamily="34" charset="-122"/>
-              </a:rPr>
-              <a:t>min.insync.replicas</a:t>
-            </a:r>
-            <a:r>
-              <a:rPr lang="en-US" altLang="zh-CN" sz="1200" dirty="0">
-                <a:solidFill>
-                  <a:srgbClr val="788BA9"/>
-                </a:solidFill>
-                <a:latin typeface="微软雅黑" panose="020B0503020204020204" pitchFamily="34" charset="-122"/>
-                <a:ea typeface="微软雅黑" panose="020B0503020204020204" pitchFamily="34" charset="-122"/>
-              </a:rPr>
-              <a:t> </a:t>
-            </a:r>
-            <a:r>
-              <a:rPr lang="zh-CN" altLang="en-US" sz="1200" dirty="0">
-                <a:solidFill>
-                  <a:srgbClr val="788BA9"/>
-                </a:solidFill>
-                <a:latin typeface="微软雅黑" panose="020B0503020204020204" pitchFamily="34" charset="-122"/>
-                <a:ea typeface="微软雅黑" panose="020B0503020204020204" pitchFamily="34" charset="-122"/>
-              </a:rPr>
-              <a:t>控制的是消息至少要被写入到多少个副本才算是“已提交”。</a:t>
-            </a:r>
-            <a:endParaRPr lang="en-US" altLang="zh-CN" sz="1200" dirty="0">
-              <a:solidFill>
-                <a:srgbClr val="788BA9"/>
-              </a:solidFill>
-              <a:latin typeface="微软雅黑" panose="020B0503020204020204" pitchFamily="34" charset="-122"/>
-              <a:ea typeface="微软雅黑" panose="020B0503020204020204" pitchFamily="34" charset="-122"/>
-            </a:endParaRPr>
+              <a:t>这三个阶段都可能丢失数据，所以要保证消息丢失，就需要任意一环都保证可靠。</a:t>
+            </a:r>
           </a:p>
         </p:txBody>
       </p:sp>
+      <p:pic>
+        <p:nvPicPr>
+          <p:cNvPr id="4" name="图片 3">
+            <a:extLst>
+              <a:ext uri="{FF2B5EF4-FFF2-40B4-BE49-F238E27FC236}">
+                <a16:creationId xmlns:a16="http://schemas.microsoft.com/office/drawing/2014/main" id="{A7818B32-DBAF-4BAD-89D8-919BF6165CC9}"/>
+              </a:ext>
+            </a:extLst>
+          </p:cNvPr>
+          <p:cNvPicPr>
+            <a:picLocks noChangeAspect="1"/>
+          </p:cNvPicPr>
+          <p:nvPr/>
+        </p:nvPicPr>
+        <p:blipFill>
+          <a:blip r:embed="rId3">
+            <a:extLst>
+              <a:ext uri="{28A0092B-C50C-407E-A947-70E740481C1C}">
+                <a14:useLocalDpi xmlns:a14="http://schemas.microsoft.com/office/drawing/2010/main" val="0"/>
+              </a:ext>
+            </a:extLst>
+          </a:blip>
+          <a:stretch>
+            <a:fillRect/>
+          </a:stretch>
+        </p:blipFill>
+        <p:spPr>
+          <a:xfrm>
+            <a:off x="783882" y="2059372"/>
+            <a:ext cx="7576236" cy="2323182"/>
+          </a:xfrm>
+          <a:prstGeom prst="rect">
+            <a:avLst/>
+          </a:prstGeom>
+        </p:spPr>
+      </p:pic>
     </p:spTree>
     <p:extLst>
       <p:ext uri="{BB962C8B-B14F-4D97-AF65-F5344CB8AC3E}">
-        <p14:creationId xmlns:p14="http://schemas.microsoft.com/office/powerpoint/2010/main" val="1417438858"/>
+        <p14:creationId xmlns:p14="http://schemas.microsoft.com/office/powerpoint/2010/main" val="3026002097"/>
       </p:ext>
     </p:extLst>
   </p:cSld>
@@ -29819,7 +29309,7 @@
                 <a:latin typeface="微软雅黑" panose="020B0503020204020204" pitchFamily="34" charset="-122"/>
                 <a:ea typeface="微软雅黑" panose="020B0503020204020204" pitchFamily="34" charset="-122"/>
               </a:rPr>
-              <a:t>生产阶段</a:t>
+              <a:t>存储阶段</a:t>
             </a:r>
           </a:p>
         </p:txBody>
@@ -29838,8 +29328,8 @@
         </p:nvSpPr>
         <p:spPr>
           <a:xfrm>
-            <a:off x="1487135" y="800081"/>
-            <a:ext cx="6169730" cy="4081117"/>
+            <a:off x="1487135" y="1306788"/>
+            <a:ext cx="6169730" cy="2529923"/>
           </a:xfrm>
           <a:prstGeom prst="rect">
             <a:avLst/>
@@ -29857,47 +29347,48 @@
               </a:lnSpc>
             </a:pPr>
             <a:r>
-              <a:rPr lang="zh-CN" altLang="en-US" b="1" dirty="0">
+              <a:rPr lang="en-US" altLang="zh-CN" sz="1200" b="1" dirty="0">
                 <a:solidFill>
                   <a:srgbClr val="D67A71"/>
                 </a:solidFill>
                 <a:latin typeface="微软雅黑" panose="020B0503020204020204" pitchFamily="34" charset="-122"/>
                 <a:ea typeface="微软雅黑" panose="020B0503020204020204" pitchFamily="34" charset="-122"/>
               </a:rPr>
-              <a:t>可靠的发送方案</a:t>
+              <a:t>Kafka </a:t>
+            </a:r>
+            <a:r>
+              <a:rPr lang="zh-CN" altLang="en-US" sz="1200" b="1" dirty="0">
+                <a:solidFill>
+                  <a:srgbClr val="D67A71"/>
+                </a:solidFill>
+                <a:latin typeface="微软雅黑" panose="020B0503020204020204" pitchFamily="34" charset="-122"/>
+                <a:ea typeface="微软雅黑" panose="020B0503020204020204" pitchFamily="34" charset="-122"/>
+              </a:rPr>
+              <a:t>只对“已提交”的消息（</a:t>
+            </a:r>
+            <a:r>
+              <a:rPr lang="en-US" altLang="zh-CN" sz="1200" b="1" dirty="0">
+                <a:solidFill>
+                  <a:srgbClr val="D67A71"/>
+                </a:solidFill>
+                <a:latin typeface="微软雅黑" panose="020B0503020204020204" pitchFamily="34" charset="-122"/>
+                <a:ea typeface="微软雅黑" panose="020B0503020204020204" pitchFamily="34" charset="-122"/>
+              </a:rPr>
+              <a:t>committed message</a:t>
+            </a:r>
+            <a:r>
+              <a:rPr lang="zh-CN" altLang="en-US" sz="1200" b="1" dirty="0">
+                <a:solidFill>
+                  <a:srgbClr val="D67A71"/>
+                </a:solidFill>
+                <a:latin typeface="微软雅黑" panose="020B0503020204020204" pitchFamily="34" charset="-122"/>
+                <a:ea typeface="微软雅黑" panose="020B0503020204020204" pitchFamily="34" charset="-122"/>
+              </a:rPr>
+              <a:t>）做有限度的持久化保证。</a:t>
             </a:r>
             <a:endParaRPr lang="en-US" altLang="zh-CN" sz="1200" b="1" dirty="0">
               <a:solidFill>
-                <a:srgbClr val="788BA9"/>
-              </a:solidFill>
-              <a:latin typeface="微软雅黑" panose="020B0503020204020204" pitchFamily="34" charset="-122"/>
-              <a:ea typeface="微软雅黑" panose="020B0503020204020204" pitchFamily="34" charset="-122"/>
-            </a:endParaRPr>
-          </a:p>
-          <a:p>
-            <a:r>
-              <a:rPr lang="en-US" altLang="zh-CN" sz="1200" dirty="0">
-                <a:solidFill>
-                  <a:srgbClr val="788BA9"/>
-                </a:solidFill>
-                <a:latin typeface="微软雅黑" panose="020B0503020204020204" pitchFamily="34" charset="-122"/>
-                <a:ea typeface="微软雅黑" panose="020B0503020204020204" pitchFamily="34" charset="-122"/>
-              </a:rPr>
-              <a:t>Kafka </a:t>
-            </a:r>
-            <a:r>
-              <a:rPr lang="zh-CN" altLang="en-US" sz="1200" dirty="0">
-                <a:solidFill>
-                  <a:srgbClr val="788BA9"/>
-                </a:solidFill>
-                <a:latin typeface="微软雅黑" panose="020B0503020204020204" pitchFamily="34" charset="-122"/>
-                <a:ea typeface="微软雅黑" panose="020B0503020204020204" pitchFamily="34" charset="-122"/>
-              </a:rPr>
-              <a:t>有三种发送方式：同步、异步、异步回调。</a:t>
-            </a:r>
-            <a:endParaRPr lang="en-US" altLang="zh-CN" sz="1200" dirty="0">
-              <a:solidFill>
-                <a:srgbClr val="788BA9"/>
+                <a:srgbClr val="D67A71"/>
               </a:solidFill>
               <a:latin typeface="微软雅黑" panose="020B0503020204020204" pitchFamily="34" charset="-122"/>
               <a:ea typeface="微软雅黑" panose="020B0503020204020204" pitchFamily="34" charset="-122"/>
@@ -29918,6 +29409,16 @@
               <a:buChar char="•"/>
             </a:pPr>
             <a:r>
+              <a:rPr lang="zh-CN" altLang="en-US" sz="1200" b="1" dirty="0">
+                <a:solidFill>
+                  <a:srgbClr val="788BA9"/>
+                </a:solidFill>
+                <a:latin typeface="微软雅黑" panose="020B0503020204020204" pitchFamily="34" charset="-122"/>
+                <a:ea typeface="微软雅黑" panose="020B0503020204020204" pitchFamily="34" charset="-122"/>
+              </a:rPr>
+              <a:t>副本机制</a:t>
+            </a:r>
+            <a:r>
               <a:rPr lang="zh-CN" altLang="en-US" sz="1200" dirty="0">
                 <a:solidFill>
                   <a:srgbClr val="788BA9"/>
@@ -29925,21 +29426,18 @@
                 <a:latin typeface="微软雅黑" panose="020B0503020204020204" pitchFamily="34" charset="-122"/>
                 <a:ea typeface="微软雅黑" panose="020B0503020204020204" pitchFamily="34" charset="-122"/>
               </a:rPr>
-              <a:t>同步方式能保证消息不丢失，但性能太差；异步方式发送消息，通常会立即返回，但消息可能丢失。</a:t>
-            </a:r>
-            <a:endParaRPr lang="en-US" altLang="zh-CN" sz="1200" dirty="0">
-              <a:solidFill>
-                <a:srgbClr val="788BA9"/>
-              </a:solidFill>
-              <a:latin typeface="微软雅黑" panose="020B0503020204020204" pitchFamily="34" charset="-122"/>
-              <a:ea typeface="微软雅黑" panose="020B0503020204020204" pitchFamily="34" charset="-122"/>
-            </a:endParaRPr>
-          </a:p>
-          <a:p>
-            <a:pPr marL="171450" indent="-171450">
-              <a:buFont typeface="Arial" panose="020B0604020202020204" pitchFamily="34" charset="0"/>
-              <a:buChar char="•"/>
-            </a:pPr>
+              <a:t>：</a:t>
+            </a:r>
+            <a:r>
+              <a:rPr lang="en-US" altLang="zh-CN" sz="1200" dirty="0">
+                <a:solidFill>
+                  <a:srgbClr val="788BA9"/>
+                </a:solidFill>
+                <a:latin typeface="微软雅黑" panose="020B0503020204020204" pitchFamily="34" charset="-122"/>
+                <a:ea typeface="微软雅黑" panose="020B0503020204020204" pitchFamily="34" charset="-122"/>
+              </a:rPr>
+              <a:t>Kafka </a:t>
+            </a:r>
             <a:r>
               <a:rPr lang="zh-CN" altLang="en-US" sz="1200" dirty="0">
                 <a:solidFill>
@@ -29948,7 +29446,17 @@
                 <a:latin typeface="微软雅黑" panose="020B0503020204020204" pitchFamily="34" charset="-122"/>
                 <a:ea typeface="微软雅黑" panose="020B0503020204020204" pitchFamily="34" charset="-122"/>
               </a:rPr>
-              <a:t>推荐方案是：异步回调方式。 </a:t>
+              <a:t>的副本机制是 </a:t>
+            </a:r>
+            <a:r>
+              <a:rPr lang="en-US" altLang="zh-CN" sz="1200" dirty="0" err="1">
+                <a:solidFill>
+                  <a:srgbClr val="788BA9"/>
+                </a:solidFill>
+                <a:latin typeface="微软雅黑" panose="020B0503020204020204" pitchFamily="34" charset="-122"/>
+                <a:ea typeface="微软雅黑" panose="020B0503020204020204" pitchFamily="34" charset="-122"/>
+              </a:rPr>
+              <a:t>kafka</a:t>
             </a:r>
             <a:r>
               <a:rPr lang="en-US" altLang="zh-CN" sz="1200" dirty="0">
@@ -29958,7 +29466,7 @@
                 <a:latin typeface="微软雅黑" panose="020B0503020204020204" pitchFamily="34" charset="-122"/>
                 <a:ea typeface="微软雅黑" panose="020B0503020204020204" pitchFamily="34" charset="-122"/>
               </a:rPr>
-              <a:t>callback</a:t>
+              <a:t> </a:t>
             </a:r>
             <a:r>
               <a:rPr lang="zh-CN" altLang="en-US" sz="1200" dirty="0">
@@ -29968,7 +29476,7 @@
                 <a:latin typeface="微软雅黑" panose="020B0503020204020204" pitchFamily="34" charset="-122"/>
                 <a:ea typeface="微软雅黑" panose="020B0503020204020204" pitchFamily="34" charset="-122"/>
               </a:rPr>
-              <a:t>（回调）能准确地告诉你消息是否真的提交成功了。一旦出现消息提交失败的情况，你就可以有针对性地进行处理。</a:t>
+              <a:t>可靠性保证的核心。</a:t>
             </a:r>
             <a:endParaRPr lang="en-US" altLang="zh-CN" sz="1200" dirty="0">
               <a:solidFill>
@@ -29992,20 +29500,69 @@
             </a:endParaRPr>
           </a:p>
           <a:p>
-            <a:pPr>
-              <a:lnSpc>
-                <a:spcPct val="120000"/>
-              </a:lnSpc>
+            <a:pPr marL="171450" indent="-171450">
+              <a:buFont typeface="Arial" panose="020B0604020202020204" pitchFamily="34" charset="0"/>
+              <a:buChar char="•"/>
             </a:pPr>
             <a:r>
-              <a:rPr lang="en-US" altLang="zh-CN" sz="1200" b="1" dirty="0">
-                <a:solidFill>
-                  <a:srgbClr val="D67A71"/>
-                </a:solidFill>
-                <a:latin typeface="微软雅黑" panose="020B0503020204020204" pitchFamily="34" charset="-122"/>
-                <a:ea typeface="微软雅黑" panose="020B0503020204020204" pitchFamily="34" charset="-122"/>
-              </a:rPr>
-              <a:t>ACK</a:t>
+              <a:rPr lang="zh-CN" altLang="en-US" sz="1200" b="1" dirty="0">
+                <a:solidFill>
+                  <a:srgbClr val="788BA9"/>
+                </a:solidFill>
+                <a:latin typeface="微软雅黑" panose="020B0503020204020204" pitchFamily="34" charset="-122"/>
+                <a:ea typeface="微软雅黑" panose="020B0503020204020204" pitchFamily="34" charset="-122"/>
+              </a:rPr>
+              <a:t>副本数</a:t>
+            </a:r>
+            <a:r>
+              <a:rPr lang="zh-CN" altLang="en-US" sz="1200" dirty="0">
+                <a:solidFill>
+                  <a:srgbClr val="788BA9"/>
+                </a:solidFill>
+                <a:latin typeface="微软雅黑" panose="020B0503020204020204" pitchFamily="34" charset="-122"/>
+                <a:ea typeface="微软雅黑" panose="020B0503020204020204" pitchFamily="34" charset="-122"/>
+              </a:rPr>
+              <a:t>：副本数越多，数据可靠性越高；但由于副本数增多，也会增加同步副本的开销，可能会降低集群的可用性。一般，建议设为 </a:t>
+            </a:r>
+            <a:r>
+              <a:rPr lang="en-US" altLang="zh-CN" sz="1200" dirty="0">
+                <a:solidFill>
+                  <a:srgbClr val="788BA9"/>
+                </a:solidFill>
+                <a:latin typeface="微软雅黑" panose="020B0503020204020204" pitchFamily="34" charset="-122"/>
+                <a:ea typeface="微软雅黑" panose="020B0503020204020204" pitchFamily="34" charset="-122"/>
+              </a:rPr>
+              <a:t>3</a:t>
+            </a:r>
+            <a:r>
+              <a:rPr lang="zh-CN" altLang="en-US" sz="1200" dirty="0">
+                <a:solidFill>
+                  <a:srgbClr val="788BA9"/>
+                </a:solidFill>
+                <a:latin typeface="微软雅黑" panose="020B0503020204020204" pitchFamily="34" charset="-122"/>
+                <a:ea typeface="微软雅黑" panose="020B0503020204020204" pitchFamily="34" charset="-122"/>
+              </a:rPr>
+              <a:t>，这也是 </a:t>
+            </a:r>
+            <a:r>
+              <a:rPr lang="en-US" altLang="zh-CN" sz="1200" dirty="0">
+                <a:solidFill>
+                  <a:srgbClr val="788BA9"/>
+                </a:solidFill>
+                <a:latin typeface="微软雅黑" panose="020B0503020204020204" pitchFamily="34" charset="-122"/>
+                <a:ea typeface="微软雅黑" panose="020B0503020204020204" pitchFamily="34" charset="-122"/>
+              </a:rPr>
+              <a:t>Kafka </a:t>
+            </a:r>
+            <a:r>
+              <a:rPr lang="zh-CN" altLang="en-US" sz="1200" dirty="0">
+                <a:solidFill>
+                  <a:srgbClr val="788BA9"/>
+                </a:solidFill>
+                <a:latin typeface="微软雅黑" panose="020B0503020204020204" pitchFamily="34" charset="-122"/>
+                <a:ea typeface="微软雅黑" panose="020B0503020204020204" pitchFamily="34" charset="-122"/>
+              </a:rPr>
+              <a:t>的默认值。</a:t>
             </a:r>
             <a:endParaRPr lang="en-US" altLang="zh-CN" sz="1200" dirty="0">
               <a:solidFill>
@@ -30020,72 +29577,6 @@
               <a:buFont typeface="Arial" panose="020B0604020202020204" pitchFamily="34" charset="0"/>
               <a:buChar char="•"/>
             </a:pPr>
-            <a:r>
-              <a:rPr lang="en-US" altLang="zh-CN" sz="1200" dirty="0">
-                <a:solidFill>
-                  <a:srgbClr val="788BA9"/>
-                </a:solidFill>
-                <a:latin typeface="微软雅黑" panose="020B0503020204020204" pitchFamily="34" charset="-122"/>
-                <a:ea typeface="微软雅黑" panose="020B0503020204020204" pitchFamily="34" charset="-122"/>
-              </a:rPr>
-              <a:t>acks=0</a:t>
-            </a:r>
-            <a:r>
-              <a:rPr lang="zh-CN" altLang="en-US" sz="1200" dirty="0">
-                <a:solidFill>
-                  <a:srgbClr val="788BA9"/>
-                </a:solidFill>
-                <a:latin typeface="微软雅黑" panose="020B0503020204020204" pitchFamily="34" charset="-122"/>
-                <a:ea typeface="微软雅黑" panose="020B0503020204020204" pitchFamily="34" charset="-122"/>
-              </a:rPr>
-              <a:t>、</a:t>
-            </a:r>
-            <a:r>
-              <a:rPr lang="en-US" altLang="zh-CN" sz="1200" dirty="0">
-                <a:solidFill>
-                  <a:srgbClr val="788BA9"/>
-                </a:solidFill>
-                <a:latin typeface="微软雅黑" panose="020B0503020204020204" pitchFamily="34" charset="-122"/>
-                <a:ea typeface="微软雅黑" panose="020B0503020204020204" pitchFamily="34" charset="-122"/>
-              </a:rPr>
-              <a:t>acks=1 </a:t>
-            </a:r>
-            <a:r>
-              <a:rPr lang="zh-CN" altLang="en-US" sz="1200" dirty="0">
-                <a:solidFill>
-                  <a:srgbClr val="788BA9"/>
-                </a:solidFill>
-                <a:latin typeface="微软雅黑" panose="020B0503020204020204" pitchFamily="34" charset="-122"/>
-                <a:ea typeface="微软雅黑" panose="020B0503020204020204" pitchFamily="34" charset="-122"/>
-              </a:rPr>
-              <a:t>都有丢失数据的风险。</a:t>
-            </a:r>
-          </a:p>
-          <a:p>
-            <a:pPr marL="171450" indent="-171450">
-              <a:buFont typeface="Arial" panose="020B0604020202020204" pitchFamily="34" charset="0"/>
-              <a:buChar char="•"/>
-            </a:pPr>
-            <a:r>
-              <a:rPr lang="en-US" altLang="zh-CN" sz="1200" dirty="0">
-                <a:solidFill>
-                  <a:srgbClr val="788BA9"/>
-                </a:solidFill>
-                <a:latin typeface="微软雅黑" panose="020B0503020204020204" pitchFamily="34" charset="-122"/>
-                <a:ea typeface="微软雅黑" panose="020B0503020204020204" pitchFamily="34" charset="-122"/>
-              </a:rPr>
-              <a:t>acks=all </a:t>
-            </a:r>
-            <a:r>
-              <a:rPr lang="zh-CN" altLang="en-US" sz="1200" dirty="0">
-                <a:solidFill>
-                  <a:srgbClr val="788BA9"/>
-                </a:solidFill>
-                <a:latin typeface="微软雅黑" panose="020B0503020204020204" pitchFamily="34" charset="-122"/>
-                <a:ea typeface="微软雅黑" panose="020B0503020204020204" pitchFamily="34" charset="-122"/>
-              </a:rPr>
-              <a:t>意味着会等待所有同步副本都收到消息。</a:t>
-            </a:r>
             <a:endParaRPr lang="en-US" altLang="zh-CN" sz="1200" dirty="0">
               <a:solidFill>
                 <a:srgbClr val="788BA9"/>
@@ -30095,6 +29586,130 @@
             </a:endParaRPr>
           </a:p>
           <a:p>
+            <a:pPr marL="171450" indent="-171450">
+              <a:buFont typeface="Arial" panose="020B0604020202020204" pitchFamily="34" charset="0"/>
+              <a:buChar char="•"/>
+            </a:pPr>
+            <a:r>
+              <a:rPr lang="zh-CN" altLang="en-US" sz="1200" b="1" dirty="0">
+                <a:solidFill>
+                  <a:srgbClr val="788BA9"/>
+                </a:solidFill>
+                <a:latin typeface="微软雅黑" panose="020B0503020204020204" pitchFamily="34" charset="-122"/>
+                <a:ea typeface="微软雅黑" panose="020B0503020204020204" pitchFamily="34" charset="-122"/>
+              </a:rPr>
+              <a:t>不完全的选主</a:t>
+            </a:r>
+            <a:r>
+              <a:rPr lang="zh-CN" altLang="en-US" sz="1200" dirty="0">
+                <a:solidFill>
+                  <a:srgbClr val="788BA9"/>
+                </a:solidFill>
+                <a:latin typeface="微软雅黑" panose="020B0503020204020204" pitchFamily="34" charset="-122"/>
+                <a:ea typeface="微软雅黑" panose="020B0503020204020204" pitchFamily="34" charset="-122"/>
+              </a:rPr>
+              <a:t>：</a:t>
+            </a:r>
+            <a:r>
+              <a:rPr lang="en-US" altLang="zh-CN" sz="1200" dirty="0">
+                <a:solidFill>
+                  <a:srgbClr val="788BA9"/>
+                </a:solidFill>
+                <a:latin typeface="微软雅黑" panose="020B0503020204020204" pitchFamily="34" charset="-122"/>
+                <a:ea typeface="微软雅黑" panose="020B0503020204020204" pitchFamily="34" charset="-122"/>
+              </a:rPr>
+              <a:t> </a:t>
+            </a:r>
+            <a:r>
+              <a:rPr lang="en-US" altLang="zh-CN" sz="1200" dirty="0" err="1">
+                <a:solidFill>
+                  <a:srgbClr val="788BA9"/>
+                </a:solidFill>
+                <a:latin typeface="微软雅黑" panose="020B0503020204020204" pitchFamily="34" charset="-122"/>
+                <a:ea typeface="微软雅黑" panose="020B0503020204020204" pitchFamily="34" charset="-122"/>
+              </a:rPr>
+              <a:t>unclean.leader.election.enable</a:t>
+            </a:r>
+            <a:r>
+              <a:rPr lang="en-US" altLang="zh-CN" sz="1200" dirty="0">
+                <a:solidFill>
+                  <a:srgbClr val="788BA9"/>
+                </a:solidFill>
+                <a:latin typeface="微软雅黑" panose="020B0503020204020204" pitchFamily="34" charset="-122"/>
+                <a:ea typeface="微软雅黑" panose="020B0503020204020204" pitchFamily="34" charset="-122"/>
+              </a:rPr>
+              <a:t> </a:t>
+            </a:r>
+            <a:r>
+              <a:rPr lang="zh-CN" altLang="en-US" sz="1200" dirty="0">
+                <a:solidFill>
+                  <a:srgbClr val="788BA9"/>
+                </a:solidFill>
+                <a:latin typeface="微软雅黑" panose="020B0503020204020204" pitchFamily="34" charset="-122"/>
+                <a:ea typeface="微软雅黑" panose="020B0503020204020204" pitchFamily="34" charset="-122"/>
+              </a:rPr>
+              <a:t>用于控制是否支持不同步的副本参与选举 </a:t>
+            </a:r>
+            <a:r>
+              <a:rPr lang="en-US" altLang="zh-CN" sz="1200" dirty="0">
+                <a:solidFill>
+                  <a:srgbClr val="788BA9"/>
+                </a:solidFill>
+                <a:latin typeface="微软雅黑" panose="020B0503020204020204" pitchFamily="34" charset="-122"/>
+                <a:ea typeface="微软雅黑" panose="020B0503020204020204" pitchFamily="34" charset="-122"/>
+              </a:rPr>
+              <a:t>Leader</a:t>
+            </a:r>
+            <a:r>
+              <a:rPr lang="zh-CN" altLang="en-US" sz="1200" dirty="0">
+                <a:solidFill>
+                  <a:srgbClr val="788BA9"/>
+                </a:solidFill>
+                <a:latin typeface="微软雅黑" panose="020B0503020204020204" pitchFamily="34" charset="-122"/>
+                <a:ea typeface="微软雅黑" panose="020B0503020204020204" pitchFamily="34" charset="-122"/>
+              </a:rPr>
+              <a:t>。允许不同步的副本成为 </a:t>
+            </a:r>
+            <a:r>
+              <a:rPr lang="en-US" altLang="zh-CN" sz="1200" dirty="0">
+                <a:solidFill>
+                  <a:srgbClr val="788BA9"/>
+                </a:solidFill>
+                <a:latin typeface="微软雅黑" panose="020B0503020204020204" pitchFamily="34" charset="-122"/>
+                <a:ea typeface="微软雅黑" panose="020B0503020204020204" pitchFamily="34" charset="-122"/>
+              </a:rPr>
+              <a:t>Leader</a:t>
+            </a:r>
+            <a:r>
+              <a:rPr lang="zh-CN" altLang="en-US" sz="1200" dirty="0">
+                <a:solidFill>
+                  <a:srgbClr val="788BA9"/>
+                </a:solidFill>
+                <a:latin typeface="微软雅黑" panose="020B0503020204020204" pitchFamily="34" charset="-122"/>
+                <a:ea typeface="微软雅黑" panose="020B0503020204020204" pitchFamily="34" charset="-122"/>
+              </a:rPr>
+              <a:t>（即不完全的选举），那么将面临丢失消息的风险；等待原先的 </a:t>
+            </a:r>
+            <a:r>
+              <a:rPr lang="en-US" altLang="zh-CN" sz="1200" dirty="0">
+                <a:solidFill>
+                  <a:srgbClr val="788BA9"/>
+                </a:solidFill>
+                <a:latin typeface="微软雅黑" panose="020B0503020204020204" pitchFamily="34" charset="-122"/>
+                <a:ea typeface="微软雅黑" panose="020B0503020204020204" pitchFamily="34" charset="-122"/>
+              </a:rPr>
+              <a:t>Leader </a:t>
+            </a:r>
+            <a:r>
+              <a:rPr lang="zh-CN" altLang="en-US" sz="1200" dirty="0">
+                <a:solidFill>
+                  <a:srgbClr val="788BA9"/>
+                </a:solidFill>
+                <a:latin typeface="微软雅黑" panose="020B0503020204020204" pitchFamily="34" charset="-122"/>
+                <a:ea typeface="微软雅黑" panose="020B0503020204020204" pitchFamily="34" charset="-122"/>
+              </a:rPr>
+              <a:t>重新上线，则降低了可用性。</a:t>
+            </a:r>
             <a:endParaRPr lang="en-US" altLang="zh-CN" sz="1200" dirty="0">
               <a:solidFill>
                 <a:srgbClr val="788BA9"/>
@@ -30104,94 +29719,10 @@
             </a:endParaRPr>
           </a:p>
           <a:p>
-            <a:pPr>
-              <a:lnSpc>
-                <a:spcPct val="120000"/>
-              </a:lnSpc>
+            <a:pPr marL="171450" indent="-171450">
+              <a:buFont typeface="Arial" panose="020B0604020202020204" pitchFamily="34" charset="0"/>
+              <a:buChar char="•"/>
             </a:pPr>
-            <a:r>
-              <a:rPr lang="zh-CN" altLang="en-US" sz="1200" b="1" dirty="0">
-                <a:solidFill>
-                  <a:srgbClr val="D67A71"/>
-                </a:solidFill>
-                <a:latin typeface="微软雅黑" panose="020B0503020204020204" pitchFamily="34" charset="-122"/>
-                <a:ea typeface="微软雅黑" panose="020B0503020204020204" pitchFamily="34" charset="-122"/>
-              </a:rPr>
-              <a:t>重试</a:t>
-            </a:r>
-            <a:endParaRPr lang="en-US" altLang="zh-CN" sz="1200" b="1" dirty="0">
-              <a:solidFill>
-                <a:srgbClr val="D67A71"/>
-              </a:solidFill>
-              <a:latin typeface="微软雅黑" panose="020B0503020204020204" pitchFamily="34" charset="-122"/>
-              <a:ea typeface="微软雅黑" panose="020B0503020204020204" pitchFamily="34" charset="-122"/>
-            </a:endParaRPr>
-          </a:p>
-          <a:p>
-            <a:r>
-              <a:rPr lang="zh-CN" altLang="en-US" sz="1200" dirty="0">
-                <a:solidFill>
-                  <a:srgbClr val="788BA9"/>
-                </a:solidFill>
-                <a:latin typeface="微软雅黑" panose="020B0503020204020204" pitchFamily="34" charset="-122"/>
-                <a:ea typeface="微软雅黑" panose="020B0503020204020204" pitchFamily="34" charset="-122"/>
-              </a:rPr>
-              <a:t>可重试错误，如：</a:t>
-            </a:r>
-            <a:r>
-              <a:rPr lang="en-US" altLang="zh-CN" sz="1200" dirty="0">
-                <a:solidFill>
-                  <a:srgbClr val="788BA9"/>
-                </a:solidFill>
-                <a:latin typeface="微软雅黑" panose="020B0503020204020204" pitchFamily="34" charset="-122"/>
-                <a:ea typeface="微软雅黑" panose="020B0503020204020204" pitchFamily="34" charset="-122"/>
-              </a:rPr>
-              <a:t>LEADER_NOT_AVAILABLE</a:t>
-            </a:r>
-            <a:r>
-              <a:rPr lang="zh-CN" altLang="en-US" sz="1200" dirty="0">
-                <a:solidFill>
-                  <a:srgbClr val="788BA9"/>
-                </a:solidFill>
-                <a:latin typeface="微软雅黑" panose="020B0503020204020204" pitchFamily="34" charset="-122"/>
-                <a:ea typeface="微软雅黑" panose="020B0503020204020204" pitchFamily="34" charset="-122"/>
-              </a:rPr>
-              <a:t>，主副本不可用，可能过一段时间，集群就会选举出新的主副本，重试可以解决问题。</a:t>
-            </a:r>
-          </a:p>
-          <a:p>
-            <a:r>
-              <a:rPr lang="zh-CN" altLang="en-US" sz="1200" dirty="0">
-                <a:solidFill>
-                  <a:srgbClr val="788BA9"/>
-                </a:solidFill>
-                <a:latin typeface="微软雅黑" panose="020B0503020204020204" pitchFamily="34" charset="-122"/>
-                <a:ea typeface="微软雅黑" panose="020B0503020204020204" pitchFamily="34" charset="-122"/>
-              </a:rPr>
-              <a:t>不可重试错误，如：</a:t>
-            </a:r>
-            <a:r>
-              <a:rPr lang="en-US" altLang="zh-CN" sz="1200" dirty="0">
-                <a:solidFill>
-                  <a:srgbClr val="788BA9"/>
-                </a:solidFill>
-                <a:latin typeface="微软雅黑" panose="020B0503020204020204" pitchFamily="34" charset="-122"/>
-                <a:ea typeface="微软雅黑" panose="020B0503020204020204" pitchFamily="34" charset="-122"/>
-              </a:rPr>
-              <a:t>INVALID_CONFIG</a:t>
-            </a:r>
-            <a:r>
-              <a:rPr lang="zh-CN" altLang="en-US" sz="1200" dirty="0">
-                <a:solidFill>
-                  <a:srgbClr val="788BA9"/>
-                </a:solidFill>
-                <a:latin typeface="微软雅黑" panose="020B0503020204020204" pitchFamily="34" charset="-122"/>
-                <a:ea typeface="微软雅黑" panose="020B0503020204020204" pitchFamily="34" charset="-122"/>
-              </a:rPr>
-              <a:t>，即使重试，也无法改变配置选项，重试没有意义。</a:t>
-            </a:r>
-          </a:p>
-          <a:p>
             <a:endParaRPr lang="en-US" altLang="zh-CN" sz="1200" dirty="0">
               <a:solidFill>
                 <a:srgbClr val="788BA9"/>
@@ -30201,30 +29732,20 @@
             </a:endParaRPr>
           </a:p>
           <a:p>
-            <a:pPr>
-              <a:lnSpc>
-                <a:spcPct val="120000"/>
-              </a:lnSpc>
+            <a:pPr marL="171450" indent="-171450">
+              <a:buFont typeface="Arial" panose="020B0604020202020204" pitchFamily="34" charset="0"/>
+              <a:buChar char="•"/>
             </a:pPr>
             <a:r>
               <a:rPr lang="zh-CN" altLang="en-US" sz="1200" b="1" dirty="0">
                 <a:solidFill>
-                  <a:srgbClr val="D67A71"/>
-                </a:solidFill>
-                <a:latin typeface="微软雅黑" panose="020B0503020204020204" pitchFamily="34" charset="-122"/>
-                <a:ea typeface="微软雅黑" panose="020B0503020204020204" pitchFamily="34" charset="-122"/>
-              </a:rPr>
-              <a:t>错误处理</a:t>
-            </a:r>
-            <a:endParaRPr lang="en-US" altLang="zh-CN" sz="1200" b="1" dirty="0">
-              <a:solidFill>
-                <a:srgbClr val="D67A71"/>
-              </a:solidFill>
-              <a:latin typeface="微软雅黑" panose="020B0503020204020204" pitchFamily="34" charset="-122"/>
-              <a:ea typeface="微软雅黑" panose="020B0503020204020204" pitchFamily="34" charset="-122"/>
-            </a:endParaRPr>
-          </a:p>
-          <a:p>
+                  <a:srgbClr val="788BA9"/>
+                </a:solidFill>
+                <a:latin typeface="微软雅黑" panose="020B0503020204020204" pitchFamily="34" charset="-122"/>
+                <a:ea typeface="微软雅黑" panose="020B0503020204020204" pitchFamily="34" charset="-122"/>
+              </a:rPr>
+              <a:t>最少同步副本</a:t>
+            </a:r>
             <a:r>
               <a:rPr lang="zh-CN" altLang="en-US" sz="1200" dirty="0">
                 <a:solidFill>
@@ -30233,17 +29754,48 @@
                 <a:latin typeface="微软雅黑" panose="020B0503020204020204" pitchFamily="34" charset="-122"/>
                 <a:ea typeface="微软雅黑" panose="020B0503020204020204" pitchFamily="34" charset="-122"/>
               </a:rPr>
-              <a:t>开发者需要自行处理的错误</a:t>
-            </a:r>
-            <a:endParaRPr lang="en-US" altLang="zh-CN" sz="1200" dirty="0">
-              <a:solidFill>
-                <a:srgbClr val="788BA9"/>
-              </a:solidFill>
-              <a:latin typeface="微软雅黑" panose="020B0503020204020204" pitchFamily="34" charset="-122"/>
-              <a:ea typeface="微软雅黑" panose="020B0503020204020204" pitchFamily="34" charset="-122"/>
-            </a:endParaRPr>
-          </a:p>
-          <a:p>
+              <a:t>：</a:t>
+            </a:r>
+            <a:r>
+              <a:rPr lang="en-US" altLang="zh-CN" sz="1200" dirty="0">
+                <a:solidFill>
+                  <a:srgbClr val="788BA9"/>
+                </a:solidFill>
+                <a:latin typeface="微软雅黑" panose="020B0503020204020204" pitchFamily="34" charset="-122"/>
+                <a:ea typeface="微软雅黑" panose="020B0503020204020204" pitchFamily="34" charset="-122"/>
+              </a:rPr>
+              <a:t> </a:t>
+            </a:r>
+            <a:r>
+              <a:rPr lang="en-US" altLang="zh-CN" sz="1200" dirty="0" err="1">
+                <a:solidFill>
+                  <a:srgbClr val="788BA9"/>
+                </a:solidFill>
+                <a:latin typeface="微软雅黑" panose="020B0503020204020204" pitchFamily="34" charset="-122"/>
+                <a:ea typeface="微软雅黑" panose="020B0503020204020204" pitchFamily="34" charset="-122"/>
+              </a:rPr>
+              <a:t>min.insync.replicas</a:t>
+            </a:r>
+            <a:r>
+              <a:rPr lang="en-US" altLang="zh-CN" sz="1200" dirty="0">
+                <a:solidFill>
+                  <a:srgbClr val="788BA9"/>
+                </a:solidFill>
+                <a:latin typeface="微软雅黑" panose="020B0503020204020204" pitchFamily="34" charset="-122"/>
+                <a:ea typeface="微软雅黑" panose="020B0503020204020204" pitchFamily="34" charset="-122"/>
+              </a:rPr>
+              <a:t> </a:t>
+            </a:r>
+            <a:r>
+              <a:rPr lang="zh-CN" altLang="en-US" sz="1200" dirty="0">
+                <a:solidFill>
+                  <a:srgbClr val="788BA9"/>
+                </a:solidFill>
+                <a:latin typeface="微软雅黑" panose="020B0503020204020204" pitchFamily="34" charset="-122"/>
+                <a:ea typeface="微软雅黑" panose="020B0503020204020204" pitchFamily="34" charset="-122"/>
+              </a:rPr>
+              <a:t>控制的是消息至少要被写入到多少个副本才算是“已提交”。</a:t>
+            </a:r>
             <a:endParaRPr lang="en-US" altLang="zh-CN" sz="1200" dirty="0">
               <a:solidFill>
                 <a:srgbClr val="788BA9"/>
@@ -30257,7 +29809,7 @@
     </p:spTree>
     <p:extLst>
       <p:ext uri="{BB962C8B-B14F-4D97-AF65-F5344CB8AC3E}">
-        <p14:creationId xmlns:p14="http://schemas.microsoft.com/office/powerpoint/2010/main" val="2082241304"/>
+        <p14:creationId xmlns:p14="http://schemas.microsoft.com/office/powerpoint/2010/main" val="1417438858"/>
       </p:ext>
     </p:extLst>
   </p:cSld>
@@ -30485,7 +30037,7 @@
                 <a:latin typeface="微软雅黑" panose="020B0503020204020204" pitchFamily="34" charset="-122"/>
                 <a:ea typeface="微软雅黑" panose="020B0503020204020204" pitchFamily="34" charset="-122"/>
               </a:rPr>
-              <a:t>消费阶段</a:t>
+              <a:t>生产阶段</a:t>
             </a:r>
           </a:p>
         </p:txBody>
@@ -30504,8 +30056,8 @@
         </p:nvSpPr>
         <p:spPr>
           <a:xfrm>
-            <a:off x="1295981" y="969879"/>
-            <a:ext cx="6552037" cy="3416320"/>
+            <a:off x="1487135" y="800081"/>
+            <a:ext cx="6169730" cy="4081117"/>
           </a:xfrm>
           <a:prstGeom prst="rect">
             <a:avLst/>
@@ -30517,27 +30069,22 @@
           </a:bodyPr>
           <a:lstStyle/>
           <a:p>
-            <a:r>
-              <a:rPr lang="zh-CN" altLang="en-US" sz="1200" b="1" dirty="0">
-                <a:solidFill>
-                  <a:srgbClr val="788BA9"/>
-                </a:solidFill>
-                <a:latin typeface="微软雅黑" panose="020B0503020204020204" pitchFamily="34" charset="-122"/>
-                <a:ea typeface="微软雅黑" panose="020B0503020204020204" pitchFamily="34" charset="-122"/>
-              </a:rPr>
-              <a:t>消费者只能读取已提交的消息</a:t>
-            </a:r>
-            <a:r>
-              <a:rPr lang="zh-CN" altLang="en-US" sz="1200" dirty="0">
-                <a:solidFill>
-                  <a:srgbClr val="788BA9"/>
-                </a:solidFill>
-                <a:latin typeface="微软雅黑" panose="020B0503020204020204" pitchFamily="34" charset="-122"/>
-                <a:ea typeface="微软雅黑" panose="020B0503020204020204" pitchFamily="34" charset="-122"/>
-              </a:rPr>
-              <a:t>。这就保证了消费者接收到消息时已经具备了数据一致性。</a:t>
-            </a:r>
-            <a:endParaRPr lang="en-US" altLang="zh-CN" sz="1200" dirty="0">
+            <a:pPr>
+              <a:lnSpc>
+                <a:spcPct val="120000"/>
+              </a:lnSpc>
+            </a:pPr>
+            <a:r>
+              <a:rPr lang="zh-CN" altLang="en-US" b="1" dirty="0">
+                <a:solidFill>
+                  <a:srgbClr val="D67A71"/>
+                </a:solidFill>
+                <a:latin typeface="微软雅黑" panose="020B0503020204020204" pitchFamily="34" charset="-122"/>
+                <a:ea typeface="微软雅黑" panose="020B0503020204020204" pitchFamily="34" charset="-122"/>
+              </a:rPr>
+              <a:t>可靠的发送方案</a:t>
+            </a:r>
+            <a:endParaRPr lang="en-US" altLang="zh-CN" sz="1200" b="1" dirty="0">
               <a:solidFill>
                 <a:srgbClr val="788BA9"/>
               </a:solidFill>
@@ -30547,6 +30094,16 @@
           </a:p>
           <a:p>
             <a:r>
+              <a:rPr lang="en-US" altLang="zh-CN" sz="1200" dirty="0">
+                <a:solidFill>
+                  <a:srgbClr val="788BA9"/>
+                </a:solidFill>
+                <a:latin typeface="微软雅黑" panose="020B0503020204020204" pitchFamily="34" charset="-122"/>
+                <a:ea typeface="微软雅黑" panose="020B0503020204020204" pitchFamily="34" charset="-122"/>
+              </a:rPr>
+              <a:t>Kafka </a:t>
+            </a:r>
+            <a:r>
               <a:rPr lang="zh-CN" altLang="en-US" sz="1200" dirty="0">
                 <a:solidFill>
                   <a:srgbClr val="788BA9"/>
@@ -30554,83 +30111,7 @@
                 <a:latin typeface="微软雅黑" panose="020B0503020204020204" pitchFamily="34" charset="-122"/>
                 <a:ea typeface="微软雅黑" panose="020B0503020204020204" pitchFamily="34" charset="-122"/>
               </a:rPr>
-              <a:t>消费者唯一要做的是确保哪些消息是已经读取过的，哪些是没有读取过的（通过提交的偏移量来判断）。</a:t>
-            </a:r>
-            <a:endParaRPr lang="en-US" altLang="zh-CN" sz="1200" dirty="0">
-              <a:solidFill>
-                <a:srgbClr val="788BA9"/>
-              </a:solidFill>
-              <a:latin typeface="微软雅黑" panose="020B0503020204020204" pitchFamily="34" charset="-122"/>
-              <a:ea typeface="微软雅黑" panose="020B0503020204020204" pitchFamily="34" charset="-122"/>
-            </a:endParaRPr>
-          </a:p>
-          <a:p>
-            <a:endParaRPr lang="en-US" altLang="zh-CN" sz="1200" dirty="0">
-              <a:solidFill>
-                <a:srgbClr val="788BA9"/>
-              </a:solidFill>
-              <a:latin typeface="微软雅黑" panose="020B0503020204020204" pitchFamily="34" charset="-122"/>
-              <a:ea typeface="微软雅黑" panose="020B0503020204020204" pitchFamily="34" charset="-122"/>
-            </a:endParaRPr>
-          </a:p>
-          <a:p>
-            <a:r>
-              <a:rPr lang="zh-CN" altLang="en-US" sz="1200" dirty="0">
-                <a:solidFill>
-                  <a:srgbClr val="788BA9"/>
-                </a:solidFill>
-                <a:latin typeface="微软雅黑" panose="020B0503020204020204" pitchFamily="34" charset="-122"/>
-                <a:ea typeface="微软雅黑" panose="020B0503020204020204" pitchFamily="34" charset="-122"/>
-              </a:rPr>
-              <a:t>自动提交偏移量，无法保证丢失消息或重复消息问题，所以，一般关闭 </a:t>
-            </a:r>
-            <a:r>
-              <a:rPr lang="en-US" altLang="zh-CN" sz="1200" dirty="0" err="1">
-                <a:solidFill>
-                  <a:srgbClr val="788BA9"/>
-                </a:solidFill>
-                <a:latin typeface="微软雅黑" panose="020B0503020204020204" pitchFamily="34" charset="-122"/>
-                <a:ea typeface="微软雅黑" panose="020B0503020204020204" pitchFamily="34" charset="-122"/>
-              </a:rPr>
-              <a:t>enable.auto.commit</a:t>
-            </a:r>
-            <a:r>
-              <a:rPr lang="zh-CN" altLang="en-US" sz="1200" dirty="0">
-                <a:solidFill>
-                  <a:srgbClr val="788BA9"/>
-                </a:solidFill>
-                <a:latin typeface="微软雅黑" panose="020B0503020204020204" pitchFamily="34" charset="-122"/>
-                <a:ea typeface="微软雅黑" panose="020B0503020204020204" pitchFamily="34" charset="-122"/>
-              </a:rPr>
-              <a:t>。</a:t>
-            </a:r>
-            <a:endParaRPr lang="en-US" altLang="zh-CN" sz="1200" dirty="0">
-              <a:solidFill>
-                <a:srgbClr val="788BA9"/>
-              </a:solidFill>
-              <a:latin typeface="微软雅黑" panose="020B0503020204020204" pitchFamily="34" charset="-122"/>
-              <a:ea typeface="微软雅黑" panose="020B0503020204020204" pitchFamily="34" charset="-122"/>
-            </a:endParaRPr>
-          </a:p>
-          <a:p>
-            <a:endParaRPr lang="en-US" altLang="zh-CN" sz="1200" dirty="0">
-              <a:solidFill>
-                <a:srgbClr val="788BA9"/>
-              </a:solidFill>
-              <a:latin typeface="微软雅黑" panose="020B0503020204020204" pitchFamily="34" charset="-122"/>
-              <a:ea typeface="微软雅黑" panose="020B0503020204020204" pitchFamily="34" charset="-122"/>
-            </a:endParaRPr>
-          </a:p>
-          <a:p>
-            <a:r>
-              <a:rPr lang="zh-CN" altLang="en-US" sz="1200" dirty="0">
-                <a:solidFill>
-                  <a:srgbClr val="788BA9"/>
-                </a:solidFill>
-                <a:latin typeface="微软雅黑" panose="020B0503020204020204" pitchFamily="34" charset="-122"/>
-                <a:ea typeface="微软雅黑" panose="020B0503020204020204" pitchFamily="34" charset="-122"/>
-              </a:rPr>
-              <a:t>手动提交偏移量，需要考虑以下问题：</a:t>
+              <a:t>有三种发送方式：同步、异步、异步回调。</a:t>
             </a:r>
             <a:endParaRPr lang="en-US" altLang="zh-CN" sz="1200" dirty="0">
               <a:solidFill>
@@ -30662,8 +30143,15 @@
                 <a:latin typeface="微软雅黑" panose="020B0503020204020204" pitchFamily="34" charset="-122"/>
                 <a:ea typeface="微软雅黑" panose="020B0503020204020204" pitchFamily="34" charset="-122"/>
               </a:rPr>
-              <a:t>必须在处理完消息后再发送确认（提交偏移量），不要收到消息立即确认。</a:t>
-            </a:r>
+              <a:t>同步方式能保证消息不丢失，但性能太差；异步方式发送消息，通常会立即返回，但消息可能丢失。</a:t>
+            </a:r>
+            <a:endParaRPr lang="en-US" altLang="zh-CN" sz="1200" dirty="0">
+              <a:solidFill>
+                <a:srgbClr val="788BA9"/>
+              </a:solidFill>
+              <a:latin typeface="微软雅黑" panose="020B0503020204020204" pitchFamily="34" charset="-122"/>
+              <a:ea typeface="微软雅黑" panose="020B0503020204020204" pitchFamily="34" charset="-122"/>
+            </a:endParaRPr>
           </a:p>
           <a:p>
             <a:pPr marL="171450" indent="-171450">
@@ -30678,24 +30166,72 @@
                 <a:latin typeface="微软雅黑" panose="020B0503020204020204" pitchFamily="34" charset="-122"/>
                 <a:ea typeface="微软雅黑" panose="020B0503020204020204" pitchFamily="34" charset="-122"/>
               </a:rPr>
-              <a:t>提交频率是性能和重复消息数之间的权衡</a:t>
-            </a:r>
+              <a:t>推荐方案是：异步回调方式。 </a:t>
+            </a:r>
+            <a:r>
+              <a:rPr lang="en-US" altLang="zh-CN" sz="1200" dirty="0">
+                <a:solidFill>
+                  <a:srgbClr val="788BA9"/>
+                </a:solidFill>
+                <a:latin typeface="微软雅黑" panose="020B0503020204020204" pitchFamily="34" charset="-122"/>
+                <a:ea typeface="微软雅黑" panose="020B0503020204020204" pitchFamily="34" charset="-122"/>
+              </a:rPr>
+              <a:t>callback</a:t>
+            </a:r>
+            <a:r>
+              <a:rPr lang="zh-CN" altLang="en-US" sz="1200" dirty="0">
+                <a:solidFill>
+                  <a:srgbClr val="788BA9"/>
+                </a:solidFill>
+                <a:latin typeface="微软雅黑" panose="020B0503020204020204" pitchFamily="34" charset="-122"/>
+                <a:ea typeface="微软雅黑" panose="020B0503020204020204" pitchFamily="34" charset="-122"/>
+              </a:rPr>
+              <a:t>（回调）能准确地告诉你消息是否真的提交成功了。一旦出现消息提交失败的情况，你就可以有针对性地进行处理。</a:t>
+            </a:r>
+            <a:endParaRPr lang="en-US" altLang="zh-CN" sz="1200" dirty="0">
+              <a:solidFill>
+                <a:srgbClr val="788BA9"/>
+              </a:solidFill>
+              <a:latin typeface="微软雅黑" panose="020B0503020204020204" pitchFamily="34" charset="-122"/>
+              <a:ea typeface="微软雅黑" panose="020B0503020204020204" pitchFamily="34" charset="-122"/>
+            </a:endParaRPr>
           </a:p>
           <a:p>
             <a:pPr marL="171450" indent="-171450">
               <a:buFont typeface="Arial" panose="020B0604020202020204" pitchFamily="34" charset="0"/>
               <a:buChar char="•"/>
             </a:pPr>
-            <a:r>
-              <a:rPr lang="zh-CN" altLang="en-US" sz="1200" dirty="0">
-                <a:solidFill>
-                  <a:srgbClr val="788BA9"/>
-                </a:solidFill>
-                <a:latin typeface="微软雅黑" panose="020B0503020204020204" pitchFamily="34" charset="-122"/>
-                <a:ea typeface="微软雅黑" panose="020B0503020204020204" pitchFamily="34" charset="-122"/>
-              </a:rPr>
-              <a:t>分区再均衡</a:t>
-            </a:r>
+            <a:endParaRPr lang="en-US" altLang="zh-CN" sz="1200" dirty="0">
+              <a:solidFill>
+                <a:srgbClr val="788BA9"/>
+              </a:solidFill>
+              <a:latin typeface="微软雅黑" panose="020B0503020204020204" pitchFamily="34" charset="-122"/>
+              <a:ea typeface="微软雅黑" panose="020B0503020204020204" pitchFamily="34" charset="-122"/>
+            </a:endParaRPr>
+          </a:p>
+          <a:p>
+            <a:pPr>
+              <a:lnSpc>
+                <a:spcPct val="120000"/>
+              </a:lnSpc>
+            </a:pPr>
+            <a:r>
+              <a:rPr lang="en-US" altLang="zh-CN" sz="1200" b="1" dirty="0">
+                <a:solidFill>
+                  <a:srgbClr val="D67A71"/>
+                </a:solidFill>
+                <a:latin typeface="微软雅黑" panose="020B0503020204020204" pitchFamily="34" charset="-122"/>
+                <a:ea typeface="微软雅黑" panose="020B0503020204020204" pitchFamily="34" charset="-122"/>
+              </a:rPr>
+              <a:t>ACK</a:t>
+            </a:r>
+            <a:endParaRPr lang="en-US" altLang="zh-CN" sz="1200" dirty="0">
+              <a:solidFill>
+                <a:srgbClr val="788BA9"/>
+              </a:solidFill>
+              <a:latin typeface="微软雅黑" panose="020B0503020204020204" pitchFamily="34" charset="-122"/>
+              <a:ea typeface="微软雅黑" panose="020B0503020204020204" pitchFamily="34" charset="-122"/>
+            </a:endParaRPr>
           </a:p>
           <a:p>
             <a:pPr marL="171450" indent="-171450">
@@ -30703,6 +30239,16 @@
               <a:buChar char="•"/>
             </a:pPr>
             <a:r>
+              <a:rPr lang="en-US" altLang="zh-CN" sz="1200" dirty="0">
+                <a:solidFill>
+                  <a:srgbClr val="788BA9"/>
+                </a:solidFill>
+                <a:latin typeface="微软雅黑" panose="020B0503020204020204" pitchFamily="34" charset="-122"/>
+                <a:ea typeface="微软雅黑" panose="020B0503020204020204" pitchFamily="34" charset="-122"/>
+              </a:rPr>
+              <a:t>acks=0</a:t>
+            </a:r>
+            <a:r>
               <a:rPr lang="zh-CN" altLang="en-US" sz="1200" dirty="0">
                 <a:solidFill>
                   <a:srgbClr val="788BA9"/>
@@ -30710,7 +30256,27 @@
                 <a:latin typeface="微软雅黑" panose="020B0503020204020204" pitchFamily="34" charset="-122"/>
                 <a:ea typeface="微软雅黑" panose="020B0503020204020204" pitchFamily="34" charset="-122"/>
               </a:rPr>
-              <a:t>消费可能需要重试机制</a:t>
+              <a:t>、</a:t>
+            </a:r>
+            <a:r>
+              <a:rPr lang="en-US" altLang="zh-CN" sz="1200" dirty="0">
+                <a:solidFill>
+                  <a:srgbClr val="788BA9"/>
+                </a:solidFill>
+                <a:latin typeface="微软雅黑" panose="020B0503020204020204" pitchFamily="34" charset="-122"/>
+                <a:ea typeface="微软雅黑" panose="020B0503020204020204" pitchFamily="34" charset="-122"/>
+              </a:rPr>
+              <a:t>acks=1 </a:t>
+            </a:r>
+            <a:r>
+              <a:rPr lang="zh-CN" altLang="en-US" sz="1200" dirty="0">
+                <a:solidFill>
+                  <a:srgbClr val="788BA9"/>
+                </a:solidFill>
+                <a:latin typeface="微软雅黑" panose="020B0503020204020204" pitchFamily="34" charset="-122"/>
+                <a:ea typeface="微软雅黑" panose="020B0503020204020204" pitchFamily="34" charset="-122"/>
+              </a:rPr>
+              <a:t>都有丢失数据的风险。</a:t>
             </a:r>
           </a:p>
           <a:p>
@@ -30719,6 +30285,16 @@
               <a:buChar char="•"/>
             </a:pPr>
             <a:r>
+              <a:rPr lang="en-US" altLang="zh-CN" sz="1200" dirty="0">
+                <a:solidFill>
+                  <a:srgbClr val="788BA9"/>
+                </a:solidFill>
+                <a:latin typeface="微软雅黑" panose="020B0503020204020204" pitchFamily="34" charset="-122"/>
+                <a:ea typeface="微软雅黑" panose="020B0503020204020204" pitchFamily="34" charset="-122"/>
+              </a:rPr>
+              <a:t>acks=all </a:t>
+            </a:r>
+            <a:r>
               <a:rPr lang="zh-CN" altLang="en-US" sz="1200" dirty="0">
                 <a:solidFill>
                   <a:srgbClr val="788BA9"/>
@@ -30726,46 +30302,50 @@
                 <a:latin typeface="微软雅黑" panose="020B0503020204020204" pitchFamily="34" charset="-122"/>
                 <a:ea typeface="微软雅黑" panose="020B0503020204020204" pitchFamily="34" charset="-122"/>
               </a:rPr>
-              <a:t>超时处理</a:t>
-            </a:r>
+              <a:t>意味着会等待所有同步副本都收到消息。</a:t>
+            </a:r>
+            <a:endParaRPr lang="en-US" altLang="zh-CN" sz="1200" dirty="0">
+              <a:solidFill>
+                <a:srgbClr val="788BA9"/>
+              </a:solidFill>
+              <a:latin typeface="微软雅黑" panose="020B0503020204020204" pitchFamily="34" charset="-122"/>
+              <a:ea typeface="微软雅黑" panose="020B0503020204020204" pitchFamily="34" charset="-122"/>
+            </a:endParaRPr>
           </a:p>
           <a:p>
-            <a:pPr marL="171450" indent="-171450">
-              <a:buFont typeface="Arial" panose="020B0604020202020204" pitchFamily="34" charset="0"/>
-              <a:buChar char="•"/>
-            </a:pPr>
-            <a:r>
-              <a:rPr lang="zh-CN" altLang="en-US" sz="1200" dirty="0">
-                <a:solidFill>
-                  <a:srgbClr val="788BA9"/>
-                </a:solidFill>
-                <a:latin typeface="微软雅黑" panose="020B0503020204020204" pitchFamily="34" charset="-122"/>
-                <a:ea typeface="微软雅黑" panose="020B0503020204020204" pitchFamily="34" charset="-122"/>
-              </a:rPr>
-              <a:t>消费者可能需要维护消费状态，如：处理完消息后，记录在数据库中。</a:t>
-            </a:r>
+            <a:endParaRPr lang="en-US" altLang="zh-CN" sz="1200" dirty="0">
+              <a:solidFill>
+                <a:srgbClr val="788BA9"/>
+              </a:solidFill>
+              <a:latin typeface="微软雅黑" panose="020B0503020204020204" pitchFamily="34" charset="-122"/>
+              <a:ea typeface="微软雅黑" panose="020B0503020204020204" pitchFamily="34" charset="-122"/>
+            </a:endParaRPr>
           </a:p>
           <a:p>
-            <a:pPr marL="171450" indent="-171450">
-              <a:buFont typeface="Arial" panose="020B0604020202020204" pitchFamily="34" charset="0"/>
-              <a:buChar char="•"/>
+            <a:pPr>
+              <a:lnSpc>
+                <a:spcPct val="120000"/>
+              </a:lnSpc>
             </a:pPr>
             <a:r>
-              <a:rPr lang="zh-CN" altLang="en-US" sz="1200" dirty="0">
-                <a:solidFill>
-                  <a:srgbClr val="788BA9"/>
-                </a:solidFill>
-                <a:latin typeface="微软雅黑" panose="020B0503020204020204" pitchFamily="34" charset="-122"/>
-                <a:ea typeface="微软雅黑" panose="020B0503020204020204" pitchFamily="34" charset="-122"/>
-              </a:rPr>
-              <a:t>幂等性设计</a:t>
-            </a:r>
+              <a:rPr lang="zh-CN" altLang="en-US" sz="1200" b="1" dirty="0">
+                <a:solidFill>
+                  <a:srgbClr val="D67A71"/>
+                </a:solidFill>
+                <a:latin typeface="微软雅黑" panose="020B0503020204020204" pitchFamily="34" charset="-122"/>
+                <a:ea typeface="微软雅黑" panose="020B0503020204020204" pitchFamily="34" charset="-122"/>
+              </a:rPr>
+              <a:t>重试</a:t>
+            </a:r>
+            <a:endParaRPr lang="en-US" altLang="zh-CN" sz="1200" b="1" dirty="0">
+              <a:solidFill>
+                <a:srgbClr val="D67A71"/>
+              </a:solidFill>
+              <a:latin typeface="微软雅黑" panose="020B0503020204020204" pitchFamily="34" charset="-122"/>
+              <a:ea typeface="微软雅黑" panose="020B0503020204020204" pitchFamily="34" charset="-122"/>
+            </a:endParaRPr>
           </a:p>
           <a:p>
-            <a:pPr marL="514350" lvl="1" indent="-171450">
-              <a:buFont typeface="Arial" panose="020B0604020202020204" pitchFamily="34" charset="0"/>
-              <a:buChar char="•"/>
-            </a:pPr>
             <a:r>
               <a:rPr lang="zh-CN" altLang="en-US" sz="1200" dirty="0">
                 <a:solidFill>
@@ -30774,14 +30354,30 @@
                 <a:latin typeface="微软雅黑" panose="020B0503020204020204" pitchFamily="34" charset="-122"/>
                 <a:ea typeface="微软雅黑" panose="020B0503020204020204" pitchFamily="34" charset="-122"/>
               </a:rPr>
-              <a:t>写数据库：根据主键判断记录是否存在</a:t>
+              <a:t>可重试错误，如：</a:t>
+            </a:r>
+            <a:r>
+              <a:rPr lang="en-US" altLang="zh-CN" sz="1200" dirty="0">
+                <a:solidFill>
+                  <a:srgbClr val="788BA9"/>
+                </a:solidFill>
+                <a:latin typeface="微软雅黑" panose="020B0503020204020204" pitchFamily="34" charset="-122"/>
+                <a:ea typeface="微软雅黑" panose="020B0503020204020204" pitchFamily="34" charset="-122"/>
+              </a:rPr>
+              <a:t>LEADER_NOT_AVAILABLE</a:t>
+            </a:r>
+            <a:r>
+              <a:rPr lang="zh-CN" altLang="en-US" sz="1200" dirty="0">
+                <a:solidFill>
+                  <a:srgbClr val="788BA9"/>
+                </a:solidFill>
+                <a:latin typeface="微软雅黑" panose="020B0503020204020204" pitchFamily="34" charset="-122"/>
+                <a:ea typeface="微软雅黑" panose="020B0503020204020204" pitchFamily="34" charset="-122"/>
+              </a:rPr>
+              <a:t>，主副本不可用，可能过一段时间，集群就会选举出新的主副本，重试可以解决问题。</a:t>
             </a:r>
           </a:p>
           <a:p>
-            <a:pPr marL="514350" lvl="1" indent="-171450">
-              <a:buFont typeface="Arial" panose="020B0604020202020204" pitchFamily="34" charset="0"/>
-              <a:buChar char="•"/>
-            </a:pPr>
             <a:r>
               <a:rPr lang="zh-CN" altLang="en-US" sz="1200" dirty="0">
                 <a:solidFill>
@@ -30790,7 +30386,7 @@
                 <a:latin typeface="微软雅黑" panose="020B0503020204020204" pitchFamily="34" charset="-122"/>
                 <a:ea typeface="微软雅黑" panose="020B0503020204020204" pitchFamily="34" charset="-122"/>
               </a:rPr>
-              <a:t>写 </a:t>
+              <a:t>不可重试错误，如：</a:t>
             </a:r>
             <a:r>
               <a:rPr lang="en-US" altLang="zh-CN" sz="1200" dirty="0">
@@ -30800,7 +30396,7 @@
                 <a:latin typeface="微软雅黑" panose="020B0503020204020204" pitchFamily="34" charset="-122"/>
                 <a:ea typeface="微软雅黑" panose="020B0503020204020204" pitchFamily="34" charset="-122"/>
               </a:rPr>
-              <a:t>Redis</a:t>
+              <a:t>INVALID_CONFIG</a:t>
             </a:r>
             <a:r>
               <a:rPr lang="zh-CN" altLang="en-US" sz="1200" dirty="0">
@@ -30810,35 +30406,44 @@
                 <a:latin typeface="微软雅黑" panose="020B0503020204020204" pitchFamily="34" charset="-122"/>
                 <a:ea typeface="微软雅黑" panose="020B0503020204020204" pitchFamily="34" charset="-122"/>
               </a:rPr>
-              <a:t>：</a:t>
-            </a:r>
-            <a:r>
-              <a:rPr lang="en-US" altLang="zh-CN" sz="1200" dirty="0">
-                <a:solidFill>
-                  <a:srgbClr val="788BA9"/>
-                </a:solidFill>
-                <a:latin typeface="微软雅黑" panose="020B0503020204020204" pitchFamily="34" charset="-122"/>
-                <a:ea typeface="微软雅黑" panose="020B0503020204020204" pitchFamily="34" charset="-122"/>
-              </a:rPr>
-              <a:t>set </a:t>
-            </a:r>
-            <a:r>
-              <a:rPr lang="zh-CN" altLang="en-US" sz="1200" dirty="0">
-                <a:solidFill>
-                  <a:srgbClr val="788BA9"/>
-                </a:solidFill>
-                <a:latin typeface="微软雅黑" panose="020B0503020204020204" pitchFamily="34" charset="-122"/>
-                <a:ea typeface="微软雅黑" panose="020B0503020204020204" pitchFamily="34" charset="-122"/>
-              </a:rPr>
-              <a:t>操作天然具有幂等性</a:t>
+              <a:t>，即使重试，也无法改变配置选项，重试没有意义。</a:t>
             </a:r>
           </a:p>
           <a:p>
-            <a:pPr marL="514350" lvl="1" indent="-171450">
-              <a:buFont typeface="Arial" panose="020B0604020202020204" pitchFamily="34" charset="0"/>
-              <a:buChar char="•"/>
+            <a:endParaRPr lang="en-US" altLang="zh-CN" sz="1200" dirty="0">
+              <a:solidFill>
+                <a:srgbClr val="788BA9"/>
+              </a:solidFill>
+              <a:latin typeface="微软雅黑" panose="020B0503020204020204" pitchFamily="34" charset="-122"/>
+              <a:ea typeface="微软雅黑" panose="020B0503020204020204" pitchFamily="34" charset="-122"/>
+            </a:endParaRPr>
+          </a:p>
+          <a:p>
+            <a:pPr>
+              <a:lnSpc>
+                <a:spcPct val="120000"/>
+              </a:lnSpc>
             </a:pPr>
             <a:r>
+              <a:rPr lang="zh-CN" altLang="en-US" sz="1200" b="1" dirty="0">
+                <a:solidFill>
+                  <a:srgbClr val="D67A71"/>
+                </a:solidFill>
+                <a:latin typeface="微软雅黑" panose="020B0503020204020204" pitchFamily="34" charset="-122"/>
+                <a:ea typeface="微软雅黑" panose="020B0503020204020204" pitchFamily="34" charset="-122"/>
+              </a:rPr>
+              <a:t>错误处理</a:t>
+            </a:r>
+            <a:endParaRPr lang="en-US" altLang="zh-CN" sz="1200" b="1" dirty="0">
+              <a:solidFill>
+                <a:srgbClr val="D67A71"/>
+              </a:solidFill>
+              <a:latin typeface="微软雅黑" panose="020B0503020204020204" pitchFamily="34" charset="-122"/>
+              <a:ea typeface="微软雅黑" panose="020B0503020204020204" pitchFamily="34" charset="-122"/>
+            </a:endParaRPr>
+          </a:p>
+          <a:p>
+            <a:r>
               <a:rPr lang="zh-CN" altLang="en-US" sz="1200" dirty="0">
                 <a:solidFill>
                   <a:srgbClr val="788BA9"/>
@@ -30846,25 +30451,31 @@
                 <a:latin typeface="微软雅黑" panose="020B0503020204020204" pitchFamily="34" charset="-122"/>
                 <a:ea typeface="微软雅黑" panose="020B0503020204020204" pitchFamily="34" charset="-122"/>
               </a:rPr>
-              <a:t>复杂的逻辑处理，则可以在消息中加入全局 </a:t>
-            </a:r>
-            <a:r>
-              <a:rPr lang="en-US" altLang="zh-CN" sz="1200" dirty="0">
-                <a:solidFill>
-                  <a:srgbClr val="788BA9"/>
-                </a:solidFill>
-                <a:latin typeface="微软雅黑" panose="020B0503020204020204" pitchFamily="34" charset="-122"/>
-                <a:ea typeface="微软雅黑" panose="020B0503020204020204" pitchFamily="34" charset="-122"/>
-              </a:rPr>
-              <a:t>ID</a:t>
-            </a:r>
+              <a:t>开发者需要自行处理的错误</a:t>
+            </a:r>
+            <a:endParaRPr lang="en-US" altLang="zh-CN" sz="1200" dirty="0">
+              <a:solidFill>
+                <a:srgbClr val="788BA9"/>
+              </a:solidFill>
+              <a:latin typeface="微软雅黑" panose="020B0503020204020204" pitchFamily="34" charset="-122"/>
+              <a:ea typeface="微软雅黑" panose="020B0503020204020204" pitchFamily="34" charset="-122"/>
+            </a:endParaRPr>
+          </a:p>
+          <a:p>
+            <a:endParaRPr lang="en-US" altLang="zh-CN" sz="1200" dirty="0">
+              <a:solidFill>
+                <a:srgbClr val="788BA9"/>
+              </a:solidFill>
+              <a:latin typeface="微软雅黑" panose="020B0503020204020204" pitchFamily="34" charset="-122"/>
+              <a:ea typeface="微软雅黑" panose="020B0503020204020204" pitchFamily="34" charset="-122"/>
+            </a:endParaRPr>
           </a:p>
         </p:txBody>
       </p:sp>
     </p:spTree>
     <p:extLst>
       <p:ext uri="{BB962C8B-B14F-4D97-AF65-F5344CB8AC3E}">
-        <p14:creationId xmlns:p14="http://schemas.microsoft.com/office/powerpoint/2010/main" val="1296405065"/>
+        <p14:creationId xmlns:p14="http://schemas.microsoft.com/office/powerpoint/2010/main" val="2082241304"/>
       </p:ext>
     </p:extLst>
   </p:cSld>
@@ -31072,6 +30683,613 @@
                 <a:latin typeface="微软雅黑" panose="020B0503020204020204" pitchFamily="34" charset="-122"/>
                 <a:ea typeface="微软雅黑" panose="020B0503020204020204" pitchFamily="34" charset="-122"/>
               </a:rPr>
+              <a:t>消息不丢失</a:t>
+            </a:r>
+            <a:r>
+              <a:rPr lang="en-US" altLang="zh-CN" sz="2400" b="1" dirty="0">
+                <a:solidFill>
+                  <a:srgbClr val="475D74"/>
+                </a:solidFill>
+                <a:latin typeface="微软雅黑" panose="020B0503020204020204" pitchFamily="34" charset="-122"/>
+                <a:ea typeface="微软雅黑" panose="020B0503020204020204" pitchFamily="34" charset="-122"/>
+              </a:rPr>
+              <a:t>——</a:t>
+            </a:r>
+            <a:r>
+              <a:rPr lang="zh-CN" altLang="en-US" sz="2400" b="1" dirty="0">
+                <a:solidFill>
+                  <a:srgbClr val="475D74"/>
+                </a:solidFill>
+                <a:latin typeface="微软雅黑" panose="020B0503020204020204" pitchFamily="34" charset="-122"/>
+                <a:ea typeface="微软雅黑" panose="020B0503020204020204" pitchFamily="34" charset="-122"/>
+              </a:rPr>
+              <a:t>消费阶段</a:t>
+            </a:r>
+          </a:p>
+        </p:txBody>
+      </p:sp>
+      <p:sp>
+        <p:nvSpPr>
+          <p:cNvPr id="7" name="矩形 6">
+            <a:extLst>
+              <a:ext uri="{FF2B5EF4-FFF2-40B4-BE49-F238E27FC236}">
+                <a16:creationId xmlns:a16="http://schemas.microsoft.com/office/drawing/2014/main" id="{4732E381-9464-44C7-8DDA-01B6F303D286}"/>
+              </a:ext>
+            </a:extLst>
+          </p:cNvPr>
+          <p:cNvSpPr/>
+          <p:nvPr/>
+        </p:nvSpPr>
+        <p:spPr>
+          <a:xfrm>
+            <a:off x="1295981" y="969879"/>
+            <a:ext cx="6552037" cy="3416320"/>
+          </a:xfrm>
+          <a:prstGeom prst="rect">
+            <a:avLst/>
+          </a:prstGeom>
+        </p:spPr>
+        <p:txBody>
+          <a:bodyPr wrap="square">
+            <a:spAutoFit/>
+          </a:bodyPr>
+          <a:lstStyle/>
+          <a:p>
+            <a:r>
+              <a:rPr lang="zh-CN" altLang="en-US" sz="1200" b="1" dirty="0">
+                <a:solidFill>
+                  <a:srgbClr val="788BA9"/>
+                </a:solidFill>
+                <a:latin typeface="微软雅黑" panose="020B0503020204020204" pitchFamily="34" charset="-122"/>
+                <a:ea typeface="微软雅黑" panose="020B0503020204020204" pitchFamily="34" charset="-122"/>
+              </a:rPr>
+              <a:t>消费者只能读取已提交的消息</a:t>
+            </a:r>
+            <a:r>
+              <a:rPr lang="zh-CN" altLang="en-US" sz="1200" dirty="0">
+                <a:solidFill>
+                  <a:srgbClr val="788BA9"/>
+                </a:solidFill>
+                <a:latin typeface="微软雅黑" panose="020B0503020204020204" pitchFamily="34" charset="-122"/>
+                <a:ea typeface="微软雅黑" panose="020B0503020204020204" pitchFamily="34" charset="-122"/>
+              </a:rPr>
+              <a:t>。这就保证了消费者接收到消息时已经具备了数据一致性。</a:t>
+            </a:r>
+            <a:endParaRPr lang="en-US" altLang="zh-CN" sz="1200" dirty="0">
+              <a:solidFill>
+                <a:srgbClr val="788BA9"/>
+              </a:solidFill>
+              <a:latin typeface="微软雅黑" panose="020B0503020204020204" pitchFamily="34" charset="-122"/>
+              <a:ea typeface="微软雅黑" panose="020B0503020204020204" pitchFamily="34" charset="-122"/>
+            </a:endParaRPr>
+          </a:p>
+          <a:p>
+            <a:r>
+              <a:rPr lang="zh-CN" altLang="en-US" sz="1200" dirty="0">
+                <a:solidFill>
+                  <a:srgbClr val="788BA9"/>
+                </a:solidFill>
+                <a:latin typeface="微软雅黑" panose="020B0503020204020204" pitchFamily="34" charset="-122"/>
+                <a:ea typeface="微软雅黑" panose="020B0503020204020204" pitchFamily="34" charset="-122"/>
+              </a:rPr>
+              <a:t>消费者唯一要做的是确保哪些消息是已经读取过的，哪些是没有读取过的（通过提交的偏移量来判断）。</a:t>
+            </a:r>
+            <a:endParaRPr lang="en-US" altLang="zh-CN" sz="1200" dirty="0">
+              <a:solidFill>
+                <a:srgbClr val="788BA9"/>
+              </a:solidFill>
+              <a:latin typeface="微软雅黑" panose="020B0503020204020204" pitchFamily="34" charset="-122"/>
+              <a:ea typeface="微软雅黑" panose="020B0503020204020204" pitchFamily="34" charset="-122"/>
+            </a:endParaRPr>
+          </a:p>
+          <a:p>
+            <a:endParaRPr lang="en-US" altLang="zh-CN" sz="1200" dirty="0">
+              <a:solidFill>
+                <a:srgbClr val="788BA9"/>
+              </a:solidFill>
+              <a:latin typeface="微软雅黑" panose="020B0503020204020204" pitchFamily="34" charset="-122"/>
+              <a:ea typeface="微软雅黑" panose="020B0503020204020204" pitchFamily="34" charset="-122"/>
+            </a:endParaRPr>
+          </a:p>
+          <a:p>
+            <a:r>
+              <a:rPr lang="zh-CN" altLang="en-US" sz="1200" dirty="0">
+                <a:solidFill>
+                  <a:srgbClr val="788BA9"/>
+                </a:solidFill>
+                <a:latin typeface="微软雅黑" panose="020B0503020204020204" pitchFamily="34" charset="-122"/>
+                <a:ea typeface="微软雅黑" panose="020B0503020204020204" pitchFamily="34" charset="-122"/>
+              </a:rPr>
+              <a:t>自动提交偏移量，无法保证丢失消息或重复消息问题，所以，一般关闭 </a:t>
+            </a:r>
+            <a:r>
+              <a:rPr lang="en-US" altLang="zh-CN" sz="1200" dirty="0" err="1">
+                <a:solidFill>
+                  <a:srgbClr val="788BA9"/>
+                </a:solidFill>
+                <a:latin typeface="微软雅黑" panose="020B0503020204020204" pitchFamily="34" charset="-122"/>
+                <a:ea typeface="微软雅黑" panose="020B0503020204020204" pitchFamily="34" charset="-122"/>
+              </a:rPr>
+              <a:t>enable.auto.commit</a:t>
+            </a:r>
+            <a:r>
+              <a:rPr lang="zh-CN" altLang="en-US" sz="1200" dirty="0">
+                <a:solidFill>
+                  <a:srgbClr val="788BA9"/>
+                </a:solidFill>
+                <a:latin typeface="微软雅黑" panose="020B0503020204020204" pitchFamily="34" charset="-122"/>
+                <a:ea typeface="微软雅黑" panose="020B0503020204020204" pitchFamily="34" charset="-122"/>
+              </a:rPr>
+              <a:t>。</a:t>
+            </a:r>
+            <a:endParaRPr lang="en-US" altLang="zh-CN" sz="1200" dirty="0">
+              <a:solidFill>
+                <a:srgbClr val="788BA9"/>
+              </a:solidFill>
+              <a:latin typeface="微软雅黑" panose="020B0503020204020204" pitchFamily="34" charset="-122"/>
+              <a:ea typeface="微软雅黑" panose="020B0503020204020204" pitchFamily="34" charset="-122"/>
+            </a:endParaRPr>
+          </a:p>
+          <a:p>
+            <a:endParaRPr lang="en-US" altLang="zh-CN" sz="1200" dirty="0">
+              <a:solidFill>
+                <a:srgbClr val="788BA9"/>
+              </a:solidFill>
+              <a:latin typeface="微软雅黑" panose="020B0503020204020204" pitchFamily="34" charset="-122"/>
+              <a:ea typeface="微软雅黑" panose="020B0503020204020204" pitchFamily="34" charset="-122"/>
+            </a:endParaRPr>
+          </a:p>
+          <a:p>
+            <a:r>
+              <a:rPr lang="zh-CN" altLang="en-US" sz="1200" dirty="0">
+                <a:solidFill>
+                  <a:srgbClr val="788BA9"/>
+                </a:solidFill>
+                <a:latin typeface="微软雅黑" panose="020B0503020204020204" pitchFamily="34" charset="-122"/>
+                <a:ea typeface="微软雅黑" panose="020B0503020204020204" pitchFamily="34" charset="-122"/>
+              </a:rPr>
+              <a:t>手动提交偏移量，需要考虑以下问题：</a:t>
+            </a:r>
+            <a:endParaRPr lang="en-US" altLang="zh-CN" sz="1200" dirty="0">
+              <a:solidFill>
+                <a:srgbClr val="788BA9"/>
+              </a:solidFill>
+              <a:latin typeface="微软雅黑" panose="020B0503020204020204" pitchFamily="34" charset="-122"/>
+              <a:ea typeface="微软雅黑" panose="020B0503020204020204" pitchFamily="34" charset="-122"/>
+            </a:endParaRPr>
+          </a:p>
+          <a:p>
+            <a:endParaRPr lang="en-US" altLang="zh-CN" sz="1200" dirty="0">
+              <a:solidFill>
+                <a:srgbClr val="788BA9"/>
+              </a:solidFill>
+              <a:latin typeface="微软雅黑" panose="020B0503020204020204" pitchFamily="34" charset="-122"/>
+              <a:ea typeface="微软雅黑" panose="020B0503020204020204" pitchFamily="34" charset="-122"/>
+            </a:endParaRPr>
+          </a:p>
+          <a:p>
+            <a:pPr marL="171450" indent="-171450">
+              <a:buFont typeface="Arial" panose="020B0604020202020204" pitchFamily="34" charset="0"/>
+              <a:buChar char="•"/>
+            </a:pPr>
+            <a:r>
+              <a:rPr lang="zh-CN" altLang="en-US" sz="1200" dirty="0">
+                <a:solidFill>
+                  <a:srgbClr val="788BA9"/>
+                </a:solidFill>
+                <a:latin typeface="微软雅黑" panose="020B0503020204020204" pitchFamily="34" charset="-122"/>
+                <a:ea typeface="微软雅黑" panose="020B0503020204020204" pitchFamily="34" charset="-122"/>
+              </a:rPr>
+              <a:t>必须在处理完消息后再发送确认（提交偏移量），不要收到消息立即确认。</a:t>
+            </a:r>
+          </a:p>
+          <a:p>
+            <a:pPr marL="171450" indent="-171450">
+              <a:buFont typeface="Arial" panose="020B0604020202020204" pitchFamily="34" charset="0"/>
+              <a:buChar char="•"/>
+            </a:pPr>
+            <a:r>
+              <a:rPr lang="zh-CN" altLang="en-US" sz="1200" dirty="0">
+                <a:solidFill>
+                  <a:srgbClr val="788BA9"/>
+                </a:solidFill>
+                <a:latin typeface="微软雅黑" panose="020B0503020204020204" pitchFamily="34" charset="-122"/>
+                <a:ea typeface="微软雅黑" panose="020B0503020204020204" pitchFamily="34" charset="-122"/>
+              </a:rPr>
+              <a:t>提交频率是性能和重复消息数之间的权衡</a:t>
+            </a:r>
+          </a:p>
+          <a:p>
+            <a:pPr marL="171450" indent="-171450">
+              <a:buFont typeface="Arial" panose="020B0604020202020204" pitchFamily="34" charset="0"/>
+              <a:buChar char="•"/>
+            </a:pPr>
+            <a:r>
+              <a:rPr lang="zh-CN" altLang="en-US" sz="1200" dirty="0">
+                <a:solidFill>
+                  <a:srgbClr val="788BA9"/>
+                </a:solidFill>
+                <a:latin typeface="微软雅黑" panose="020B0503020204020204" pitchFamily="34" charset="-122"/>
+                <a:ea typeface="微软雅黑" panose="020B0503020204020204" pitchFamily="34" charset="-122"/>
+              </a:rPr>
+              <a:t>分区再均衡</a:t>
+            </a:r>
+          </a:p>
+          <a:p>
+            <a:pPr marL="171450" indent="-171450">
+              <a:buFont typeface="Arial" panose="020B0604020202020204" pitchFamily="34" charset="0"/>
+              <a:buChar char="•"/>
+            </a:pPr>
+            <a:r>
+              <a:rPr lang="zh-CN" altLang="en-US" sz="1200" dirty="0">
+                <a:solidFill>
+                  <a:srgbClr val="788BA9"/>
+                </a:solidFill>
+                <a:latin typeface="微软雅黑" panose="020B0503020204020204" pitchFamily="34" charset="-122"/>
+                <a:ea typeface="微软雅黑" panose="020B0503020204020204" pitchFamily="34" charset="-122"/>
+              </a:rPr>
+              <a:t>消费可能需要重试机制</a:t>
+            </a:r>
+          </a:p>
+          <a:p>
+            <a:pPr marL="171450" indent="-171450">
+              <a:buFont typeface="Arial" panose="020B0604020202020204" pitchFamily="34" charset="0"/>
+              <a:buChar char="•"/>
+            </a:pPr>
+            <a:r>
+              <a:rPr lang="zh-CN" altLang="en-US" sz="1200" dirty="0">
+                <a:solidFill>
+                  <a:srgbClr val="788BA9"/>
+                </a:solidFill>
+                <a:latin typeface="微软雅黑" panose="020B0503020204020204" pitchFamily="34" charset="-122"/>
+                <a:ea typeface="微软雅黑" panose="020B0503020204020204" pitchFamily="34" charset="-122"/>
+              </a:rPr>
+              <a:t>超时处理</a:t>
+            </a:r>
+          </a:p>
+          <a:p>
+            <a:pPr marL="171450" indent="-171450">
+              <a:buFont typeface="Arial" panose="020B0604020202020204" pitchFamily="34" charset="0"/>
+              <a:buChar char="•"/>
+            </a:pPr>
+            <a:r>
+              <a:rPr lang="zh-CN" altLang="en-US" sz="1200" dirty="0">
+                <a:solidFill>
+                  <a:srgbClr val="788BA9"/>
+                </a:solidFill>
+                <a:latin typeface="微软雅黑" panose="020B0503020204020204" pitchFamily="34" charset="-122"/>
+                <a:ea typeface="微软雅黑" panose="020B0503020204020204" pitchFamily="34" charset="-122"/>
+              </a:rPr>
+              <a:t>消费者可能需要维护消费状态，如：处理完消息后，记录在数据库中。</a:t>
+            </a:r>
+          </a:p>
+          <a:p>
+            <a:pPr marL="171450" indent="-171450">
+              <a:buFont typeface="Arial" panose="020B0604020202020204" pitchFamily="34" charset="0"/>
+              <a:buChar char="•"/>
+            </a:pPr>
+            <a:r>
+              <a:rPr lang="zh-CN" altLang="en-US" sz="1200" dirty="0">
+                <a:solidFill>
+                  <a:srgbClr val="788BA9"/>
+                </a:solidFill>
+                <a:latin typeface="微软雅黑" panose="020B0503020204020204" pitchFamily="34" charset="-122"/>
+                <a:ea typeface="微软雅黑" panose="020B0503020204020204" pitchFamily="34" charset="-122"/>
+              </a:rPr>
+              <a:t>幂等性设计</a:t>
+            </a:r>
+          </a:p>
+          <a:p>
+            <a:pPr marL="514350" lvl="1" indent="-171450">
+              <a:buFont typeface="Arial" panose="020B0604020202020204" pitchFamily="34" charset="0"/>
+              <a:buChar char="•"/>
+            </a:pPr>
+            <a:r>
+              <a:rPr lang="zh-CN" altLang="en-US" sz="1200" dirty="0">
+                <a:solidFill>
+                  <a:srgbClr val="788BA9"/>
+                </a:solidFill>
+                <a:latin typeface="微软雅黑" panose="020B0503020204020204" pitchFamily="34" charset="-122"/>
+                <a:ea typeface="微软雅黑" panose="020B0503020204020204" pitchFamily="34" charset="-122"/>
+              </a:rPr>
+              <a:t>写数据库：根据主键判断记录是否存在</a:t>
+            </a:r>
+          </a:p>
+          <a:p>
+            <a:pPr marL="514350" lvl="1" indent="-171450">
+              <a:buFont typeface="Arial" panose="020B0604020202020204" pitchFamily="34" charset="0"/>
+              <a:buChar char="•"/>
+            </a:pPr>
+            <a:r>
+              <a:rPr lang="zh-CN" altLang="en-US" sz="1200" dirty="0">
+                <a:solidFill>
+                  <a:srgbClr val="788BA9"/>
+                </a:solidFill>
+                <a:latin typeface="微软雅黑" panose="020B0503020204020204" pitchFamily="34" charset="-122"/>
+                <a:ea typeface="微软雅黑" panose="020B0503020204020204" pitchFamily="34" charset="-122"/>
+              </a:rPr>
+              <a:t>写 </a:t>
+            </a:r>
+            <a:r>
+              <a:rPr lang="en-US" altLang="zh-CN" sz="1200" dirty="0">
+                <a:solidFill>
+                  <a:srgbClr val="788BA9"/>
+                </a:solidFill>
+                <a:latin typeface="微软雅黑" panose="020B0503020204020204" pitchFamily="34" charset="-122"/>
+                <a:ea typeface="微软雅黑" panose="020B0503020204020204" pitchFamily="34" charset="-122"/>
+              </a:rPr>
+              <a:t>Redis</a:t>
+            </a:r>
+            <a:r>
+              <a:rPr lang="zh-CN" altLang="en-US" sz="1200" dirty="0">
+                <a:solidFill>
+                  <a:srgbClr val="788BA9"/>
+                </a:solidFill>
+                <a:latin typeface="微软雅黑" panose="020B0503020204020204" pitchFamily="34" charset="-122"/>
+                <a:ea typeface="微软雅黑" panose="020B0503020204020204" pitchFamily="34" charset="-122"/>
+              </a:rPr>
+              <a:t>：</a:t>
+            </a:r>
+            <a:r>
+              <a:rPr lang="en-US" altLang="zh-CN" sz="1200" dirty="0">
+                <a:solidFill>
+                  <a:srgbClr val="788BA9"/>
+                </a:solidFill>
+                <a:latin typeface="微软雅黑" panose="020B0503020204020204" pitchFamily="34" charset="-122"/>
+                <a:ea typeface="微软雅黑" panose="020B0503020204020204" pitchFamily="34" charset="-122"/>
+              </a:rPr>
+              <a:t>set </a:t>
+            </a:r>
+            <a:r>
+              <a:rPr lang="zh-CN" altLang="en-US" sz="1200" dirty="0">
+                <a:solidFill>
+                  <a:srgbClr val="788BA9"/>
+                </a:solidFill>
+                <a:latin typeface="微软雅黑" panose="020B0503020204020204" pitchFamily="34" charset="-122"/>
+                <a:ea typeface="微软雅黑" panose="020B0503020204020204" pitchFamily="34" charset="-122"/>
+              </a:rPr>
+              <a:t>操作天然具有幂等性</a:t>
+            </a:r>
+          </a:p>
+          <a:p>
+            <a:pPr marL="514350" lvl="1" indent="-171450">
+              <a:buFont typeface="Arial" panose="020B0604020202020204" pitchFamily="34" charset="0"/>
+              <a:buChar char="•"/>
+            </a:pPr>
+            <a:r>
+              <a:rPr lang="zh-CN" altLang="en-US" sz="1200" dirty="0">
+                <a:solidFill>
+                  <a:srgbClr val="788BA9"/>
+                </a:solidFill>
+                <a:latin typeface="微软雅黑" panose="020B0503020204020204" pitchFamily="34" charset="-122"/>
+                <a:ea typeface="微软雅黑" panose="020B0503020204020204" pitchFamily="34" charset="-122"/>
+              </a:rPr>
+              <a:t>复杂的逻辑处理，则可以在消息中加入全局 </a:t>
+            </a:r>
+            <a:r>
+              <a:rPr lang="en-US" altLang="zh-CN" sz="1200" dirty="0">
+                <a:solidFill>
+                  <a:srgbClr val="788BA9"/>
+                </a:solidFill>
+                <a:latin typeface="微软雅黑" panose="020B0503020204020204" pitchFamily="34" charset="-122"/>
+                <a:ea typeface="微软雅黑" panose="020B0503020204020204" pitchFamily="34" charset="-122"/>
+              </a:rPr>
+              <a:t>ID</a:t>
+            </a:r>
+          </a:p>
+        </p:txBody>
+      </p:sp>
+    </p:spTree>
+    <p:extLst>
+      <p:ext uri="{BB962C8B-B14F-4D97-AF65-F5344CB8AC3E}">
+        <p14:creationId xmlns:p14="http://schemas.microsoft.com/office/powerpoint/2010/main" val="1296405065"/>
+      </p:ext>
+    </p:extLst>
+  </p:cSld>
+  <p:clrMapOvr>
+    <a:masterClrMapping/>
+  </p:clrMapOvr>
+  <mc:AlternateContent xmlns:mc="http://schemas.openxmlformats.org/markup-compatibility/2006" xmlns:p14="http://schemas.microsoft.com/office/powerpoint/2010/main">
+    <mc:Choice Requires="p14">
+      <p:transition spd="med" p14:dur="700">
+        <p:fade/>
+      </p:transition>
+    </mc:Choice>
+    <mc:Fallback xmlns="">
+      <p:transition spd="med">
+        <p:fade/>
+      </p:transition>
+    </mc:Fallback>
+  </mc:AlternateContent>
+  <p:timing>
+    <p:tnLst>
+      <p:par>
+        <p:cTn id="1" dur="indefinite" restart="never" nodeType="tmRoot">
+          <p:childTnLst>
+            <p:seq concurrent="1" nextAc="seek">
+              <p:cTn id="2" dur="indefinite" nodeType="mainSeq">
+                <p:childTnLst>
+                  <p:par>
+                    <p:cTn id="3" fill="hold">
+                      <p:stCondLst>
+                        <p:cond delay="indefinite"/>
+                      </p:stCondLst>
+                      <p:childTnLst>
+                        <p:par>
+                          <p:cTn id="4" fill="hold">
+                            <p:stCondLst>
+                              <p:cond delay="0"/>
+                            </p:stCondLst>
+                            <p:childTnLst>
+                              <p:par>
+                                <p:cTn id="5" presetID="42" presetClass="entr" presetSubtype="0" fill="hold" grpId="0" nodeType="clickEffect">
+                                  <p:stCondLst>
+                                    <p:cond delay="0"/>
+                                  </p:stCondLst>
+                                  <p:childTnLst>
+                                    <p:set>
+                                      <p:cBhvr>
+                                        <p:cTn id="6" dur="1" fill="hold">
+                                          <p:stCondLst>
+                                            <p:cond delay="0"/>
+                                          </p:stCondLst>
+                                        </p:cTn>
+                                        <p:tgtEl>
+                                          <p:spTgt spid="7"/>
+                                        </p:tgtEl>
+                                        <p:attrNameLst>
+                                          <p:attrName>style.visibility</p:attrName>
+                                        </p:attrNameLst>
+                                      </p:cBhvr>
+                                      <p:to>
+                                        <p:strVal val="visible"/>
+                                      </p:to>
+                                    </p:set>
+                                    <p:animEffect transition="in" filter="fade">
+                                      <p:cBhvr>
+                                        <p:cTn id="7" dur="1000"/>
+                                        <p:tgtEl>
+                                          <p:spTgt spid="7"/>
+                                        </p:tgtEl>
+                                      </p:cBhvr>
+                                    </p:animEffect>
+                                    <p:anim calcmode="lin" valueType="num">
+                                      <p:cBhvr>
+                                        <p:cTn id="8" dur="1000" fill="hold"/>
+                                        <p:tgtEl>
+                                          <p:spTgt spid="7"/>
+                                        </p:tgtEl>
+                                        <p:attrNameLst>
+                                          <p:attrName>ppt_x</p:attrName>
+                                        </p:attrNameLst>
+                                      </p:cBhvr>
+                                      <p:tavLst>
+                                        <p:tav tm="0">
+                                          <p:val>
+                                            <p:strVal val="#ppt_x"/>
+                                          </p:val>
+                                        </p:tav>
+                                        <p:tav tm="100000">
+                                          <p:val>
+                                            <p:strVal val="#ppt_x"/>
+                                          </p:val>
+                                        </p:tav>
+                                      </p:tavLst>
+                                    </p:anim>
+                                    <p:anim calcmode="lin" valueType="num">
+                                      <p:cBhvr>
+                                        <p:cTn id="9" dur="1000" fill="hold"/>
+                                        <p:tgtEl>
+                                          <p:spTgt spid="7"/>
+                                        </p:tgtEl>
+                                        <p:attrNameLst>
+                                          <p:attrName>ppt_y</p:attrName>
+                                        </p:attrNameLst>
+                                      </p:cBhvr>
+                                      <p:tavLst>
+                                        <p:tav tm="0">
+                                          <p:val>
+                                            <p:strVal val="#ppt_y+.1"/>
+                                          </p:val>
+                                        </p:tav>
+                                        <p:tav tm="100000">
+                                          <p:val>
+                                            <p:strVal val="#ppt_y"/>
+                                          </p:val>
+                                        </p:tav>
+                                      </p:tavLst>
+                                    </p:anim>
+                                  </p:childTnLst>
+                                </p:cTn>
+                              </p:par>
+                            </p:childTnLst>
+                          </p:cTn>
+                        </p:par>
+                      </p:childTnLst>
+                    </p:cTn>
+                  </p:par>
+                </p:childTnLst>
+              </p:cTn>
+              <p:prevCondLst>
+                <p:cond evt="onPrev" delay="0">
+                  <p:tgtEl>
+                    <p:sldTgt/>
+                  </p:tgtEl>
+                </p:cond>
+              </p:prevCondLst>
+              <p:nextCondLst>
+                <p:cond evt="onNext" delay="0">
+                  <p:tgtEl>
+                    <p:sldTgt/>
+                  </p:tgtEl>
+                </p:cond>
+              </p:nextCondLst>
+            </p:seq>
+          </p:childTnLst>
+        </p:cTn>
+      </p:par>
+    </p:tnLst>
+    <p:bldLst>
+      <p:bldP spid="7" grpId="0"/>
+    </p:bldLst>
+  </p:timing>
+</p:sld>
+</file>
+
+<file path=ppt/slides/slide34.xml><?xml version="1.0" encoding="utf-8"?>
+<p:sld xmlns:a="http://schemas.openxmlformats.org/drawingml/2006/main" xmlns:r="http://schemas.openxmlformats.org/officeDocument/2006/relationships" xmlns:p="http://schemas.openxmlformats.org/presentationml/2006/main">
+  <p:cSld>
+    <p:spTree>
+      <p:nvGrpSpPr>
+        <p:cNvPr id="1" name=""/>
+        <p:cNvGrpSpPr/>
+        <p:nvPr/>
+      </p:nvGrpSpPr>
+      <p:grpSpPr>
+        <a:xfrm>
+          <a:off x="0" y="0"/>
+          <a:ext cx="0" cy="0"/>
+          <a:chOff x="0" y="0"/>
+          <a:chExt cx="0" cy="0"/>
+        </a:xfrm>
+      </p:grpSpPr>
+      <p:sp>
+        <p:nvSpPr>
+          <p:cNvPr id="14" name="文本框 5">
+            <a:extLst>
+              <a:ext uri="{FF2B5EF4-FFF2-40B4-BE49-F238E27FC236}">
+                <a16:creationId xmlns:a16="http://schemas.microsoft.com/office/drawing/2014/main" id="{FA736850-7F6A-43F6-84CE-B69873064C7D}"/>
+              </a:ext>
+            </a:extLst>
+          </p:cNvPr>
+          <p:cNvSpPr txBox="1"/>
+          <p:nvPr/>
+        </p:nvSpPr>
+        <p:spPr>
+          <a:xfrm>
+            <a:off x="0" y="158344"/>
+            <a:ext cx="9144000" cy="461665"/>
+          </a:xfrm>
+          <a:prstGeom prst="rect">
+            <a:avLst/>
+          </a:prstGeom>
+          <a:noFill/>
+        </p:spPr>
+        <p:txBody>
+          <a:bodyPr wrap="square" rtlCol="0">
+            <a:spAutoFit/>
+          </a:bodyPr>
+          <a:lstStyle/>
+          <a:p>
+            <a:pPr algn="ctr"/>
+            <a:r>
+              <a:rPr lang="zh-CN" altLang="en-US" sz="2400" b="1" dirty="0">
+                <a:solidFill>
+                  <a:srgbClr val="475D74"/>
+                </a:solidFill>
+                <a:latin typeface="微软雅黑" panose="020B0503020204020204" pitchFamily="34" charset="-122"/>
+                <a:ea typeface="微软雅黑" panose="020B0503020204020204" pitchFamily="34" charset="-122"/>
+              </a:rPr>
               <a:t>重复消息</a:t>
             </a:r>
           </a:p>
@@ -31670,7 +31888,7 @@
 </p:sld>
 </file>
 
-<file path=ppt/slides/slide34.xml><?xml version="1.0" encoding="utf-8"?>
+<file path=ppt/slides/slide35.xml><?xml version="1.0" encoding="utf-8"?>
 <p:sld xmlns:a="http://schemas.openxmlformats.org/drawingml/2006/main" xmlns:r="http://schemas.openxmlformats.org/officeDocument/2006/relationships" xmlns:p="http://schemas.openxmlformats.org/presentationml/2006/main">
   <p:cSld>
     <p:spTree>
@@ -32452,7 +32670,7 @@
 </p:sld>
 </file>
 
-<file path=ppt/slides/slide35.xml><?xml version="1.0" encoding="utf-8"?>
+<file path=ppt/slides/slide36.xml><?xml version="1.0" encoding="utf-8"?>
 <p:sld xmlns:a="http://schemas.openxmlformats.org/drawingml/2006/main" xmlns:r="http://schemas.openxmlformats.org/officeDocument/2006/relationships" xmlns:p="http://schemas.openxmlformats.org/presentationml/2006/main">
   <p:cSld>
     <p:spTree>
@@ -32801,7 +33019,7 @@
 </p:sld>
 </file>
 
-<file path=ppt/slides/slide36.xml><?xml version="1.0" encoding="utf-8"?>
+<file path=ppt/slides/slide37.xml><?xml version="1.0" encoding="utf-8"?>
 <p:sld xmlns:a="http://schemas.openxmlformats.org/drawingml/2006/main" xmlns:r="http://schemas.openxmlformats.org/officeDocument/2006/relationships" xmlns:p="http://schemas.openxmlformats.org/presentationml/2006/main">
   <p:cSld>
     <p:spTree>
@@ -33287,7 +33505,7 @@
 </p:sld>
 </file>
 
-<file path=ppt/slides/slide37.xml><?xml version="1.0" encoding="utf-8"?>
+<file path=ppt/slides/slide38.xml><?xml version="1.0" encoding="utf-8"?>
 <p:sld xmlns:a="http://schemas.openxmlformats.org/drawingml/2006/main" xmlns:r="http://schemas.openxmlformats.org/officeDocument/2006/relationships" xmlns:p="http://schemas.openxmlformats.org/presentationml/2006/main">
   <p:cSld>
     <p:spTree>
@@ -33699,7 +33917,7 @@
 </p:sld>
 </file>
 
-<file path=ppt/slides/slide38.xml><?xml version="1.0" encoding="utf-8"?>
+<file path=ppt/slides/slide39.xml><?xml version="1.0" encoding="utf-8"?>
 <p:sld xmlns:a="http://schemas.openxmlformats.org/drawingml/2006/main" xmlns:r="http://schemas.openxmlformats.org/officeDocument/2006/relationships" xmlns:p="http://schemas.openxmlformats.org/presentationml/2006/main">
   <p:cSld>
     <p:spTree>
